--- a/Валидатор почты.pptx
+++ b/Валидатор почты.pptx
@@ -3146,7 +3146,7 @@
           <a:bodyPr lIns="0" rIns="0" tIns="0" bIns="0"/>
           <a:p>
             <a:pPr algn="r"/>
-            <a:fld id="{28F6B661-638E-46C0-B162-F4A30F4896DC}" type="slidenum">
+            <a:fld id="{0C06DB08-9CE2-401A-92D7-0DEBA29BD89B}" type="slidenum">
               <a:rPr b="0" lang="en-US" sz="1400" spc="-1" strike="noStrike">
                 <a:latin typeface="Times New Roman"/>
               </a:rPr>
@@ -3553,7 +3553,7 @@
               <a:rPr b="0" lang="en-US" sz="1400" spc="-1" strike="noStrike">
                 <a:latin typeface="Times New Roman"/>
               </a:rPr>
-              <a:t> </a:t>
+              <a:t>&lt;date/time&gt;</a:t>
             </a:r>
             <a:endParaRPr b="0" lang="en-US" sz="1400" spc="-1" strike="noStrike">
               <a:latin typeface="Times New Roman"/>
@@ -3588,7 +3588,7 @@
               <a:rPr b="0" lang="en-US" sz="1400" spc="-1" strike="noStrike">
                 <a:latin typeface="Times New Roman"/>
               </a:rPr>
-              <a:t> </a:t>
+              <a:t>&lt;footer&gt;</a:t>
             </a:r>
             <a:endParaRPr b="0" lang="en-US" sz="1400" spc="-1" strike="noStrike">
               <a:latin typeface="Times New Roman"/>
@@ -3619,11 +3619,11 @@
           <a:bodyPr lIns="0" rIns="0" tIns="0" bIns="0"/>
           <a:p>
             <a:pPr algn="r"/>
-            <a:fld id="{4CF4DF4B-3EE3-4419-AF14-FA6D27391C7C}" type="slidenum">
+            <a:fld id="{303ADB84-4760-4939-BF98-9B440F2754B7}" type="slidenum">
               <a:rPr b="0" lang="en-US" sz="1400" spc="-1" strike="noStrike">
                 <a:latin typeface="Times New Roman"/>
               </a:rPr>
-              <a:t>1</a:t>
+              <a:t>&lt;number&gt;</a:t>
             </a:fld>
             <a:endParaRPr b="0" lang="en-US" sz="1400" spc="-1" strike="noStrike">
               <a:latin typeface="Times New Roman"/>
@@ -3711,33 +3711,6 @@
       </p:sp>
     </p:spTree>
   </p:cSld>
-  <p:timing>
-    <p:tnLst>
-      <p:par>
-        <p:cTn id="1" dur="indefinite" restart="never" nodeType="tmRoot">
-          <p:childTnLst>
-            <p:seq>
-              <p:cTn id="2" dur="indefinite" nodeType="mainSeq"/>
-              <p:prevCondLst>
-                <p:cond delay="0" evt="onPrev">
-                  <p:tgtEl>
-                    <p:sldTgt/>
-                  </p:tgtEl>
-                </p:cond>
-              </p:prevCondLst>
-              <p:nextCondLst>
-                <p:cond delay="0" evt="onNext">
-                  <p:tgtEl>
-                    <p:sldTgt/>
-                  </p:tgtEl>
-                </p:cond>
-              </p:nextCondLst>
-            </p:seq>
-          </p:childTnLst>
-        </p:cTn>
-      </p:par>
-    </p:tnLst>
-  </p:timing>
 </p:sld>
 </file>
 
@@ -3760,7 +3733,7 @@
       </p:grpSpPr>
       <p:sp>
         <p:nvSpPr>
-          <p:cNvPr id="102" name="TextShape 1"/>
+          <p:cNvPr id="105" name="TextShape 1"/>
           <p:cNvSpPr txBox="1"/>
           <p:nvPr/>
         </p:nvSpPr>
@@ -3801,7 +3774,7 @@
       </p:sp>
       <p:sp>
         <p:nvSpPr>
-          <p:cNvPr id="103" name="TextShape 2"/>
+          <p:cNvPr id="106" name="TextShape 2"/>
           <p:cNvSpPr txBox="1"/>
           <p:nvPr/>
         </p:nvSpPr>
@@ -4029,33 +4002,6 @@
       </p:sp>
     </p:spTree>
   </p:cSld>
-  <p:timing>
-    <p:tnLst>
-      <p:par>
-        <p:cTn id="19" dur="indefinite" restart="never" nodeType="tmRoot">
-          <p:childTnLst>
-            <p:seq>
-              <p:cTn id="20" dur="indefinite" nodeType="mainSeq"/>
-              <p:prevCondLst>
-                <p:cond delay="0" evt="onPrev">
-                  <p:tgtEl>
-                    <p:sldTgt/>
-                  </p:tgtEl>
-                </p:cond>
-              </p:prevCondLst>
-              <p:nextCondLst>
-                <p:cond delay="0" evt="onNext">
-                  <p:tgtEl>
-                    <p:sldTgt/>
-                  </p:tgtEl>
-                </p:cond>
-              </p:nextCondLst>
-            </p:seq>
-          </p:childTnLst>
-        </p:cTn>
-      </p:par>
-    </p:tnLst>
-  </p:timing>
 </p:sld>
 </file>
 
@@ -4233,35 +4179,31 @@
           </a:p>
         </p:txBody>
       </p:sp>
+      <p:pic>
+        <p:nvPicPr>
+          <p:cNvPr id="88" name="" descr=""/>
+          <p:cNvPicPr/>
+          <p:nvPr/>
+        </p:nvPicPr>
+        <p:blipFill>
+          <a:blip r:embed="rId1"/>
+          <a:stretch/>
+        </p:blipFill>
+        <p:spPr>
+          <a:xfrm>
+            <a:off x="4023360" y="4480560"/>
+            <a:ext cx="1881000" cy="1881000"/>
+          </a:xfrm>
+          <a:prstGeom prst="rect">
+            <a:avLst/>
+          </a:prstGeom>
+          <a:ln>
+            <a:noFill/>
+          </a:ln>
+        </p:spPr>
+      </p:pic>
     </p:spTree>
   </p:cSld>
-  <p:timing>
-    <p:tnLst>
-      <p:par>
-        <p:cTn id="3" dur="indefinite" restart="never" nodeType="tmRoot">
-          <p:childTnLst>
-            <p:seq>
-              <p:cTn id="4" dur="indefinite" nodeType="mainSeq"/>
-              <p:prevCondLst>
-                <p:cond delay="0" evt="onPrev">
-                  <p:tgtEl>
-                    <p:sldTgt/>
-                  </p:tgtEl>
-                </p:cond>
-              </p:prevCondLst>
-              <p:nextCondLst>
-                <p:cond delay="0" evt="onNext">
-                  <p:tgtEl>
-                    <p:sldTgt/>
-                  </p:tgtEl>
-                </p:cond>
-              </p:nextCondLst>
-            </p:seq>
-          </p:childTnLst>
-        </p:cTn>
-      </p:par>
-    </p:tnLst>
-  </p:timing>
 </p:sld>
 </file>
 
@@ -4284,7 +4226,7 @@
       </p:grpSpPr>
       <p:sp>
         <p:nvSpPr>
-          <p:cNvPr id="88" name="TextShape 1"/>
+          <p:cNvPr id="89" name="TextShape 1"/>
           <p:cNvSpPr txBox="1"/>
           <p:nvPr/>
         </p:nvSpPr>
@@ -4325,7 +4267,7 @@
       </p:sp>
       <p:sp>
         <p:nvSpPr>
-          <p:cNvPr id="89" name="TextShape 2"/>
+          <p:cNvPr id="90" name="TextShape 2"/>
           <p:cNvSpPr txBox="1"/>
           <p:nvPr/>
         </p:nvSpPr>
@@ -4460,33 +4402,6 @@
       </p:sp>
     </p:spTree>
   </p:cSld>
-  <p:timing>
-    <p:tnLst>
-      <p:par>
-        <p:cTn id="5" dur="indefinite" restart="never" nodeType="tmRoot">
-          <p:childTnLst>
-            <p:seq>
-              <p:cTn id="6" dur="indefinite" nodeType="mainSeq"/>
-              <p:prevCondLst>
-                <p:cond delay="0" evt="onPrev">
-                  <p:tgtEl>
-                    <p:sldTgt/>
-                  </p:tgtEl>
-                </p:cond>
-              </p:prevCondLst>
-              <p:nextCondLst>
-                <p:cond delay="0" evt="onNext">
-                  <p:tgtEl>
-                    <p:sldTgt/>
-                  </p:tgtEl>
-                </p:cond>
-              </p:nextCondLst>
-            </p:seq>
-          </p:childTnLst>
-        </p:cTn>
-      </p:par>
-    </p:tnLst>
-  </p:timing>
 </p:sld>
 </file>
 
@@ -4509,7 +4424,7 @@
       </p:grpSpPr>
       <p:sp>
         <p:nvSpPr>
-          <p:cNvPr id="90" name="TextShape 1"/>
+          <p:cNvPr id="91" name="TextShape 1"/>
           <p:cNvSpPr txBox="1"/>
           <p:nvPr/>
         </p:nvSpPr>
@@ -4550,7 +4465,7 @@
       </p:sp>
       <p:sp>
         <p:nvSpPr>
-          <p:cNvPr id="91" name="TextShape 2"/>
+          <p:cNvPr id="92" name="TextShape 2"/>
           <p:cNvSpPr txBox="1"/>
           <p:nvPr/>
         </p:nvSpPr>
@@ -4781,33 +4696,6 @@
       </p:sp>
     </p:spTree>
   </p:cSld>
-  <p:timing>
-    <p:tnLst>
-      <p:par>
-        <p:cTn id="7" dur="indefinite" restart="never" nodeType="tmRoot">
-          <p:childTnLst>
-            <p:seq>
-              <p:cTn id="8" dur="indefinite" nodeType="mainSeq"/>
-              <p:prevCondLst>
-                <p:cond delay="0" evt="onPrev">
-                  <p:tgtEl>
-                    <p:sldTgt/>
-                  </p:tgtEl>
-                </p:cond>
-              </p:prevCondLst>
-              <p:nextCondLst>
-                <p:cond delay="0" evt="onNext">
-                  <p:tgtEl>
-                    <p:sldTgt/>
-                  </p:tgtEl>
-                </p:cond>
-              </p:nextCondLst>
-            </p:seq>
-          </p:childTnLst>
-        </p:cTn>
-      </p:par>
-    </p:tnLst>
-  </p:timing>
 </p:sld>
 </file>
 
@@ -4830,7 +4718,7 @@
       </p:grpSpPr>
       <p:sp>
         <p:nvSpPr>
-          <p:cNvPr id="92" name="TextShape 1"/>
+          <p:cNvPr id="93" name="TextShape 1"/>
           <p:cNvSpPr txBox="1"/>
           <p:nvPr/>
         </p:nvSpPr>
@@ -4871,7 +4759,7 @@
       </p:sp>
       <p:sp>
         <p:nvSpPr>
-          <p:cNvPr id="93" name="TextShape 2"/>
+          <p:cNvPr id="94" name="TextShape 2"/>
           <p:cNvSpPr txBox="1"/>
           <p:nvPr/>
         </p:nvSpPr>
@@ -4911,7 +4799,7 @@
               </a:rPr>
               <a:t>&lt;локальная часть&gt;@&lt;доменная часть&gt;</a:t>
             </a:r>
-            <a:endParaRPr b="0" i="1" lang="en-US" sz="2800" spc="-1" strike="noStrike">
+            <a:endParaRPr b="0" lang="en-US" sz="2800" spc="-1" strike="noStrike">
               <a:solidFill>
                 <a:srgbClr val="0066cc"/>
               </a:solidFill>
@@ -4939,7 +4827,7 @@
               </a:rPr>
               <a:t>В локальной части допускаются все латинские буквы и цифры, а также спец символы -_.</a:t>
             </a:r>
-            <a:endParaRPr b="0" i="1" lang="en-US" sz="2800" spc="-1" strike="noStrike">
+            <a:endParaRPr b="0" lang="en-US" sz="2800" spc="-1" strike="noStrike">
               <a:solidFill>
                 <a:srgbClr val="0066cc"/>
               </a:solidFill>
@@ -4976,7 +4864,7 @@
               </a:rPr>
               <a:t>допускаются все латинские буквы и цифры, а также спец символы -_.</a:t>
             </a:r>
-            <a:endParaRPr b="0" i="1" lang="en-US" sz="2800" spc="-1" strike="noStrike">
+            <a:endParaRPr b="0" lang="en-US" sz="2800" spc="-1" strike="noStrike">
               <a:solidFill>
                 <a:srgbClr val="0066cc"/>
               </a:solidFill>
@@ -5004,7 +4892,7 @@
               </a:rPr>
               <a:t>Длина последнего домена после точки должна быть от двух символов и содержать только буквы</a:t>
             </a:r>
-            <a:endParaRPr b="0" i="1" lang="en-US" sz="2800" spc="-1" strike="noStrike">
+            <a:endParaRPr b="0" lang="en-US" sz="2800" spc="-1" strike="noStrike">
               <a:solidFill>
                 <a:srgbClr val="0066cc"/>
               </a:solidFill>
@@ -5015,33 +4903,6 @@
       </p:sp>
     </p:spTree>
   </p:cSld>
-  <p:timing>
-    <p:tnLst>
-      <p:par>
-        <p:cTn id="9" dur="indefinite" restart="never" nodeType="tmRoot">
-          <p:childTnLst>
-            <p:seq>
-              <p:cTn id="10" dur="indefinite" nodeType="mainSeq"/>
-              <p:prevCondLst>
-                <p:cond delay="0" evt="onPrev">
-                  <p:tgtEl>
-                    <p:sldTgt/>
-                  </p:tgtEl>
-                </p:cond>
-              </p:prevCondLst>
-              <p:nextCondLst>
-                <p:cond delay="0" evt="onNext">
-                  <p:tgtEl>
-                    <p:sldTgt/>
-                  </p:tgtEl>
-                </p:cond>
-              </p:nextCondLst>
-            </p:seq>
-          </p:childTnLst>
-        </p:cTn>
-      </p:par>
-    </p:tnLst>
-  </p:timing>
 </p:sld>
 </file>
 
@@ -5064,7 +4925,7 @@
       </p:grpSpPr>
       <p:sp>
         <p:nvSpPr>
-          <p:cNvPr id="94" name="TextShape 1"/>
+          <p:cNvPr id="95" name="TextShape 1"/>
           <p:cNvSpPr txBox="1"/>
           <p:nvPr/>
         </p:nvSpPr>
@@ -5105,7 +4966,7 @@
       </p:sp>
       <p:sp>
         <p:nvSpPr>
-          <p:cNvPr id="95" name="TextShape 2"/>
+          <p:cNvPr id="96" name="TextShape 2"/>
           <p:cNvSpPr txBox="1"/>
           <p:nvPr/>
         </p:nvSpPr>
@@ -5182,35 +5043,54 @@
           </a:p>
         </p:txBody>
       </p:sp>
+      <p:pic>
+        <p:nvPicPr>
+          <p:cNvPr id="97" name="" descr=""/>
+          <p:cNvPicPr/>
+          <p:nvPr/>
+        </p:nvPicPr>
+        <p:blipFill>
+          <a:blip r:embed="rId1"/>
+          <a:stretch/>
+        </p:blipFill>
+        <p:spPr>
+          <a:xfrm>
+            <a:off x="2103120" y="3657600"/>
+            <a:ext cx="1737360" cy="1737360"/>
+          </a:xfrm>
+          <a:prstGeom prst="rect">
+            <a:avLst/>
+          </a:prstGeom>
+          <a:ln>
+            <a:noFill/>
+          </a:ln>
+        </p:spPr>
+      </p:pic>
+      <p:pic>
+        <p:nvPicPr>
+          <p:cNvPr id="98" name="" descr=""/>
+          <p:cNvPicPr/>
+          <p:nvPr/>
+        </p:nvPicPr>
+        <p:blipFill>
+          <a:blip r:embed="rId2"/>
+          <a:stretch/>
+        </p:blipFill>
+        <p:spPr>
+          <a:xfrm>
+            <a:off x="4754880" y="3474720"/>
+            <a:ext cx="2103120" cy="2103120"/>
+          </a:xfrm>
+          <a:prstGeom prst="rect">
+            <a:avLst/>
+          </a:prstGeom>
+          <a:ln>
+            <a:noFill/>
+          </a:ln>
+        </p:spPr>
+      </p:pic>
     </p:spTree>
   </p:cSld>
-  <p:timing>
-    <p:tnLst>
-      <p:par>
-        <p:cTn id="11" dur="indefinite" restart="never" nodeType="tmRoot">
-          <p:childTnLst>
-            <p:seq>
-              <p:cTn id="12" dur="indefinite" nodeType="mainSeq"/>
-              <p:prevCondLst>
-                <p:cond delay="0" evt="onPrev">
-                  <p:tgtEl>
-                    <p:sldTgt/>
-                  </p:tgtEl>
-                </p:cond>
-              </p:prevCondLst>
-              <p:nextCondLst>
-                <p:cond delay="0" evt="onNext">
-                  <p:tgtEl>
-                    <p:sldTgt/>
-                  </p:tgtEl>
-                </p:cond>
-              </p:nextCondLst>
-            </p:seq>
-          </p:childTnLst>
-        </p:cTn>
-      </p:par>
-    </p:tnLst>
-  </p:timing>
 </p:sld>
 </file>
 
@@ -5233,7 +5113,7 @@
       </p:grpSpPr>
       <p:sp>
         <p:nvSpPr>
-          <p:cNvPr id="96" name="TextShape 1"/>
+          <p:cNvPr id="99" name="TextShape 1"/>
           <p:cNvSpPr txBox="1"/>
           <p:nvPr/>
         </p:nvSpPr>
@@ -5274,7 +5154,7 @@
       </p:sp>
       <p:sp>
         <p:nvSpPr>
-          <p:cNvPr id="97" name="TextShape 2"/>
+          <p:cNvPr id="100" name="TextShape 2"/>
           <p:cNvSpPr txBox="1"/>
           <p:nvPr/>
         </p:nvSpPr>
@@ -5428,33 +5308,6 @@
       </p:sp>
     </p:spTree>
   </p:cSld>
-  <p:timing>
-    <p:tnLst>
-      <p:par>
-        <p:cTn id="13" dur="indefinite" restart="never" nodeType="tmRoot">
-          <p:childTnLst>
-            <p:seq>
-              <p:cTn id="14" dur="indefinite" nodeType="mainSeq"/>
-              <p:prevCondLst>
-                <p:cond delay="0" evt="onPrev">
-                  <p:tgtEl>
-                    <p:sldTgt/>
-                  </p:tgtEl>
-                </p:cond>
-              </p:prevCondLst>
-              <p:nextCondLst>
-                <p:cond delay="0" evt="onNext">
-                  <p:tgtEl>
-                    <p:sldTgt/>
-                  </p:tgtEl>
-                </p:cond>
-              </p:nextCondLst>
-            </p:seq>
-          </p:childTnLst>
-        </p:cTn>
-      </p:par>
-    </p:tnLst>
-  </p:timing>
 </p:sld>
 </file>
 
@@ -5477,7 +5330,7 @@
       </p:grpSpPr>
       <p:sp>
         <p:nvSpPr>
-          <p:cNvPr id="98" name="TextShape 1"/>
+          <p:cNvPr id="101" name="TextShape 1"/>
           <p:cNvSpPr txBox="1"/>
           <p:nvPr/>
         </p:nvSpPr>
@@ -5518,7 +5371,7 @@
       </p:sp>
       <p:sp>
         <p:nvSpPr>
-          <p:cNvPr id="99" name="TextShape 2"/>
+          <p:cNvPr id="102" name="TextShape 2"/>
           <p:cNvSpPr txBox="1"/>
           <p:nvPr/>
         </p:nvSpPr>
@@ -5787,33 +5640,6 @@
       </p:sp>
     </p:spTree>
   </p:cSld>
-  <p:timing>
-    <p:tnLst>
-      <p:par>
-        <p:cTn id="15" dur="indefinite" restart="never" nodeType="tmRoot">
-          <p:childTnLst>
-            <p:seq>
-              <p:cTn id="16" dur="indefinite" nodeType="mainSeq"/>
-              <p:prevCondLst>
-                <p:cond delay="0" evt="onPrev">
-                  <p:tgtEl>
-                    <p:sldTgt/>
-                  </p:tgtEl>
-                </p:cond>
-              </p:prevCondLst>
-              <p:nextCondLst>
-                <p:cond delay="0" evt="onNext">
-                  <p:tgtEl>
-                    <p:sldTgt/>
-                  </p:tgtEl>
-                </p:cond>
-              </p:nextCondLst>
-            </p:seq>
-          </p:childTnLst>
-        </p:cTn>
-      </p:par>
-    </p:tnLst>
-  </p:timing>
 </p:sld>
 </file>
 
@@ -5836,7 +5662,7 @@
       </p:grpSpPr>
       <p:sp>
         <p:nvSpPr>
-          <p:cNvPr id="100" name="TextShape 1"/>
+          <p:cNvPr id="103" name="TextShape 1"/>
           <p:cNvSpPr txBox="1"/>
           <p:nvPr/>
         </p:nvSpPr>
@@ -5877,7 +5703,7 @@
       </p:sp>
       <p:sp>
         <p:nvSpPr>
-          <p:cNvPr id="101" name="TextShape 2"/>
+          <p:cNvPr id="104" name="TextShape 2"/>
           <p:cNvSpPr txBox="1"/>
           <p:nvPr/>
         </p:nvSpPr>
@@ -6143,33 +5969,6 @@
       </p:sp>
     </p:spTree>
   </p:cSld>
-  <p:timing>
-    <p:tnLst>
-      <p:par>
-        <p:cTn id="17" dur="indefinite" restart="never" nodeType="tmRoot">
-          <p:childTnLst>
-            <p:seq>
-              <p:cTn id="18" dur="indefinite" nodeType="mainSeq"/>
-              <p:prevCondLst>
-                <p:cond delay="0" evt="onPrev">
-                  <p:tgtEl>
-                    <p:sldTgt/>
-                  </p:tgtEl>
-                </p:cond>
-              </p:prevCondLst>
-              <p:nextCondLst>
-                <p:cond delay="0" evt="onNext">
-                  <p:tgtEl>
-                    <p:sldTgt/>
-                  </p:tgtEl>
-                </p:cond>
-              </p:nextCondLst>
-            </p:seq>
-          </p:childTnLst>
-        </p:cTn>
-      </p:par>
-    </p:tnLst>
-  </p:timing>
 </p:sld>
 </file>
 

--- a/Валидатор почты.pptx
+++ b/Валидатор почты.pptx
@@ -1,29 +1,124 @@
 
 <file path=ppt/presentation.xml><?xml version="1.0" encoding="utf-8"?>
-<p:presentation xmlns:a="http://schemas.openxmlformats.org/drawingml/2006/main" xmlns:p="http://schemas.openxmlformats.org/presentationml/2006/main" xmlns:r="http://schemas.openxmlformats.org/officeDocument/2006/relationships" xmlns:p14="http://schemas.microsoft.com/office/powerpoint/2010/main" xmlns:p15="http://schemas.microsoft.com/office/powerpoint/2012/main" xmlns:mc="http://schemas.openxmlformats.org/markup-compatibility/2006">
+<p:presentation xmlns:a="http://schemas.openxmlformats.org/drawingml/2006/main" xmlns:r="http://schemas.openxmlformats.org/officeDocument/2006/relationships" xmlns:p="http://schemas.openxmlformats.org/presentationml/2006/main">
   <p:sldMasterIdLst>
-    <p:sldMasterId id="2147483648" r:id="rId2"/>
-    <p:sldMasterId id="2147483661" r:id="rId3"/>
+    <p:sldMasterId id="2147483648" r:id="rId1"/>
+    <p:sldMasterId id="2147483661" r:id="rId2"/>
   </p:sldMasterIdLst>
   <p:sldIdLst>
-    <p:sldId id="256" r:id="rId4"/>
-    <p:sldId id="257" r:id="rId5"/>
-    <p:sldId id="258" r:id="rId6"/>
-    <p:sldId id="259" r:id="rId7"/>
-    <p:sldId id="260" r:id="rId8"/>
-    <p:sldId id="261" r:id="rId9"/>
-    <p:sldId id="262" r:id="rId10"/>
-    <p:sldId id="263" r:id="rId11"/>
-    <p:sldId id="264" r:id="rId12"/>
-    <p:sldId id="265" r:id="rId13"/>
+    <p:sldId id="256" r:id="rId3"/>
+    <p:sldId id="257" r:id="rId4"/>
+    <p:sldId id="258" r:id="rId5"/>
+    <p:sldId id="259" r:id="rId6"/>
+    <p:sldId id="260" r:id="rId7"/>
+    <p:sldId id="261" r:id="rId8"/>
+    <p:sldId id="262" r:id="rId9"/>
+    <p:sldId id="263" r:id="rId10"/>
+    <p:sldId id="264" r:id="rId11"/>
+    <p:sldId id="265" r:id="rId12"/>
   </p:sldIdLst>
   <p:sldSz cx="10080625" cy="7559675"/>
-  <p:notesSz cx="7559675" cy="10691812"/>
+  <p:notesSz cx="7559675" cy="10691813"/>
+  <p:defaultTextStyle>
+    <a:defPPr>
+      <a:defRPr lang="ru-RU"/>
+    </a:defPPr>
+    <a:lvl1pPr marL="0" algn="l" defTabSz="914400" rtl="0" eaLnBrk="1" latinLnBrk="0" hangingPunct="1">
+      <a:defRPr sz="1800" kern="1200">
+        <a:solidFill>
+          <a:schemeClr val="tx1"/>
+        </a:solidFill>
+        <a:latin typeface="+mn-lt"/>
+        <a:ea typeface="+mn-ea"/>
+        <a:cs typeface="+mn-cs"/>
+      </a:defRPr>
+    </a:lvl1pPr>
+    <a:lvl2pPr marL="457200" algn="l" defTabSz="914400" rtl="0" eaLnBrk="1" latinLnBrk="0" hangingPunct="1">
+      <a:defRPr sz="1800" kern="1200">
+        <a:solidFill>
+          <a:schemeClr val="tx1"/>
+        </a:solidFill>
+        <a:latin typeface="+mn-lt"/>
+        <a:ea typeface="+mn-ea"/>
+        <a:cs typeface="+mn-cs"/>
+      </a:defRPr>
+    </a:lvl2pPr>
+    <a:lvl3pPr marL="914400" algn="l" defTabSz="914400" rtl="0" eaLnBrk="1" latinLnBrk="0" hangingPunct="1">
+      <a:defRPr sz="1800" kern="1200">
+        <a:solidFill>
+          <a:schemeClr val="tx1"/>
+        </a:solidFill>
+        <a:latin typeface="+mn-lt"/>
+        <a:ea typeface="+mn-ea"/>
+        <a:cs typeface="+mn-cs"/>
+      </a:defRPr>
+    </a:lvl3pPr>
+    <a:lvl4pPr marL="1371600" algn="l" defTabSz="914400" rtl="0" eaLnBrk="1" latinLnBrk="0" hangingPunct="1">
+      <a:defRPr sz="1800" kern="1200">
+        <a:solidFill>
+          <a:schemeClr val="tx1"/>
+        </a:solidFill>
+        <a:latin typeface="+mn-lt"/>
+        <a:ea typeface="+mn-ea"/>
+        <a:cs typeface="+mn-cs"/>
+      </a:defRPr>
+    </a:lvl4pPr>
+    <a:lvl5pPr marL="1828800" algn="l" defTabSz="914400" rtl="0" eaLnBrk="1" latinLnBrk="0" hangingPunct="1">
+      <a:defRPr sz="1800" kern="1200">
+        <a:solidFill>
+          <a:schemeClr val="tx1"/>
+        </a:solidFill>
+        <a:latin typeface="+mn-lt"/>
+        <a:ea typeface="+mn-ea"/>
+        <a:cs typeface="+mn-cs"/>
+      </a:defRPr>
+    </a:lvl5pPr>
+    <a:lvl6pPr marL="2286000" algn="l" defTabSz="914400" rtl="0" eaLnBrk="1" latinLnBrk="0" hangingPunct="1">
+      <a:defRPr sz="1800" kern="1200">
+        <a:solidFill>
+          <a:schemeClr val="tx1"/>
+        </a:solidFill>
+        <a:latin typeface="+mn-lt"/>
+        <a:ea typeface="+mn-ea"/>
+        <a:cs typeface="+mn-cs"/>
+      </a:defRPr>
+    </a:lvl6pPr>
+    <a:lvl7pPr marL="2743200" algn="l" defTabSz="914400" rtl="0" eaLnBrk="1" latinLnBrk="0" hangingPunct="1">
+      <a:defRPr sz="1800" kern="1200">
+        <a:solidFill>
+          <a:schemeClr val="tx1"/>
+        </a:solidFill>
+        <a:latin typeface="+mn-lt"/>
+        <a:ea typeface="+mn-ea"/>
+        <a:cs typeface="+mn-cs"/>
+      </a:defRPr>
+    </a:lvl7pPr>
+    <a:lvl8pPr marL="3200400" algn="l" defTabSz="914400" rtl="0" eaLnBrk="1" latinLnBrk="0" hangingPunct="1">
+      <a:defRPr sz="1800" kern="1200">
+        <a:solidFill>
+          <a:schemeClr val="tx1"/>
+        </a:solidFill>
+        <a:latin typeface="+mn-lt"/>
+        <a:ea typeface="+mn-ea"/>
+        <a:cs typeface="+mn-cs"/>
+      </a:defRPr>
+    </a:lvl8pPr>
+    <a:lvl9pPr marL="3657600" algn="l" defTabSz="914400" rtl="0" eaLnBrk="1" latinLnBrk="0" hangingPunct="1">
+      <a:defRPr sz="1800" kern="1200">
+        <a:solidFill>
+          <a:schemeClr val="tx1"/>
+        </a:solidFill>
+        <a:latin typeface="+mn-lt"/>
+        <a:ea typeface="+mn-ea"/>
+        <a:cs typeface="+mn-cs"/>
+      </a:defRPr>
+    </a:lvl9pPr>
+  </p:defaultTextStyle>
 </p:presentation>
 </file>
 
 <file path=ppt/slideLayouts/slideLayout1.xml><?xml version="1.0" encoding="utf-8"?>
-<p:sldLayout xmlns:a="http://schemas.openxmlformats.org/drawingml/2006/main" xmlns:p="http://schemas.openxmlformats.org/presentationml/2006/main" xmlns:r="http://schemas.openxmlformats.org/officeDocument/2006/relationships" xmlns:p14="http://schemas.microsoft.com/office/powerpoint/2010/main" xmlns:p15="http://schemas.microsoft.com/office/powerpoint/2012/main" xmlns:mc="http://schemas.openxmlformats.org/markup-compatibility/2006" type="blank" preserve="1">
+<p:sldLayout xmlns:a="http://schemas.openxmlformats.org/drawingml/2006/main" xmlns:r="http://schemas.openxmlformats.org/officeDocument/2006/relationships" xmlns:p="http://schemas.openxmlformats.org/presentationml/2006/main" type="blank" preserve="1">
   <p:cSld name="Blank Slide">
     <p:spTree>
       <p:nvGrpSpPr>
@@ -41,11 +136,14 @@
       </p:grpSpPr>
     </p:spTree>
   </p:cSld>
+  <p:clrMapOvr>
+    <a:masterClrMapping/>
+  </p:clrMapOvr>
 </p:sldLayout>
 </file>
 
 <file path=ppt/slideLayouts/slideLayout10.xml><?xml version="1.0" encoding="utf-8"?>
-<p:sldLayout xmlns:a="http://schemas.openxmlformats.org/drawingml/2006/main" xmlns:p="http://schemas.openxmlformats.org/presentationml/2006/main" xmlns:r="http://schemas.openxmlformats.org/officeDocument/2006/relationships" xmlns:p14="http://schemas.microsoft.com/office/powerpoint/2010/main" xmlns:p15="http://schemas.microsoft.com/office/powerpoint/2012/main" xmlns:mc="http://schemas.openxmlformats.org/markup-compatibility/2006" type="objOverTx" preserve="1">
+<p:sldLayout xmlns:a="http://schemas.openxmlformats.org/drawingml/2006/main" xmlns:r="http://schemas.openxmlformats.org/officeDocument/2006/relationships" xmlns:p="http://schemas.openxmlformats.org/presentationml/2006/main" type="objOverTx" preserve="1">
   <p:cSld name="Title, Content over Content">
     <p:spTree>
       <p:nvGrpSpPr>
@@ -81,12 +179,13 @@
           </a:prstGeom>
         </p:spPr>
         <p:txBody>
-          <a:bodyPr lIns="0" rIns="0" tIns="0" bIns="0" anchor="ctr"/>
+          <a:bodyPr lIns="0" tIns="0" rIns="0" bIns="0" anchor="ctr"/>
+          <a:lstStyle/>
           <a:p>
             <a:pPr algn="ctr"/>
-            <a:endParaRPr b="0" lang="en-US" sz="4400" spc="-1" strike="noStrike">
-              <a:solidFill>
-                <a:srgbClr val="ffffff"/>
+            <a:endParaRPr lang="en-US" sz="4400" b="0" strike="noStrike" spc="-1">
+              <a:solidFill>
+                <a:srgbClr val="FFFFFF"/>
               </a:solidFill>
               <a:latin typeface="Arial"/>
             </a:endParaRPr>
@@ -113,11 +212,12 @@
           </a:prstGeom>
         </p:spPr>
         <p:txBody>
-          <a:bodyPr lIns="0" rIns="0" tIns="0" bIns="0"/>
-          <a:p>
-            <a:endParaRPr b="0" lang="en-US" sz="3200" spc="-1" strike="noStrike">
-              <a:solidFill>
-                <a:srgbClr val="0066cc"/>
+          <a:bodyPr lIns="0" tIns="0" rIns="0" bIns="0"/>
+          <a:lstStyle/>
+          <a:p>
+            <a:endParaRPr lang="en-US" sz="3200" b="0" strike="noStrike" spc="-1">
+              <a:solidFill>
+                <a:srgbClr val="0066CC"/>
               </a:solidFill>
               <a:latin typeface="Arial"/>
             </a:endParaRPr>
@@ -144,11 +244,12 @@
           </a:prstGeom>
         </p:spPr>
         <p:txBody>
-          <a:bodyPr lIns="0" rIns="0" tIns="0" bIns="0"/>
-          <a:p>
-            <a:endParaRPr b="0" lang="en-US" sz="3200" spc="-1" strike="noStrike">
-              <a:solidFill>
-                <a:srgbClr val="0066cc"/>
+          <a:bodyPr lIns="0" tIns="0" rIns="0" bIns="0"/>
+          <a:lstStyle/>
+          <a:p>
+            <a:endParaRPr lang="en-US" sz="3200" b="0" strike="noStrike" spc="-1">
+              <a:solidFill>
+                <a:srgbClr val="0066CC"/>
               </a:solidFill>
               <a:latin typeface="Arial"/>
             </a:endParaRPr>
@@ -157,11 +258,14 @@
       </p:sp>
     </p:spTree>
   </p:cSld>
+  <p:clrMapOvr>
+    <a:masterClrMapping/>
+  </p:clrMapOvr>
 </p:sldLayout>
 </file>
 
 <file path=ppt/slideLayouts/slideLayout11.xml><?xml version="1.0" encoding="utf-8"?>
-<p:sldLayout xmlns:a="http://schemas.openxmlformats.org/drawingml/2006/main" xmlns:p="http://schemas.openxmlformats.org/presentationml/2006/main" xmlns:r="http://schemas.openxmlformats.org/officeDocument/2006/relationships" xmlns:p14="http://schemas.microsoft.com/office/powerpoint/2010/main" xmlns:p15="http://schemas.microsoft.com/office/powerpoint/2012/main" xmlns:mc="http://schemas.openxmlformats.org/markup-compatibility/2006" type="fourObj" preserve="1">
+<p:sldLayout xmlns:a="http://schemas.openxmlformats.org/drawingml/2006/main" xmlns:r="http://schemas.openxmlformats.org/officeDocument/2006/relationships" xmlns:p="http://schemas.openxmlformats.org/presentationml/2006/main" type="fourObj" preserve="1">
   <p:cSld name="Title, 4 Content">
     <p:spTree>
       <p:nvGrpSpPr>
@@ -197,12 +301,13 @@
           </a:prstGeom>
         </p:spPr>
         <p:txBody>
-          <a:bodyPr lIns="0" rIns="0" tIns="0" bIns="0" anchor="ctr"/>
+          <a:bodyPr lIns="0" tIns="0" rIns="0" bIns="0" anchor="ctr"/>
+          <a:lstStyle/>
           <a:p>
             <a:pPr algn="ctr"/>
-            <a:endParaRPr b="0" lang="en-US" sz="4400" spc="-1" strike="noStrike">
-              <a:solidFill>
-                <a:srgbClr val="ffffff"/>
+            <a:endParaRPr lang="en-US" sz="4400" b="0" strike="noStrike" spc="-1">
+              <a:solidFill>
+                <a:srgbClr val="FFFFFF"/>
               </a:solidFill>
               <a:latin typeface="Arial"/>
             </a:endParaRPr>
@@ -229,11 +334,12 @@
           </a:prstGeom>
         </p:spPr>
         <p:txBody>
-          <a:bodyPr lIns="0" rIns="0" tIns="0" bIns="0"/>
-          <a:p>
-            <a:endParaRPr b="0" lang="en-US" sz="3200" spc="-1" strike="noStrike">
-              <a:solidFill>
-                <a:srgbClr val="0066cc"/>
+          <a:bodyPr lIns="0" tIns="0" rIns="0" bIns="0"/>
+          <a:lstStyle/>
+          <a:p>
+            <a:endParaRPr lang="en-US" sz="3200" b="0" strike="noStrike" spc="-1">
+              <a:solidFill>
+                <a:srgbClr val="0066CC"/>
               </a:solidFill>
               <a:latin typeface="Arial"/>
             </a:endParaRPr>
@@ -260,11 +366,12 @@
           </a:prstGeom>
         </p:spPr>
         <p:txBody>
-          <a:bodyPr lIns="0" rIns="0" tIns="0" bIns="0"/>
-          <a:p>
-            <a:endParaRPr b="0" lang="en-US" sz="3200" spc="-1" strike="noStrike">
-              <a:solidFill>
-                <a:srgbClr val="0066cc"/>
+          <a:bodyPr lIns="0" tIns="0" rIns="0" bIns="0"/>
+          <a:lstStyle/>
+          <a:p>
+            <a:endParaRPr lang="en-US" sz="3200" b="0" strike="noStrike" spc="-1">
+              <a:solidFill>
+                <a:srgbClr val="0066CC"/>
               </a:solidFill>
               <a:latin typeface="Arial"/>
             </a:endParaRPr>
@@ -291,11 +398,12 @@
           </a:prstGeom>
         </p:spPr>
         <p:txBody>
-          <a:bodyPr lIns="0" rIns="0" tIns="0" bIns="0"/>
-          <a:p>
-            <a:endParaRPr b="0" lang="en-US" sz="3200" spc="-1" strike="noStrike">
-              <a:solidFill>
-                <a:srgbClr val="0066cc"/>
+          <a:bodyPr lIns="0" tIns="0" rIns="0" bIns="0"/>
+          <a:lstStyle/>
+          <a:p>
+            <a:endParaRPr lang="en-US" sz="3200" b="0" strike="noStrike" spc="-1">
+              <a:solidFill>
+                <a:srgbClr val="0066CC"/>
               </a:solidFill>
               <a:latin typeface="Arial"/>
             </a:endParaRPr>
@@ -322,11 +430,12 @@
           </a:prstGeom>
         </p:spPr>
         <p:txBody>
-          <a:bodyPr lIns="0" rIns="0" tIns="0" bIns="0"/>
-          <a:p>
-            <a:endParaRPr b="0" lang="en-US" sz="3200" spc="-1" strike="noStrike">
-              <a:solidFill>
-                <a:srgbClr val="0066cc"/>
+          <a:bodyPr lIns="0" tIns="0" rIns="0" bIns="0"/>
+          <a:lstStyle/>
+          <a:p>
+            <a:endParaRPr lang="en-US" sz="3200" b="0" strike="noStrike" spc="-1">
+              <a:solidFill>
+                <a:srgbClr val="0066CC"/>
               </a:solidFill>
               <a:latin typeface="Arial"/>
             </a:endParaRPr>
@@ -335,11 +444,14 @@
       </p:sp>
     </p:spTree>
   </p:cSld>
+  <p:clrMapOvr>
+    <a:masterClrMapping/>
+  </p:clrMapOvr>
 </p:sldLayout>
 </file>
 
 <file path=ppt/slideLayouts/slideLayout12.xml><?xml version="1.0" encoding="utf-8"?>
-<p:sldLayout xmlns:a="http://schemas.openxmlformats.org/drawingml/2006/main" xmlns:p="http://schemas.openxmlformats.org/presentationml/2006/main" xmlns:r="http://schemas.openxmlformats.org/officeDocument/2006/relationships" xmlns:p14="http://schemas.microsoft.com/office/powerpoint/2010/main" xmlns:p15="http://schemas.microsoft.com/office/powerpoint/2012/main" xmlns:mc="http://schemas.openxmlformats.org/markup-compatibility/2006" type="blank" preserve="1">
+<p:sldLayout xmlns:a="http://schemas.openxmlformats.org/drawingml/2006/main" xmlns:r="http://schemas.openxmlformats.org/officeDocument/2006/relationships" xmlns:p="http://schemas.openxmlformats.org/presentationml/2006/main" type="blank" preserve="1">
   <p:cSld name="Title, 6 Content">
     <p:spTree>
       <p:nvGrpSpPr>
@@ -375,12 +487,13 @@
           </a:prstGeom>
         </p:spPr>
         <p:txBody>
-          <a:bodyPr lIns="0" rIns="0" tIns="0" bIns="0" anchor="ctr"/>
+          <a:bodyPr lIns="0" tIns="0" rIns="0" bIns="0" anchor="ctr"/>
+          <a:lstStyle/>
           <a:p>
             <a:pPr algn="ctr"/>
-            <a:endParaRPr b="0" lang="en-US" sz="4400" spc="-1" strike="noStrike">
-              <a:solidFill>
-                <a:srgbClr val="ffffff"/>
+            <a:endParaRPr lang="en-US" sz="4400" b="0" strike="noStrike" spc="-1">
+              <a:solidFill>
+                <a:srgbClr val="FFFFFF"/>
               </a:solidFill>
               <a:latin typeface="Arial"/>
             </a:endParaRPr>
@@ -407,11 +520,12 @@
           </a:prstGeom>
         </p:spPr>
         <p:txBody>
-          <a:bodyPr lIns="0" rIns="0" tIns="0" bIns="0"/>
-          <a:p>
-            <a:endParaRPr b="0" lang="en-US" sz="3200" spc="-1" strike="noStrike">
-              <a:solidFill>
-                <a:srgbClr val="0066cc"/>
+          <a:bodyPr lIns="0" tIns="0" rIns="0" bIns="0"/>
+          <a:lstStyle/>
+          <a:p>
+            <a:endParaRPr lang="en-US" sz="3200" b="0" strike="noStrike" spc="-1">
+              <a:solidFill>
+                <a:srgbClr val="0066CC"/>
               </a:solidFill>
               <a:latin typeface="Arial"/>
             </a:endParaRPr>
@@ -438,11 +552,12 @@
           </a:prstGeom>
         </p:spPr>
         <p:txBody>
-          <a:bodyPr lIns="0" rIns="0" tIns="0" bIns="0"/>
-          <a:p>
-            <a:endParaRPr b="0" lang="en-US" sz="3200" spc="-1" strike="noStrike">
-              <a:solidFill>
-                <a:srgbClr val="0066cc"/>
+          <a:bodyPr lIns="0" tIns="0" rIns="0" bIns="0"/>
+          <a:lstStyle/>
+          <a:p>
+            <a:endParaRPr lang="en-US" sz="3200" b="0" strike="noStrike" spc="-1">
+              <a:solidFill>
+                <a:srgbClr val="0066CC"/>
               </a:solidFill>
               <a:latin typeface="Arial"/>
             </a:endParaRPr>
@@ -469,11 +584,12 @@
           </a:prstGeom>
         </p:spPr>
         <p:txBody>
-          <a:bodyPr lIns="0" rIns="0" tIns="0" bIns="0"/>
-          <a:p>
-            <a:endParaRPr b="0" lang="en-US" sz="3200" spc="-1" strike="noStrike">
-              <a:solidFill>
-                <a:srgbClr val="0066cc"/>
+          <a:bodyPr lIns="0" tIns="0" rIns="0" bIns="0"/>
+          <a:lstStyle/>
+          <a:p>
+            <a:endParaRPr lang="en-US" sz="3200" b="0" strike="noStrike" spc="-1">
+              <a:solidFill>
+                <a:srgbClr val="0066CC"/>
               </a:solidFill>
               <a:latin typeface="Arial"/>
             </a:endParaRPr>
@@ -500,11 +616,12 @@
           </a:prstGeom>
         </p:spPr>
         <p:txBody>
-          <a:bodyPr lIns="0" rIns="0" tIns="0" bIns="0"/>
-          <a:p>
-            <a:endParaRPr b="0" lang="en-US" sz="3200" spc="-1" strike="noStrike">
-              <a:solidFill>
-                <a:srgbClr val="0066cc"/>
+          <a:bodyPr lIns="0" tIns="0" rIns="0" bIns="0"/>
+          <a:lstStyle/>
+          <a:p>
+            <a:endParaRPr lang="en-US" sz="3200" b="0" strike="noStrike" spc="-1">
+              <a:solidFill>
+                <a:srgbClr val="0066CC"/>
               </a:solidFill>
               <a:latin typeface="Arial"/>
             </a:endParaRPr>
@@ -531,11 +648,12 @@
           </a:prstGeom>
         </p:spPr>
         <p:txBody>
-          <a:bodyPr lIns="0" rIns="0" tIns="0" bIns="0"/>
-          <a:p>
-            <a:endParaRPr b="0" lang="en-US" sz="3200" spc="-1" strike="noStrike">
-              <a:solidFill>
-                <a:srgbClr val="0066cc"/>
+          <a:bodyPr lIns="0" tIns="0" rIns="0" bIns="0"/>
+          <a:lstStyle/>
+          <a:p>
+            <a:endParaRPr lang="en-US" sz="3200" b="0" strike="noStrike" spc="-1">
+              <a:solidFill>
+                <a:srgbClr val="0066CC"/>
               </a:solidFill>
               <a:latin typeface="Arial"/>
             </a:endParaRPr>
@@ -562,11 +680,12 @@
           </a:prstGeom>
         </p:spPr>
         <p:txBody>
-          <a:bodyPr lIns="0" rIns="0" tIns="0" bIns="0"/>
-          <a:p>
-            <a:endParaRPr b="0" lang="en-US" sz="3200" spc="-1" strike="noStrike">
-              <a:solidFill>
-                <a:srgbClr val="0066cc"/>
+          <a:bodyPr lIns="0" tIns="0" rIns="0" bIns="0"/>
+          <a:lstStyle/>
+          <a:p>
+            <a:endParaRPr lang="en-US" sz="3200" b="0" strike="noStrike" spc="-1">
+              <a:solidFill>
+                <a:srgbClr val="0066CC"/>
               </a:solidFill>
               <a:latin typeface="Arial"/>
             </a:endParaRPr>
@@ -575,11 +694,14 @@
       </p:sp>
     </p:spTree>
   </p:cSld>
+  <p:clrMapOvr>
+    <a:masterClrMapping/>
+  </p:clrMapOvr>
 </p:sldLayout>
 </file>
 
 <file path=ppt/slideLayouts/slideLayout13.xml><?xml version="1.0" encoding="utf-8"?>
-<p:sldLayout xmlns:a="http://schemas.openxmlformats.org/drawingml/2006/main" xmlns:p="http://schemas.openxmlformats.org/presentationml/2006/main" xmlns:r="http://schemas.openxmlformats.org/officeDocument/2006/relationships" xmlns:p14="http://schemas.microsoft.com/office/powerpoint/2010/main" xmlns:p15="http://schemas.microsoft.com/office/powerpoint/2012/main" xmlns:mc="http://schemas.openxmlformats.org/markup-compatibility/2006" type="blank" preserve="1">
+<p:sldLayout xmlns:a="http://schemas.openxmlformats.org/drawingml/2006/main" xmlns:r="http://schemas.openxmlformats.org/officeDocument/2006/relationships" xmlns:p="http://schemas.openxmlformats.org/presentationml/2006/main" type="blank" preserve="1">
   <p:cSld name="Blank Slide">
     <p:spTree>
       <p:nvGrpSpPr>
@@ -597,11 +719,14 @@
       </p:grpSpPr>
     </p:spTree>
   </p:cSld>
+  <p:clrMapOvr>
+    <a:masterClrMapping/>
+  </p:clrMapOvr>
 </p:sldLayout>
 </file>
 
 <file path=ppt/slideLayouts/slideLayout14.xml><?xml version="1.0" encoding="utf-8"?>
-<p:sldLayout xmlns:a="http://schemas.openxmlformats.org/drawingml/2006/main" xmlns:p="http://schemas.openxmlformats.org/presentationml/2006/main" xmlns:r="http://schemas.openxmlformats.org/officeDocument/2006/relationships" xmlns:p14="http://schemas.microsoft.com/office/powerpoint/2010/main" xmlns:p15="http://schemas.microsoft.com/office/powerpoint/2012/main" xmlns:mc="http://schemas.openxmlformats.org/markup-compatibility/2006" type="tx" preserve="1">
+<p:sldLayout xmlns:a="http://schemas.openxmlformats.org/drawingml/2006/main" xmlns:r="http://schemas.openxmlformats.org/officeDocument/2006/relationships" xmlns:p="http://schemas.openxmlformats.org/presentationml/2006/main" type="tx" preserve="1">
   <p:cSld name="Title Slide">
     <p:spTree>
       <p:nvGrpSpPr>
@@ -637,12 +762,13 @@
           </a:prstGeom>
         </p:spPr>
         <p:txBody>
-          <a:bodyPr lIns="0" rIns="0" tIns="0" bIns="0" anchor="ctr"/>
+          <a:bodyPr lIns="0" tIns="0" rIns="0" bIns="0" anchor="ctr"/>
+          <a:lstStyle/>
           <a:p>
             <a:pPr algn="ctr"/>
-            <a:endParaRPr b="0" lang="en-US" sz="4400" spc="-1" strike="noStrike">
-              <a:solidFill>
-                <a:srgbClr val="ffffff"/>
+            <a:endParaRPr lang="en-US" sz="4400" b="0" strike="noStrike" spc="-1">
+              <a:solidFill>
+                <a:srgbClr val="FFFFFF"/>
               </a:solidFill>
               <a:latin typeface="Arial"/>
             </a:endParaRPr>
@@ -669,10 +795,11 @@
           </a:prstGeom>
         </p:spPr>
         <p:txBody>
-          <a:bodyPr lIns="0" rIns="0" tIns="0" bIns="0" anchor="ctr"/>
+          <a:bodyPr lIns="0" tIns="0" rIns="0" bIns="0" anchor="ctr"/>
+          <a:lstStyle/>
           <a:p>
             <a:pPr algn="ctr"/>
-            <a:endParaRPr b="0" lang="en-US" sz="3200" spc="-1" strike="noStrike">
+            <a:endParaRPr lang="en-US" sz="3200" b="0" strike="noStrike" spc="-1">
               <a:latin typeface="Arial"/>
             </a:endParaRPr>
           </a:p>
@@ -680,11 +807,14 @@
       </p:sp>
     </p:spTree>
   </p:cSld>
+  <p:clrMapOvr>
+    <a:masterClrMapping/>
+  </p:clrMapOvr>
 </p:sldLayout>
 </file>
 
 <file path=ppt/slideLayouts/slideLayout15.xml><?xml version="1.0" encoding="utf-8"?>
-<p:sldLayout xmlns:a="http://schemas.openxmlformats.org/drawingml/2006/main" xmlns:p="http://schemas.openxmlformats.org/presentationml/2006/main" xmlns:r="http://schemas.openxmlformats.org/officeDocument/2006/relationships" xmlns:p14="http://schemas.microsoft.com/office/powerpoint/2010/main" xmlns:p15="http://schemas.microsoft.com/office/powerpoint/2012/main" xmlns:mc="http://schemas.openxmlformats.org/markup-compatibility/2006" type="obj" preserve="1">
+<p:sldLayout xmlns:a="http://schemas.openxmlformats.org/drawingml/2006/main" xmlns:r="http://schemas.openxmlformats.org/officeDocument/2006/relationships" xmlns:p="http://schemas.openxmlformats.org/presentationml/2006/main" type="obj" preserve="1">
   <p:cSld name="Title, Content">
     <p:spTree>
       <p:nvGrpSpPr>
@@ -720,12 +850,13 @@
           </a:prstGeom>
         </p:spPr>
         <p:txBody>
-          <a:bodyPr lIns="0" rIns="0" tIns="0" bIns="0" anchor="ctr"/>
+          <a:bodyPr lIns="0" tIns="0" rIns="0" bIns="0" anchor="ctr"/>
+          <a:lstStyle/>
           <a:p>
             <a:pPr algn="ctr"/>
-            <a:endParaRPr b="0" lang="en-US" sz="4400" spc="-1" strike="noStrike">
-              <a:solidFill>
-                <a:srgbClr val="ffffff"/>
+            <a:endParaRPr lang="en-US" sz="4400" b="0" strike="noStrike" spc="-1">
+              <a:solidFill>
+                <a:srgbClr val="FFFFFF"/>
               </a:solidFill>
               <a:latin typeface="Arial"/>
             </a:endParaRPr>
@@ -752,11 +883,12 @@
           </a:prstGeom>
         </p:spPr>
         <p:txBody>
-          <a:bodyPr lIns="0" rIns="0" tIns="0" bIns="0"/>
-          <a:p>
-            <a:endParaRPr b="0" lang="en-US" sz="3200" spc="-1" strike="noStrike">
-              <a:solidFill>
-                <a:srgbClr val="0066cc"/>
+          <a:bodyPr lIns="0" tIns="0" rIns="0" bIns="0"/>
+          <a:lstStyle/>
+          <a:p>
+            <a:endParaRPr lang="en-US" sz="3200" b="0" strike="noStrike" spc="-1">
+              <a:solidFill>
+                <a:srgbClr val="0066CC"/>
               </a:solidFill>
               <a:latin typeface="Arial"/>
             </a:endParaRPr>
@@ -765,11 +897,14 @@
       </p:sp>
     </p:spTree>
   </p:cSld>
+  <p:clrMapOvr>
+    <a:masterClrMapping/>
+  </p:clrMapOvr>
 </p:sldLayout>
 </file>
 
 <file path=ppt/slideLayouts/slideLayout16.xml><?xml version="1.0" encoding="utf-8"?>
-<p:sldLayout xmlns:a="http://schemas.openxmlformats.org/drawingml/2006/main" xmlns:p="http://schemas.openxmlformats.org/presentationml/2006/main" xmlns:r="http://schemas.openxmlformats.org/officeDocument/2006/relationships" xmlns:p14="http://schemas.microsoft.com/office/powerpoint/2010/main" xmlns:p15="http://schemas.microsoft.com/office/powerpoint/2012/main" xmlns:mc="http://schemas.openxmlformats.org/markup-compatibility/2006" type="twoObj" preserve="1">
+<p:sldLayout xmlns:a="http://schemas.openxmlformats.org/drawingml/2006/main" xmlns:r="http://schemas.openxmlformats.org/officeDocument/2006/relationships" xmlns:p="http://schemas.openxmlformats.org/presentationml/2006/main" type="twoObj" preserve="1">
   <p:cSld name="Title, 2 Content">
     <p:spTree>
       <p:nvGrpSpPr>
@@ -805,12 +940,13 @@
           </a:prstGeom>
         </p:spPr>
         <p:txBody>
-          <a:bodyPr lIns="0" rIns="0" tIns="0" bIns="0" anchor="ctr"/>
+          <a:bodyPr lIns="0" tIns="0" rIns="0" bIns="0" anchor="ctr"/>
+          <a:lstStyle/>
           <a:p>
             <a:pPr algn="ctr"/>
-            <a:endParaRPr b="0" lang="en-US" sz="4400" spc="-1" strike="noStrike">
-              <a:solidFill>
-                <a:srgbClr val="ffffff"/>
+            <a:endParaRPr lang="en-US" sz="4400" b="0" strike="noStrike" spc="-1">
+              <a:solidFill>
+                <a:srgbClr val="FFFFFF"/>
               </a:solidFill>
               <a:latin typeface="Arial"/>
             </a:endParaRPr>
@@ -837,11 +973,12 @@
           </a:prstGeom>
         </p:spPr>
         <p:txBody>
-          <a:bodyPr lIns="0" rIns="0" tIns="0" bIns="0"/>
-          <a:p>
-            <a:endParaRPr b="0" lang="en-US" sz="3200" spc="-1" strike="noStrike">
-              <a:solidFill>
-                <a:srgbClr val="0066cc"/>
+          <a:bodyPr lIns="0" tIns="0" rIns="0" bIns="0"/>
+          <a:lstStyle/>
+          <a:p>
+            <a:endParaRPr lang="en-US" sz="3200" b="0" strike="noStrike" spc="-1">
+              <a:solidFill>
+                <a:srgbClr val="0066CC"/>
               </a:solidFill>
               <a:latin typeface="Arial"/>
             </a:endParaRPr>
@@ -868,11 +1005,12 @@
           </a:prstGeom>
         </p:spPr>
         <p:txBody>
-          <a:bodyPr lIns="0" rIns="0" tIns="0" bIns="0"/>
-          <a:p>
-            <a:endParaRPr b="0" lang="en-US" sz="3200" spc="-1" strike="noStrike">
-              <a:solidFill>
-                <a:srgbClr val="0066cc"/>
+          <a:bodyPr lIns="0" tIns="0" rIns="0" bIns="0"/>
+          <a:lstStyle/>
+          <a:p>
+            <a:endParaRPr lang="en-US" sz="3200" b="0" strike="noStrike" spc="-1">
+              <a:solidFill>
+                <a:srgbClr val="0066CC"/>
               </a:solidFill>
               <a:latin typeface="Arial"/>
             </a:endParaRPr>
@@ -881,11 +1019,14 @@
       </p:sp>
     </p:spTree>
   </p:cSld>
+  <p:clrMapOvr>
+    <a:masterClrMapping/>
+  </p:clrMapOvr>
 </p:sldLayout>
 </file>
 
 <file path=ppt/slideLayouts/slideLayout17.xml><?xml version="1.0" encoding="utf-8"?>
-<p:sldLayout xmlns:a="http://schemas.openxmlformats.org/drawingml/2006/main" xmlns:p="http://schemas.openxmlformats.org/presentationml/2006/main" xmlns:r="http://schemas.openxmlformats.org/officeDocument/2006/relationships" xmlns:p14="http://schemas.microsoft.com/office/powerpoint/2010/main" xmlns:p15="http://schemas.microsoft.com/office/powerpoint/2012/main" xmlns:mc="http://schemas.openxmlformats.org/markup-compatibility/2006" type="titleOnly" preserve="1">
+<p:sldLayout xmlns:a="http://schemas.openxmlformats.org/drawingml/2006/main" xmlns:r="http://schemas.openxmlformats.org/officeDocument/2006/relationships" xmlns:p="http://schemas.openxmlformats.org/presentationml/2006/main" type="titleOnly" preserve="1">
   <p:cSld name="Title Only">
     <p:spTree>
       <p:nvGrpSpPr>
@@ -921,12 +1062,13 @@
           </a:prstGeom>
         </p:spPr>
         <p:txBody>
-          <a:bodyPr lIns="0" rIns="0" tIns="0" bIns="0" anchor="ctr"/>
+          <a:bodyPr lIns="0" tIns="0" rIns="0" bIns="0" anchor="ctr"/>
+          <a:lstStyle/>
           <a:p>
             <a:pPr algn="ctr"/>
-            <a:endParaRPr b="0" lang="en-US" sz="4400" spc="-1" strike="noStrike">
-              <a:solidFill>
-                <a:srgbClr val="ffffff"/>
+            <a:endParaRPr lang="en-US" sz="4400" b="0" strike="noStrike" spc="-1">
+              <a:solidFill>
+                <a:srgbClr val="FFFFFF"/>
               </a:solidFill>
               <a:latin typeface="Arial"/>
             </a:endParaRPr>
@@ -935,11 +1077,14 @@
       </p:sp>
     </p:spTree>
   </p:cSld>
+  <p:clrMapOvr>
+    <a:masterClrMapping/>
+  </p:clrMapOvr>
 </p:sldLayout>
 </file>
 
 <file path=ppt/slideLayouts/slideLayout18.xml><?xml version="1.0" encoding="utf-8"?>
-<p:sldLayout xmlns:a="http://schemas.openxmlformats.org/drawingml/2006/main" xmlns:p="http://schemas.openxmlformats.org/presentationml/2006/main" xmlns:r="http://schemas.openxmlformats.org/officeDocument/2006/relationships" xmlns:p14="http://schemas.microsoft.com/office/powerpoint/2010/main" xmlns:p15="http://schemas.microsoft.com/office/powerpoint/2012/main" xmlns:mc="http://schemas.openxmlformats.org/markup-compatibility/2006" type="objOnly" preserve="1">
+<p:sldLayout xmlns:a="http://schemas.openxmlformats.org/drawingml/2006/main" xmlns:r="http://schemas.openxmlformats.org/officeDocument/2006/relationships" xmlns:p="http://schemas.openxmlformats.org/presentationml/2006/main" type="objOnly" preserve="1">
   <p:cSld name="Centered Text">
     <p:spTree>
       <p:nvGrpSpPr>
@@ -975,10 +1120,11 @@
           </a:prstGeom>
         </p:spPr>
         <p:txBody>
-          <a:bodyPr lIns="0" rIns="0" tIns="0" bIns="0" anchor="ctr"/>
+          <a:bodyPr lIns="0" tIns="0" rIns="0" bIns="0" anchor="ctr"/>
+          <a:lstStyle/>
           <a:p>
             <a:pPr algn="ctr"/>
-            <a:endParaRPr b="0" lang="en-US" sz="3200" spc="-1" strike="noStrike">
+            <a:endParaRPr lang="en-US" sz="3200" b="0" strike="noStrike" spc="-1">
               <a:latin typeface="Arial"/>
             </a:endParaRPr>
           </a:p>
@@ -986,11 +1132,14 @@
       </p:sp>
     </p:spTree>
   </p:cSld>
+  <p:clrMapOvr>
+    <a:masterClrMapping/>
+  </p:clrMapOvr>
 </p:sldLayout>
 </file>
 
 <file path=ppt/slideLayouts/slideLayout19.xml><?xml version="1.0" encoding="utf-8"?>
-<p:sldLayout xmlns:a="http://schemas.openxmlformats.org/drawingml/2006/main" xmlns:p="http://schemas.openxmlformats.org/presentationml/2006/main" xmlns:r="http://schemas.openxmlformats.org/officeDocument/2006/relationships" xmlns:p14="http://schemas.microsoft.com/office/powerpoint/2010/main" xmlns:p15="http://schemas.microsoft.com/office/powerpoint/2012/main" xmlns:mc="http://schemas.openxmlformats.org/markup-compatibility/2006" type="twoObjAndObj" preserve="1">
+<p:sldLayout xmlns:a="http://schemas.openxmlformats.org/drawingml/2006/main" xmlns:r="http://schemas.openxmlformats.org/officeDocument/2006/relationships" xmlns:p="http://schemas.openxmlformats.org/presentationml/2006/main" type="twoObjAndObj" preserve="1">
   <p:cSld name="Title, 2 Content and Content">
     <p:spTree>
       <p:nvGrpSpPr>
@@ -1026,12 +1175,13 @@
           </a:prstGeom>
         </p:spPr>
         <p:txBody>
-          <a:bodyPr lIns="0" rIns="0" tIns="0" bIns="0" anchor="ctr"/>
+          <a:bodyPr lIns="0" tIns="0" rIns="0" bIns="0" anchor="ctr"/>
+          <a:lstStyle/>
           <a:p>
             <a:pPr algn="ctr"/>
-            <a:endParaRPr b="0" lang="en-US" sz="4400" spc="-1" strike="noStrike">
-              <a:solidFill>
-                <a:srgbClr val="ffffff"/>
+            <a:endParaRPr lang="en-US" sz="4400" b="0" strike="noStrike" spc="-1">
+              <a:solidFill>
+                <a:srgbClr val="FFFFFF"/>
               </a:solidFill>
               <a:latin typeface="Arial"/>
             </a:endParaRPr>
@@ -1058,11 +1208,12 @@
           </a:prstGeom>
         </p:spPr>
         <p:txBody>
-          <a:bodyPr lIns="0" rIns="0" tIns="0" bIns="0"/>
-          <a:p>
-            <a:endParaRPr b="0" lang="en-US" sz="3200" spc="-1" strike="noStrike">
-              <a:solidFill>
-                <a:srgbClr val="0066cc"/>
+          <a:bodyPr lIns="0" tIns="0" rIns="0" bIns="0"/>
+          <a:lstStyle/>
+          <a:p>
+            <a:endParaRPr lang="en-US" sz="3200" b="0" strike="noStrike" spc="-1">
+              <a:solidFill>
+                <a:srgbClr val="0066CC"/>
               </a:solidFill>
               <a:latin typeface="Arial"/>
             </a:endParaRPr>
@@ -1089,11 +1240,12 @@
           </a:prstGeom>
         </p:spPr>
         <p:txBody>
-          <a:bodyPr lIns="0" rIns="0" tIns="0" bIns="0"/>
-          <a:p>
-            <a:endParaRPr b="0" lang="en-US" sz="3200" spc="-1" strike="noStrike">
-              <a:solidFill>
-                <a:srgbClr val="0066cc"/>
+          <a:bodyPr lIns="0" tIns="0" rIns="0" bIns="0"/>
+          <a:lstStyle/>
+          <a:p>
+            <a:endParaRPr lang="en-US" sz="3200" b="0" strike="noStrike" spc="-1">
+              <a:solidFill>
+                <a:srgbClr val="0066CC"/>
               </a:solidFill>
               <a:latin typeface="Arial"/>
             </a:endParaRPr>
@@ -1120,11 +1272,12 @@
           </a:prstGeom>
         </p:spPr>
         <p:txBody>
-          <a:bodyPr lIns="0" rIns="0" tIns="0" bIns="0"/>
-          <a:p>
-            <a:endParaRPr b="0" lang="en-US" sz="3200" spc="-1" strike="noStrike">
-              <a:solidFill>
-                <a:srgbClr val="0066cc"/>
+          <a:bodyPr lIns="0" tIns="0" rIns="0" bIns="0"/>
+          <a:lstStyle/>
+          <a:p>
+            <a:endParaRPr lang="en-US" sz="3200" b="0" strike="noStrike" spc="-1">
+              <a:solidFill>
+                <a:srgbClr val="0066CC"/>
               </a:solidFill>
               <a:latin typeface="Arial"/>
             </a:endParaRPr>
@@ -1133,11 +1286,14 @@
       </p:sp>
     </p:spTree>
   </p:cSld>
+  <p:clrMapOvr>
+    <a:masterClrMapping/>
+  </p:clrMapOvr>
 </p:sldLayout>
 </file>
 
 <file path=ppt/slideLayouts/slideLayout2.xml><?xml version="1.0" encoding="utf-8"?>
-<p:sldLayout xmlns:a="http://schemas.openxmlformats.org/drawingml/2006/main" xmlns:p="http://schemas.openxmlformats.org/presentationml/2006/main" xmlns:r="http://schemas.openxmlformats.org/officeDocument/2006/relationships" xmlns:p14="http://schemas.microsoft.com/office/powerpoint/2010/main" xmlns:p15="http://schemas.microsoft.com/office/powerpoint/2012/main" xmlns:mc="http://schemas.openxmlformats.org/markup-compatibility/2006" type="tx" preserve="1">
+<p:sldLayout xmlns:a="http://schemas.openxmlformats.org/drawingml/2006/main" xmlns:r="http://schemas.openxmlformats.org/officeDocument/2006/relationships" xmlns:p="http://schemas.openxmlformats.org/presentationml/2006/main" type="tx" preserve="1">
   <p:cSld name="Title Slide">
     <p:spTree>
       <p:nvGrpSpPr>
@@ -1173,12 +1329,13 @@
           </a:prstGeom>
         </p:spPr>
         <p:txBody>
-          <a:bodyPr lIns="0" rIns="0" tIns="0" bIns="0" anchor="ctr"/>
+          <a:bodyPr lIns="0" tIns="0" rIns="0" bIns="0" anchor="ctr"/>
+          <a:lstStyle/>
           <a:p>
             <a:pPr algn="ctr"/>
-            <a:endParaRPr b="0" lang="en-US" sz="4400" spc="-1" strike="noStrike">
-              <a:solidFill>
-                <a:srgbClr val="ffffff"/>
+            <a:endParaRPr lang="en-US" sz="4400" b="0" strike="noStrike" spc="-1">
+              <a:solidFill>
+                <a:srgbClr val="FFFFFF"/>
               </a:solidFill>
               <a:latin typeface="Arial"/>
             </a:endParaRPr>
@@ -1205,10 +1362,11 @@
           </a:prstGeom>
         </p:spPr>
         <p:txBody>
-          <a:bodyPr lIns="0" rIns="0" tIns="0" bIns="0" anchor="ctr"/>
+          <a:bodyPr lIns="0" tIns="0" rIns="0" bIns="0" anchor="ctr"/>
+          <a:lstStyle/>
           <a:p>
             <a:pPr algn="ctr"/>
-            <a:endParaRPr b="0" lang="en-US" sz="3200" spc="-1" strike="noStrike">
+            <a:endParaRPr lang="en-US" sz="3200" b="0" strike="noStrike" spc="-1">
               <a:latin typeface="Arial"/>
             </a:endParaRPr>
           </a:p>
@@ -1216,11 +1374,14 @@
       </p:sp>
     </p:spTree>
   </p:cSld>
+  <p:clrMapOvr>
+    <a:masterClrMapping/>
+  </p:clrMapOvr>
 </p:sldLayout>
 </file>
 
 <file path=ppt/slideLayouts/slideLayout20.xml><?xml version="1.0" encoding="utf-8"?>
-<p:sldLayout xmlns:a="http://schemas.openxmlformats.org/drawingml/2006/main" xmlns:p="http://schemas.openxmlformats.org/presentationml/2006/main" xmlns:r="http://schemas.openxmlformats.org/officeDocument/2006/relationships" xmlns:p14="http://schemas.microsoft.com/office/powerpoint/2010/main" xmlns:p15="http://schemas.microsoft.com/office/powerpoint/2012/main" xmlns:mc="http://schemas.openxmlformats.org/markup-compatibility/2006" type="objAndTwoObj" preserve="1">
+<p:sldLayout xmlns:a="http://schemas.openxmlformats.org/drawingml/2006/main" xmlns:r="http://schemas.openxmlformats.org/officeDocument/2006/relationships" xmlns:p="http://schemas.openxmlformats.org/presentationml/2006/main" type="objAndTwoObj" preserve="1">
   <p:cSld name="Title Content and 2 Content">
     <p:spTree>
       <p:nvGrpSpPr>
@@ -1256,12 +1417,13 @@
           </a:prstGeom>
         </p:spPr>
         <p:txBody>
-          <a:bodyPr lIns="0" rIns="0" tIns="0" bIns="0" anchor="ctr"/>
+          <a:bodyPr lIns="0" tIns="0" rIns="0" bIns="0" anchor="ctr"/>
+          <a:lstStyle/>
           <a:p>
             <a:pPr algn="ctr"/>
-            <a:endParaRPr b="0" lang="en-US" sz="4400" spc="-1" strike="noStrike">
-              <a:solidFill>
-                <a:srgbClr val="ffffff"/>
+            <a:endParaRPr lang="en-US" sz="4400" b="0" strike="noStrike" spc="-1">
+              <a:solidFill>
+                <a:srgbClr val="FFFFFF"/>
               </a:solidFill>
               <a:latin typeface="Arial"/>
             </a:endParaRPr>
@@ -1288,11 +1450,12 @@
           </a:prstGeom>
         </p:spPr>
         <p:txBody>
-          <a:bodyPr lIns="0" rIns="0" tIns="0" bIns="0"/>
-          <a:p>
-            <a:endParaRPr b="0" lang="en-US" sz="3200" spc="-1" strike="noStrike">
-              <a:solidFill>
-                <a:srgbClr val="0066cc"/>
+          <a:bodyPr lIns="0" tIns="0" rIns="0" bIns="0"/>
+          <a:lstStyle/>
+          <a:p>
+            <a:endParaRPr lang="en-US" sz="3200" b="0" strike="noStrike" spc="-1">
+              <a:solidFill>
+                <a:srgbClr val="0066CC"/>
               </a:solidFill>
               <a:latin typeface="Arial"/>
             </a:endParaRPr>
@@ -1319,11 +1482,12 @@
           </a:prstGeom>
         </p:spPr>
         <p:txBody>
-          <a:bodyPr lIns="0" rIns="0" tIns="0" bIns="0"/>
-          <a:p>
-            <a:endParaRPr b="0" lang="en-US" sz="3200" spc="-1" strike="noStrike">
-              <a:solidFill>
-                <a:srgbClr val="0066cc"/>
+          <a:bodyPr lIns="0" tIns="0" rIns="0" bIns="0"/>
+          <a:lstStyle/>
+          <a:p>
+            <a:endParaRPr lang="en-US" sz="3200" b="0" strike="noStrike" spc="-1">
+              <a:solidFill>
+                <a:srgbClr val="0066CC"/>
               </a:solidFill>
               <a:latin typeface="Arial"/>
             </a:endParaRPr>
@@ -1350,11 +1514,12 @@
           </a:prstGeom>
         </p:spPr>
         <p:txBody>
-          <a:bodyPr lIns="0" rIns="0" tIns="0" bIns="0"/>
-          <a:p>
-            <a:endParaRPr b="0" lang="en-US" sz="3200" spc="-1" strike="noStrike">
-              <a:solidFill>
-                <a:srgbClr val="0066cc"/>
+          <a:bodyPr lIns="0" tIns="0" rIns="0" bIns="0"/>
+          <a:lstStyle/>
+          <a:p>
+            <a:endParaRPr lang="en-US" sz="3200" b="0" strike="noStrike" spc="-1">
+              <a:solidFill>
+                <a:srgbClr val="0066CC"/>
               </a:solidFill>
               <a:latin typeface="Arial"/>
             </a:endParaRPr>
@@ -1363,11 +1528,14 @@
       </p:sp>
     </p:spTree>
   </p:cSld>
+  <p:clrMapOvr>
+    <a:masterClrMapping/>
+  </p:clrMapOvr>
 </p:sldLayout>
 </file>
 
 <file path=ppt/slideLayouts/slideLayout21.xml><?xml version="1.0" encoding="utf-8"?>
-<p:sldLayout xmlns:a="http://schemas.openxmlformats.org/drawingml/2006/main" xmlns:p="http://schemas.openxmlformats.org/presentationml/2006/main" xmlns:r="http://schemas.openxmlformats.org/officeDocument/2006/relationships" xmlns:p14="http://schemas.microsoft.com/office/powerpoint/2010/main" xmlns:p15="http://schemas.microsoft.com/office/powerpoint/2012/main" xmlns:mc="http://schemas.openxmlformats.org/markup-compatibility/2006" type="twoObjOverTx" preserve="1">
+<p:sldLayout xmlns:a="http://schemas.openxmlformats.org/drawingml/2006/main" xmlns:r="http://schemas.openxmlformats.org/officeDocument/2006/relationships" xmlns:p="http://schemas.openxmlformats.org/presentationml/2006/main" type="twoObjOverTx" preserve="1">
   <p:cSld name="Title, 2 Content over Content">
     <p:spTree>
       <p:nvGrpSpPr>
@@ -1403,12 +1571,13 @@
           </a:prstGeom>
         </p:spPr>
         <p:txBody>
-          <a:bodyPr lIns="0" rIns="0" tIns="0" bIns="0" anchor="ctr"/>
+          <a:bodyPr lIns="0" tIns="0" rIns="0" bIns="0" anchor="ctr"/>
+          <a:lstStyle/>
           <a:p>
             <a:pPr algn="ctr"/>
-            <a:endParaRPr b="0" lang="en-US" sz="4400" spc="-1" strike="noStrike">
-              <a:solidFill>
-                <a:srgbClr val="ffffff"/>
+            <a:endParaRPr lang="en-US" sz="4400" b="0" strike="noStrike" spc="-1">
+              <a:solidFill>
+                <a:srgbClr val="FFFFFF"/>
               </a:solidFill>
               <a:latin typeface="Arial"/>
             </a:endParaRPr>
@@ -1435,11 +1604,12 @@
           </a:prstGeom>
         </p:spPr>
         <p:txBody>
-          <a:bodyPr lIns="0" rIns="0" tIns="0" bIns="0"/>
-          <a:p>
-            <a:endParaRPr b="0" lang="en-US" sz="3200" spc="-1" strike="noStrike">
-              <a:solidFill>
-                <a:srgbClr val="0066cc"/>
+          <a:bodyPr lIns="0" tIns="0" rIns="0" bIns="0"/>
+          <a:lstStyle/>
+          <a:p>
+            <a:endParaRPr lang="en-US" sz="3200" b="0" strike="noStrike" spc="-1">
+              <a:solidFill>
+                <a:srgbClr val="0066CC"/>
               </a:solidFill>
               <a:latin typeface="Arial"/>
             </a:endParaRPr>
@@ -1466,11 +1636,12 @@
           </a:prstGeom>
         </p:spPr>
         <p:txBody>
-          <a:bodyPr lIns="0" rIns="0" tIns="0" bIns="0"/>
-          <a:p>
-            <a:endParaRPr b="0" lang="en-US" sz="3200" spc="-1" strike="noStrike">
-              <a:solidFill>
-                <a:srgbClr val="0066cc"/>
+          <a:bodyPr lIns="0" tIns="0" rIns="0" bIns="0"/>
+          <a:lstStyle/>
+          <a:p>
+            <a:endParaRPr lang="en-US" sz="3200" b="0" strike="noStrike" spc="-1">
+              <a:solidFill>
+                <a:srgbClr val="0066CC"/>
               </a:solidFill>
               <a:latin typeface="Arial"/>
             </a:endParaRPr>
@@ -1497,11 +1668,12 @@
           </a:prstGeom>
         </p:spPr>
         <p:txBody>
-          <a:bodyPr lIns="0" rIns="0" tIns="0" bIns="0"/>
-          <a:p>
-            <a:endParaRPr b="0" lang="en-US" sz="3200" spc="-1" strike="noStrike">
-              <a:solidFill>
-                <a:srgbClr val="0066cc"/>
+          <a:bodyPr lIns="0" tIns="0" rIns="0" bIns="0"/>
+          <a:lstStyle/>
+          <a:p>
+            <a:endParaRPr lang="en-US" sz="3200" b="0" strike="noStrike" spc="-1">
+              <a:solidFill>
+                <a:srgbClr val="0066CC"/>
               </a:solidFill>
               <a:latin typeface="Arial"/>
             </a:endParaRPr>
@@ -1510,11 +1682,14 @@
       </p:sp>
     </p:spTree>
   </p:cSld>
+  <p:clrMapOvr>
+    <a:masterClrMapping/>
+  </p:clrMapOvr>
 </p:sldLayout>
 </file>
 
 <file path=ppt/slideLayouts/slideLayout22.xml><?xml version="1.0" encoding="utf-8"?>
-<p:sldLayout xmlns:a="http://schemas.openxmlformats.org/drawingml/2006/main" xmlns:p="http://schemas.openxmlformats.org/presentationml/2006/main" xmlns:r="http://schemas.openxmlformats.org/officeDocument/2006/relationships" xmlns:p14="http://schemas.microsoft.com/office/powerpoint/2010/main" xmlns:p15="http://schemas.microsoft.com/office/powerpoint/2012/main" xmlns:mc="http://schemas.openxmlformats.org/markup-compatibility/2006" type="objOverTx" preserve="1">
+<p:sldLayout xmlns:a="http://schemas.openxmlformats.org/drawingml/2006/main" xmlns:r="http://schemas.openxmlformats.org/officeDocument/2006/relationships" xmlns:p="http://schemas.openxmlformats.org/presentationml/2006/main" type="objOverTx" preserve="1">
   <p:cSld name="Title, Content over Content">
     <p:spTree>
       <p:nvGrpSpPr>
@@ -1550,12 +1725,13 @@
           </a:prstGeom>
         </p:spPr>
         <p:txBody>
-          <a:bodyPr lIns="0" rIns="0" tIns="0" bIns="0" anchor="ctr"/>
+          <a:bodyPr lIns="0" tIns="0" rIns="0" bIns="0" anchor="ctr"/>
+          <a:lstStyle/>
           <a:p>
             <a:pPr algn="ctr"/>
-            <a:endParaRPr b="0" lang="en-US" sz="4400" spc="-1" strike="noStrike">
-              <a:solidFill>
-                <a:srgbClr val="ffffff"/>
+            <a:endParaRPr lang="en-US" sz="4400" b="0" strike="noStrike" spc="-1">
+              <a:solidFill>
+                <a:srgbClr val="FFFFFF"/>
               </a:solidFill>
               <a:latin typeface="Arial"/>
             </a:endParaRPr>
@@ -1582,11 +1758,12 @@
           </a:prstGeom>
         </p:spPr>
         <p:txBody>
-          <a:bodyPr lIns="0" rIns="0" tIns="0" bIns="0"/>
-          <a:p>
-            <a:endParaRPr b="0" lang="en-US" sz="3200" spc="-1" strike="noStrike">
-              <a:solidFill>
-                <a:srgbClr val="0066cc"/>
+          <a:bodyPr lIns="0" tIns="0" rIns="0" bIns="0"/>
+          <a:lstStyle/>
+          <a:p>
+            <a:endParaRPr lang="en-US" sz="3200" b="0" strike="noStrike" spc="-1">
+              <a:solidFill>
+                <a:srgbClr val="0066CC"/>
               </a:solidFill>
               <a:latin typeface="Arial"/>
             </a:endParaRPr>
@@ -1613,11 +1790,12 @@
           </a:prstGeom>
         </p:spPr>
         <p:txBody>
-          <a:bodyPr lIns="0" rIns="0" tIns="0" bIns="0"/>
-          <a:p>
-            <a:endParaRPr b="0" lang="en-US" sz="3200" spc="-1" strike="noStrike">
-              <a:solidFill>
-                <a:srgbClr val="0066cc"/>
+          <a:bodyPr lIns="0" tIns="0" rIns="0" bIns="0"/>
+          <a:lstStyle/>
+          <a:p>
+            <a:endParaRPr lang="en-US" sz="3200" b="0" strike="noStrike" spc="-1">
+              <a:solidFill>
+                <a:srgbClr val="0066CC"/>
               </a:solidFill>
               <a:latin typeface="Arial"/>
             </a:endParaRPr>
@@ -1626,11 +1804,14 @@
       </p:sp>
     </p:spTree>
   </p:cSld>
+  <p:clrMapOvr>
+    <a:masterClrMapping/>
+  </p:clrMapOvr>
 </p:sldLayout>
 </file>
 
 <file path=ppt/slideLayouts/slideLayout23.xml><?xml version="1.0" encoding="utf-8"?>
-<p:sldLayout xmlns:a="http://schemas.openxmlformats.org/drawingml/2006/main" xmlns:p="http://schemas.openxmlformats.org/presentationml/2006/main" xmlns:r="http://schemas.openxmlformats.org/officeDocument/2006/relationships" xmlns:p14="http://schemas.microsoft.com/office/powerpoint/2010/main" xmlns:p15="http://schemas.microsoft.com/office/powerpoint/2012/main" xmlns:mc="http://schemas.openxmlformats.org/markup-compatibility/2006" type="fourObj" preserve="1">
+<p:sldLayout xmlns:a="http://schemas.openxmlformats.org/drawingml/2006/main" xmlns:r="http://schemas.openxmlformats.org/officeDocument/2006/relationships" xmlns:p="http://schemas.openxmlformats.org/presentationml/2006/main" type="fourObj" preserve="1">
   <p:cSld name="Title, 4 Content">
     <p:spTree>
       <p:nvGrpSpPr>
@@ -1666,12 +1847,13 @@
           </a:prstGeom>
         </p:spPr>
         <p:txBody>
-          <a:bodyPr lIns="0" rIns="0" tIns="0" bIns="0" anchor="ctr"/>
+          <a:bodyPr lIns="0" tIns="0" rIns="0" bIns="0" anchor="ctr"/>
+          <a:lstStyle/>
           <a:p>
             <a:pPr algn="ctr"/>
-            <a:endParaRPr b="0" lang="en-US" sz="4400" spc="-1" strike="noStrike">
-              <a:solidFill>
-                <a:srgbClr val="ffffff"/>
+            <a:endParaRPr lang="en-US" sz="4400" b="0" strike="noStrike" spc="-1">
+              <a:solidFill>
+                <a:srgbClr val="FFFFFF"/>
               </a:solidFill>
               <a:latin typeface="Arial"/>
             </a:endParaRPr>
@@ -1698,11 +1880,12 @@
           </a:prstGeom>
         </p:spPr>
         <p:txBody>
-          <a:bodyPr lIns="0" rIns="0" tIns="0" bIns="0"/>
-          <a:p>
-            <a:endParaRPr b="0" lang="en-US" sz="3200" spc="-1" strike="noStrike">
-              <a:solidFill>
-                <a:srgbClr val="0066cc"/>
+          <a:bodyPr lIns="0" tIns="0" rIns="0" bIns="0"/>
+          <a:lstStyle/>
+          <a:p>
+            <a:endParaRPr lang="en-US" sz="3200" b="0" strike="noStrike" spc="-1">
+              <a:solidFill>
+                <a:srgbClr val="0066CC"/>
               </a:solidFill>
               <a:latin typeface="Arial"/>
             </a:endParaRPr>
@@ -1729,11 +1912,12 @@
           </a:prstGeom>
         </p:spPr>
         <p:txBody>
-          <a:bodyPr lIns="0" rIns="0" tIns="0" bIns="0"/>
-          <a:p>
-            <a:endParaRPr b="0" lang="en-US" sz="3200" spc="-1" strike="noStrike">
-              <a:solidFill>
-                <a:srgbClr val="0066cc"/>
+          <a:bodyPr lIns="0" tIns="0" rIns="0" bIns="0"/>
+          <a:lstStyle/>
+          <a:p>
+            <a:endParaRPr lang="en-US" sz="3200" b="0" strike="noStrike" spc="-1">
+              <a:solidFill>
+                <a:srgbClr val="0066CC"/>
               </a:solidFill>
               <a:latin typeface="Arial"/>
             </a:endParaRPr>
@@ -1760,11 +1944,12 @@
           </a:prstGeom>
         </p:spPr>
         <p:txBody>
-          <a:bodyPr lIns="0" rIns="0" tIns="0" bIns="0"/>
-          <a:p>
-            <a:endParaRPr b="0" lang="en-US" sz="3200" spc="-1" strike="noStrike">
-              <a:solidFill>
-                <a:srgbClr val="0066cc"/>
+          <a:bodyPr lIns="0" tIns="0" rIns="0" bIns="0"/>
+          <a:lstStyle/>
+          <a:p>
+            <a:endParaRPr lang="en-US" sz="3200" b="0" strike="noStrike" spc="-1">
+              <a:solidFill>
+                <a:srgbClr val="0066CC"/>
               </a:solidFill>
               <a:latin typeface="Arial"/>
             </a:endParaRPr>
@@ -1791,11 +1976,12 @@
           </a:prstGeom>
         </p:spPr>
         <p:txBody>
-          <a:bodyPr lIns="0" rIns="0" tIns="0" bIns="0"/>
-          <a:p>
-            <a:endParaRPr b="0" lang="en-US" sz="3200" spc="-1" strike="noStrike">
-              <a:solidFill>
-                <a:srgbClr val="0066cc"/>
+          <a:bodyPr lIns="0" tIns="0" rIns="0" bIns="0"/>
+          <a:lstStyle/>
+          <a:p>
+            <a:endParaRPr lang="en-US" sz="3200" b="0" strike="noStrike" spc="-1">
+              <a:solidFill>
+                <a:srgbClr val="0066CC"/>
               </a:solidFill>
               <a:latin typeface="Arial"/>
             </a:endParaRPr>
@@ -1804,11 +1990,14 @@
       </p:sp>
     </p:spTree>
   </p:cSld>
+  <p:clrMapOvr>
+    <a:masterClrMapping/>
+  </p:clrMapOvr>
 </p:sldLayout>
 </file>
 
 <file path=ppt/slideLayouts/slideLayout24.xml><?xml version="1.0" encoding="utf-8"?>
-<p:sldLayout xmlns:a="http://schemas.openxmlformats.org/drawingml/2006/main" xmlns:p="http://schemas.openxmlformats.org/presentationml/2006/main" xmlns:r="http://schemas.openxmlformats.org/officeDocument/2006/relationships" xmlns:p14="http://schemas.microsoft.com/office/powerpoint/2010/main" xmlns:p15="http://schemas.microsoft.com/office/powerpoint/2012/main" xmlns:mc="http://schemas.openxmlformats.org/markup-compatibility/2006" type="blank" preserve="1">
+<p:sldLayout xmlns:a="http://schemas.openxmlformats.org/drawingml/2006/main" xmlns:r="http://schemas.openxmlformats.org/officeDocument/2006/relationships" xmlns:p="http://schemas.openxmlformats.org/presentationml/2006/main" type="blank" preserve="1">
   <p:cSld name="Title, 6 Content">
     <p:spTree>
       <p:nvGrpSpPr>
@@ -1844,12 +2033,13 @@
           </a:prstGeom>
         </p:spPr>
         <p:txBody>
-          <a:bodyPr lIns="0" rIns="0" tIns="0" bIns="0" anchor="ctr"/>
+          <a:bodyPr lIns="0" tIns="0" rIns="0" bIns="0" anchor="ctr"/>
+          <a:lstStyle/>
           <a:p>
             <a:pPr algn="ctr"/>
-            <a:endParaRPr b="0" lang="en-US" sz="4400" spc="-1" strike="noStrike">
-              <a:solidFill>
-                <a:srgbClr val="ffffff"/>
+            <a:endParaRPr lang="en-US" sz="4400" b="0" strike="noStrike" spc="-1">
+              <a:solidFill>
+                <a:srgbClr val="FFFFFF"/>
               </a:solidFill>
               <a:latin typeface="Arial"/>
             </a:endParaRPr>
@@ -1876,11 +2066,12 @@
           </a:prstGeom>
         </p:spPr>
         <p:txBody>
-          <a:bodyPr lIns="0" rIns="0" tIns="0" bIns="0"/>
-          <a:p>
-            <a:endParaRPr b="0" lang="en-US" sz="3200" spc="-1" strike="noStrike">
-              <a:solidFill>
-                <a:srgbClr val="0066cc"/>
+          <a:bodyPr lIns="0" tIns="0" rIns="0" bIns="0"/>
+          <a:lstStyle/>
+          <a:p>
+            <a:endParaRPr lang="en-US" sz="3200" b="0" strike="noStrike" spc="-1">
+              <a:solidFill>
+                <a:srgbClr val="0066CC"/>
               </a:solidFill>
               <a:latin typeface="Arial"/>
             </a:endParaRPr>
@@ -1907,11 +2098,12 @@
           </a:prstGeom>
         </p:spPr>
         <p:txBody>
-          <a:bodyPr lIns="0" rIns="0" tIns="0" bIns="0"/>
-          <a:p>
-            <a:endParaRPr b="0" lang="en-US" sz="3200" spc="-1" strike="noStrike">
-              <a:solidFill>
-                <a:srgbClr val="0066cc"/>
+          <a:bodyPr lIns="0" tIns="0" rIns="0" bIns="0"/>
+          <a:lstStyle/>
+          <a:p>
+            <a:endParaRPr lang="en-US" sz="3200" b="0" strike="noStrike" spc="-1">
+              <a:solidFill>
+                <a:srgbClr val="0066CC"/>
               </a:solidFill>
               <a:latin typeface="Arial"/>
             </a:endParaRPr>
@@ -1938,11 +2130,12 @@
           </a:prstGeom>
         </p:spPr>
         <p:txBody>
-          <a:bodyPr lIns="0" rIns="0" tIns="0" bIns="0"/>
-          <a:p>
-            <a:endParaRPr b="0" lang="en-US" sz="3200" spc="-1" strike="noStrike">
-              <a:solidFill>
-                <a:srgbClr val="0066cc"/>
+          <a:bodyPr lIns="0" tIns="0" rIns="0" bIns="0"/>
+          <a:lstStyle/>
+          <a:p>
+            <a:endParaRPr lang="en-US" sz="3200" b="0" strike="noStrike" spc="-1">
+              <a:solidFill>
+                <a:srgbClr val="0066CC"/>
               </a:solidFill>
               <a:latin typeface="Arial"/>
             </a:endParaRPr>
@@ -1969,11 +2162,12 @@
           </a:prstGeom>
         </p:spPr>
         <p:txBody>
-          <a:bodyPr lIns="0" rIns="0" tIns="0" bIns="0"/>
-          <a:p>
-            <a:endParaRPr b="0" lang="en-US" sz="3200" spc="-1" strike="noStrike">
-              <a:solidFill>
-                <a:srgbClr val="0066cc"/>
+          <a:bodyPr lIns="0" tIns="0" rIns="0" bIns="0"/>
+          <a:lstStyle/>
+          <a:p>
+            <a:endParaRPr lang="en-US" sz="3200" b="0" strike="noStrike" spc="-1">
+              <a:solidFill>
+                <a:srgbClr val="0066CC"/>
               </a:solidFill>
               <a:latin typeface="Arial"/>
             </a:endParaRPr>
@@ -2000,11 +2194,12 @@
           </a:prstGeom>
         </p:spPr>
         <p:txBody>
-          <a:bodyPr lIns="0" rIns="0" tIns="0" bIns="0"/>
-          <a:p>
-            <a:endParaRPr b="0" lang="en-US" sz="3200" spc="-1" strike="noStrike">
-              <a:solidFill>
-                <a:srgbClr val="0066cc"/>
+          <a:bodyPr lIns="0" tIns="0" rIns="0" bIns="0"/>
+          <a:lstStyle/>
+          <a:p>
+            <a:endParaRPr lang="en-US" sz="3200" b="0" strike="noStrike" spc="-1">
+              <a:solidFill>
+                <a:srgbClr val="0066CC"/>
               </a:solidFill>
               <a:latin typeface="Arial"/>
             </a:endParaRPr>
@@ -2031,11 +2226,12 @@
           </a:prstGeom>
         </p:spPr>
         <p:txBody>
-          <a:bodyPr lIns="0" rIns="0" tIns="0" bIns="0"/>
-          <a:p>
-            <a:endParaRPr b="0" lang="en-US" sz="3200" spc="-1" strike="noStrike">
-              <a:solidFill>
-                <a:srgbClr val="0066cc"/>
+          <a:bodyPr lIns="0" tIns="0" rIns="0" bIns="0"/>
+          <a:lstStyle/>
+          <a:p>
+            <a:endParaRPr lang="en-US" sz="3200" b="0" strike="noStrike" spc="-1">
+              <a:solidFill>
+                <a:srgbClr val="0066CC"/>
               </a:solidFill>
               <a:latin typeface="Arial"/>
             </a:endParaRPr>
@@ -2044,11 +2240,14 @@
       </p:sp>
     </p:spTree>
   </p:cSld>
+  <p:clrMapOvr>
+    <a:masterClrMapping/>
+  </p:clrMapOvr>
 </p:sldLayout>
 </file>
 
 <file path=ppt/slideLayouts/slideLayout3.xml><?xml version="1.0" encoding="utf-8"?>
-<p:sldLayout xmlns:a="http://schemas.openxmlformats.org/drawingml/2006/main" xmlns:p="http://schemas.openxmlformats.org/presentationml/2006/main" xmlns:r="http://schemas.openxmlformats.org/officeDocument/2006/relationships" xmlns:p14="http://schemas.microsoft.com/office/powerpoint/2010/main" xmlns:p15="http://schemas.microsoft.com/office/powerpoint/2012/main" xmlns:mc="http://schemas.openxmlformats.org/markup-compatibility/2006" type="obj" preserve="1">
+<p:sldLayout xmlns:a="http://schemas.openxmlformats.org/drawingml/2006/main" xmlns:r="http://schemas.openxmlformats.org/officeDocument/2006/relationships" xmlns:p="http://schemas.openxmlformats.org/presentationml/2006/main" type="obj" preserve="1">
   <p:cSld name="Title, Content">
     <p:spTree>
       <p:nvGrpSpPr>
@@ -2084,12 +2283,13 @@
           </a:prstGeom>
         </p:spPr>
         <p:txBody>
-          <a:bodyPr lIns="0" rIns="0" tIns="0" bIns="0" anchor="ctr"/>
+          <a:bodyPr lIns="0" tIns="0" rIns="0" bIns="0" anchor="ctr"/>
+          <a:lstStyle/>
           <a:p>
             <a:pPr algn="ctr"/>
-            <a:endParaRPr b="0" lang="en-US" sz="4400" spc="-1" strike="noStrike">
-              <a:solidFill>
-                <a:srgbClr val="ffffff"/>
+            <a:endParaRPr lang="en-US" sz="4400" b="0" strike="noStrike" spc="-1">
+              <a:solidFill>
+                <a:srgbClr val="FFFFFF"/>
               </a:solidFill>
               <a:latin typeface="Arial"/>
             </a:endParaRPr>
@@ -2116,11 +2316,12 @@
           </a:prstGeom>
         </p:spPr>
         <p:txBody>
-          <a:bodyPr lIns="0" rIns="0" tIns="0" bIns="0"/>
-          <a:p>
-            <a:endParaRPr b="0" lang="en-US" sz="3200" spc="-1" strike="noStrike">
-              <a:solidFill>
-                <a:srgbClr val="0066cc"/>
+          <a:bodyPr lIns="0" tIns="0" rIns="0" bIns="0"/>
+          <a:lstStyle/>
+          <a:p>
+            <a:endParaRPr lang="en-US" sz="3200" b="0" strike="noStrike" spc="-1">
+              <a:solidFill>
+                <a:srgbClr val="0066CC"/>
               </a:solidFill>
               <a:latin typeface="Arial"/>
             </a:endParaRPr>
@@ -2129,11 +2330,14 @@
       </p:sp>
     </p:spTree>
   </p:cSld>
+  <p:clrMapOvr>
+    <a:masterClrMapping/>
+  </p:clrMapOvr>
 </p:sldLayout>
 </file>
 
 <file path=ppt/slideLayouts/slideLayout4.xml><?xml version="1.0" encoding="utf-8"?>
-<p:sldLayout xmlns:a="http://schemas.openxmlformats.org/drawingml/2006/main" xmlns:p="http://schemas.openxmlformats.org/presentationml/2006/main" xmlns:r="http://schemas.openxmlformats.org/officeDocument/2006/relationships" xmlns:p14="http://schemas.microsoft.com/office/powerpoint/2010/main" xmlns:p15="http://schemas.microsoft.com/office/powerpoint/2012/main" xmlns:mc="http://schemas.openxmlformats.org/markup-compatibility/2006" type="twoObj" preserve="1">
+<p:sldLayout xmlns:a="http://schemas.openxmlformats.org/drawingml/2006/main" xmlns:r="http://schemas.openxmlformats.org/officeDocument/2006/relationships" xmlns:p="http://schemas.openxmlformats.org/presentationml/2006/main" type="twoObj" preserve="1">
   <p:cSld name="Title, 2 Content">
     <p:spTree>
       <p:nvGrpSpPr>
@@ -2169,12 +2373,13 @@
           </a:prstGeom>
         </p:spPr>
         <p:txBody>
-          <a:bodyPr lIns="0" rIns="0" tIns="0" bIns="0" anchor="ctr"/>
+          <a:bodyPr lIns="0" tIns="0" rIns="0" bIns="0" anchor="ctr"/>
+          <a:lstStyle/>
           <a:p>
             <a:pPr algn="ctr"/>
-            <a:endParaRPr b="0" lang="en-US" sz="4400" spc="-1" strike="noStrike">
-              <a:solidFill>
-                <a:srgbClr val="ffffff"/>
+            <a:endParaRPr lang="en-US" sz="4400" b="0" strike="noStrike" spc="-1">
+              <a:solidFill>
+                <a:srgbClr val="FFFFFF"/>
               </a:solidFill>
               <a:latin typeface="Arial"/>
             </a:endParaRPr>
@@ -2201,11 +2406,12 @@
           </a:prstGeom>
         </p:spPr>
         <p:txBody>
-          <a:bodyPr lIns="0" rIns="0" tIns="0" bIns="0"/>
-          <a:p>
-            <a:endParaRPr b="0" lang="en-US" sz="3200" spc="-1" strike="noStrike">
-              <a:solidFill>
-                <a:srgbClr val="0066cc"/>
+          <a:bodyPr lIns="0" tIns="0" rIns="0" bIns="0"/>
+          <a:lstStyle/>
+          <a:p>
+            <a:endParaRPr lang="en-US" sz="3200" b="0" strike="noStrike" spc="-1">
+              <a:solidFill>
+                <a:srgbClr val="0066CC"/>
               </a:solidFill>
               <a:latin typeface="Arial"/>
             </a:endParaRPr>
@@ -2232,11 +2438,12 @@
           </a:prstGeom>
         </p:spPr>
         <p:txBody>
-          <a:bodyPr lIns="0" rIns="0" tIns="0" bIns="0"/>
-          <a:p>
-            <a:endParaRPr b="0" lang="en-US" sz="3200" spc="-1" strike="noStrike">
-              <a:solidFill>
-                <a:srgbClr val="0066cc"/>
+          <a:bodyPr lIns="0" tIns="0" rIns="0" bIns="0"/>
+          <a:lstStyle/>
+          <a:p>
+            <a:endParaRPr lang="en-US" sz="3200" b="0" strike="noStrike" spc="-1">
+              <a:solidFill>
+                <a:srgbClr val="0066CC"/>
               </a:solidFill>
               <a:latin typeface="Arial"/>
             </a:endParaRPr>
@@ -2245,11 +2452,14 @@
       </p:sp>
     </p:spTree>
   </p:cSld>
+  <p:clrMapOvr>
+    <a:masterClrMapping/>
+  </p:clrMapOvr>
 </p:sldLayout>
 </file>
 
 <file path=ppt/slideLayouts/slideLayout5.xml><?xml version="1.0" encoding="utf-8"?>
-<p:sldLayout xmlns:a="http://schemas.openxmlformats.org/drawingml/2006/main" xmlns:p="http://schemas.openxmlformats.org/presentationml/2006/main" xmlns:r="http://schemas.openxmlformats.org/officeDocument/2006/relationships" xmlns:p14="http://schemas.microsoft.com/office/powerpoint/2010/main" xmlns:p15="http://schemas.microsoft.com/office/powerpoint/2012/main" xmlns:mc="http://schemas.openxmlformats.org/markup-compatibility/2006" type="titleOnly" preserve="1">
+<p:sldLayout xmlns:a="http://schemas.openxmlformats.org/drawingml/2006/main" xmlns:r="http://schemas.openxmlformats.org/officeDocument/2006/relationships" xmlns:p="http://schemas.openxmlformats.org/presentationml/2006/main" type="titleOnly" preserve="1">
   <p:cSld name="Title Only">
     <p:spTree>
       <p:nvGrpSpPr>
@@ -2285,12 +2495,13 @@
           </a:prstGeom>
         </p:spPr>
         <p:txBody>
-          <a:bodyPr lIns="0" rIns="0" tIns="0" bIns="0" anchor="ctr"/>
+          <a:bodyPr lIns="0" tIns="0" rIns="0" bIns="0" anchor="ctr"/>
+          <a:lstStyle/>
           <a:p>
             <a:pPr algn="ctr"/>
-            <a:endParaRPr b="0" lang="en-US" sz="4400" spc="-1" strike="noStrike">
-              <a:solidFill>
-                <a:srgbClr val="ffffff"/>
+            <a:endParaRPr lang="en-US" sz="4400" b="0" strike="noStrike" spc="-1">
+              <a:solidFill>
+                <a:srgbClr val="FFFFFF"/>
               </a:solidFill>
               <a:latin typeface="Arial"/>
             </a:endParaRPr>
@@ -2299,11 +2510,14 @@
       </p:sp>
     </p:spTree>
   </p:cSld>
+  <p:clrMapOvr>
+    <a:masterClrMapping/>
+  </p:clrMapOvr>
 </p:sldLayout>
 </file>
 
 <file path=ppt/slideLayouts/slideLayout6.xml><?xml version="1.0" encoding="utf-8"?>
-<p:sldLayout xmlns:a="http://schemas.openxmlformats.org/drawingml/2006/main" xmlns:p="http://schemas.openxmlformats.org/presentationml/2006/main" xmlns:r="http://schemas.openxmlformats.org/officeDocument/2006/relationships" xmlns:p14="http://schemas.microsoft.com/office/powerpoint/2010/main" xmlns:p15="http://schemas.microsoft.com/office/powerpoint/2012/main" xmlns:mc="http://schemas.openxmlformats.org/markup-compatibility/2006" type="objOnly" preserve="1">
+<p:sldLayout xmlns:a="http://schemas.openxmlformats.org/drawingml/2006/main" xmlns:r="http://schemas.openxmlformats.org/officeDocument/2006/relationships" xmlns:p="http://schemas.openxmlformats.org/presentationml/2006/main" type="objOnly" preserve="1">
   <p:cSld name="Centered Text">
     <p:spTree>
       <p:nvGrpSpPr>
@@ -2339,10 +2553,11 @@
           </a:prstGeom>
         </p:spPr>
         <p:txBody>
-          <a:bodyPr lIns="0" rIns="0" tIns="0" bIns="0" anchor="ctr"/>
+          <a:bodyPr lIns="0" tIns="0" rIns="0" bIns="0" anchor="ctr"/>
+          <a:lstStyle/>
           <a:p>
             <a:pPr algn="ctr"/>
-            <a:endParaRPr b="0" lang="en-US" sz="3200" spc="-1" strike="noStrike">
+            <a:endParaRPr lang="en-US" sz="3200" b="0" strike="noStrike" spc="-1">
               <a:latin typeface="Arial"/>
             </a:endParaRPr>
           </a:p>
@@ -2350,11 +2565,14 @@
       </p:sp>
     </p:spTree>
   </p:cSld>
+  <p:clrMapOvr>
+    <a:masterClrMapping/>
+  </p:clrMapOvr>
 </p:sldLayout>
 </file>
 
 <file path=ppt/slideLayouts/slideLayout7.xml><?xml version="1.0" encoding="utf-8"?>
-<p:sldLayout xmlns:a="http://schemas.openxmlformats.org/drawingml/2006/main" xmlns:p="http://schemas.openxmlformats.org/presentationml/2006/main" xmlns:r="http://schemas.openxmlformats.org/officeDocument/2006/relationships" xmlns:p14="http://schemas.microsoft.com/office/powerpoint/2010/main" xmlns:p15="http://schemas.microsoft.com/office/powerpoint/2012/main" xmlns:mc="http://schemas.openxmlformats.org/markup-compatibility/2006" type="twoObjAndObj" preserve="1">
+<p:sldLayout xmlns:a="http://schemas.openxmlformats.org/drawingml/2006/main" xmlns:r="http://schemas.openxmlformats.org/officeDocument/2006/relationships" xmlns:p="http://schemas.openxmlformats.org/presentationml/2006/main" type="twoObjAndObj" preserve="1">
   <p:cSld name="Title, 2 Content and Content">
     <p:spTree>
       <p:nvGrpSpPr>
@@ -2390,12 +2608,13 @@
           </a:prstGeom>
         </p:spPr>
         <p:txBody>
-          <a:bodyPr lIns="0" rIns="0" tIns="0" bIns="0" anchor="ctr"/>
+          <a:bodyPr lIns="0" tIns="0" rIns="0" bIns="0" anchor="ctr"/>
+          <a:lstStyle/>
           <a:p>
             <a:pPr algn="ctr"/>
-            <a:endParaRPr b="0" lang="en-US" sz="4400" spc="-1" strike="noStrike">
-              <a:solidFill>
-                <a:srgbClr val="ffffff"/>
+            <a:endParaRPr lang="en-US" sz="4400" b="0" strike="noStrike" spc="-1">
+              <a:solidFill>
+                <a:srgbClr val="FFFFFF"/>
               </a:solidFill>
               <a:latin typeface="Arial"/>
             </a:endParaRPr>
@@ -2422,11 +2641,12 @@
           </a:prstGeom>
         </p:spPr>
         <p:txBody>
-          <a:bodyPr lIns="0" rIns="0" tIns="0" bIns="0"/>
-          <a:p>
-            <a:endParaRPr b="0" lang="en-US" sz="3200" spc="-1" strike="noStrike">
-              <a:solidFill>
-                <a:srgbClr val="0066cc"/>
+          <a:bodyPr lIns="0" tIns="0" rIns="0" bIns="0"/>
+          <a:lstStyle/>
+          <a:p>
+            <a:endParaRPr lang="en-US" sz="3200" b="0" strike="noStrike" spc="-1">
+              <a:solidFill>
+                <a:srgbClr val="0066CC"/>
               </a:solidFill>
               <a:latin typeface="Arial"/>
             </a:endParaRPr>
@@ -2453,11 +2673,12 @@
           </a:prstGeom>
         </p:spPr>
         <p:txBody>
-          <a:bodyPr lIns="0" rIns="0" tIns="0" bIns="0"/>
-          <a:p>
-            <a:endParaRPr b="0" lang="en-US" sz="3200" spc="-1" strike="noStrike">
-              <a:solidFill>
-                <a:srgbClr val="0066cc"/>
+          <a:bodyPr lIns="0" tIns="0" rIns="0" bIns="0"/>
+          <a:lstStyle/>
+          <a:p>
+            <a:endParaRPr lang="en-US" sz="3200" b="0" strike="noStrike" spc="-1">
+              <a:solidFill>
+                <a:srgbClr val="0066CC"/>
               </a:solidFill>
               <a:latin typeface="Arial"/>
             </a:endParaRPr>
@@ -2484,11 +2705,12 @@
           </a:prstGeom>
         </p:spPr>
         <p:txBody>
-          <a:bodyPr lIns="0" rIns="0" tIns="0" bIns="0"/>
-          <a:p>
-            <a:endParaRPr b="0" lang="en-US" sz="3200" spc="-1" strike="noStrike">
-              <a:solidFill>
-                <a:srgbClr val="0066cc"/>
+          <a:bodyPr lIns="0" tIns="0" rIns="0" bIns="0"/>
+          <a:lstStyle/>
+          <a:p>
+            <a:endParaRPr lang="en-US" sz="3200" b="0" strike="noStrike" spc="-1">
+              <a:solidFill>
+                <a:srgbClr val="0066CC"/>
               </a:solidFill>
               <a:latin typeface="Arial"/>
             </a:endParaRPr>
@@ -2497,11 +2719,14 @@
       </p:sp>
     </p:spTree>
   </p:cSld>
+  <p:clrMapOvr>
+    <a:masterClrMapping/>
+  </p:clrMapOvr>
 </p:sldLayout>
 </file>
 
 <file path=ppt/slideLayouts/slideLayout8.xml><?xml version="1.0" encoding="utf-8"?>
-<p:sldLayout xmlns:a="http://schemas.openxmlformats.org/drawingml/2006/main" xmlns:p="http://schemas.openxmlformats.org/presentationml/2006/main" xmlns:r="http://schemas.openxmlformats.org/officeDocument/2006/relationships" xmlns:p14="http://schemas.microsoft.com/office/powerpoint/2010/main" xmlns:p15="http://schemas.microsoft.com/office/powerpoint/2012/main" xmlns:mc="http://schemas.openxmlformats.org/markup-compatibility/2006" type="objAndTwoObj" preserve="1">
+<p:sldLayout xmlns:a="http://schemas.openxmlformats.org/drawingml/2006/main" xmlns:r="http://schemas.openxmlformats.org/officeDocument/2006/relationships" xmlns:p="http://schemas.openxmlformats.org/presentationml/2006/main" type="objAndTwoObj" preserve="1">
   <p:cSld name="Title Content and 2 Content">
     <p:spTree>
       <p:nvGrpSpPr>
@@ -2537,12 +2762,13 @@
           </a:prstGeom>
         </p:spPr>
         <p:txBody>
-          <a:bodyPr lIns="0" rIns="0" tIns="0" bIns="0" anchor="ctr"/>
+          <a:bodyPr lIns="0" tIns="0" rIns="0" bIns="0" anchor="ctr"/>
+          <a:lstStyle/>
           <a:p>
             <a:pPr algn="ctr"/>
-            <a:endParaRPr b="0" lang="en-US" sz="4400" spc="-1" strike="noStrike">
-              <a:solidFill>
-                <a:srgbClr val="ffffff"/>
+            <a:endParaRPr lang="en-US" sz="4400" b="0" strike="noStrike" spc="-1">
+              <a:solidFill>
+                <a:srgbClr val="FFFFFF"/>
               </a:solidFill>
               <a:latin typeface="Arial"/>
             </a:endParaRPr>
@@ -2569,11 +2795,12 @@
           </a:prstGeom>
         </p:spPr>
         <p:txBody>
-          <a:bodyPr lIns="0" rIns="0" tIns="0" bIns="0"/>
-          <a:p>
-            <a:endParaRPr b="0" lang="en-US" sz="3200" spc="-1" strike="noStrike">
-              <a:solidFill>
-                <a:srgbClr val="0066cc"/>
+          <a:bodyPr lIns="0" tIns="0" rIns="0" bIns="0"/>
+          <a:lstStyle/>
+          <a:p>
+            <a:endParaRPr lang="en-US" sz="3200" b="0" strike="noStrike" spc="-1">
+              <a:solidFill>
+                <a:srgbClr val="0066CC"/>
               </a:solidFill>
               <a:latin typeface="Arial"/>
             </a:endParaRPr>
@@ -2600,11 +2827,12 @@
           </a:prstGeom>
         </p:spPr>
         <p:txBody>
-          <a:bodyPr lIns="0" rIns="0" tIns="0" bIns="0"/>
-          <a:p>
-            <a:endParaRPr b="0" lang="en-US" sz="3200" spc="-1" strike="noStrike">
-              <a:solidFill>
-                <a:srgbClr val="0066cc"/>
+          <a:bodyPr lIns="0" tIns="0" rIns="0" bIns="0"/>
+          <a:lstStyle/>
+          <a:p>
+            <a:endParaRPr lang="en-US" sz="3200" b="0" strike="noStrike" spc="-1">
+              <a:solidFill>
+                <a:srgbClr val="0066CC"/>
               </a:solidFill>
               <a:latin typeface="Arial"/>
             </a:endParaRPr>
@@ -2631,11 +2859,12 @@
           </a:prstGeom>
         </p:spPr>
         <p:txBody>
-          <a:bodyPr lIns="0" rIns="0" tIns="0" bIns="0"/>
-          <a:p>
-            <a:endParaRPr b="0" lang="en-US" sz="3200" spc="-1" strike="noStrike">
-              <a:solidFill>
-                <a:srgbClr val="0066cc"/>
+          <a:bodyPr lIns="0" tIns="0" rIns="0" bIns="0"/>
+          <a:lstStyle/>
+          <a:p>
+            <a:endParaRPr lang="en-US" sz="3200" b="0" strike="noStrike" spc="-1">
+              <a:solidFill>
+                <a:srgbClr val="0066CC"/>
               </a:solidFill>
               <a:latin typeface="Arial"/>
             </a:endParaRPr>
@@ -2644,11 +2873,14 @@
       </p:sp>
     </p:spTree>
   </p:cSld>
+  <p:clrMapOvr>
+    <a:masterClrMapping/>
+  </p:clrMapOvr>
 </p:sldLayout>
 </file>
 
 <file path=ppt/slideLayouts/slideLayout9.xml><?xml version="1.0" encoding="utf-8"?>
-<p:sldLayout xmlns:a="http://schemas.openxmlformats.org/drawingml/2006/main" xmlns:p="http://schemas.openxmlformats.org/presentationml/2006/main" xmlns:r="http://schemas.openxmlformats.org/officeDocument/2006/relationships" xmlns:p14="http://schemas.microsoft.com/office/powerpoint/2010/main" xmlns:p15="http://schemas.microsoft.com/office/powerpoint/2012/main" xmlns:mc="http://schemas.openxmlformats.org/markup-compatibility/2006" type="twoObjOverTx" preserve="1">
+<p:sldLayout xmlns:a="http://schemas.openxmlformats.org/drawingml/2006/main" xmlns:r="http://schemas.openxmlformats.org/officeDocument/2006/relationships" xmlns:p="http://schemas.openxmlformats.org/presentationml/2006/main" type="twoObjOverTx" preserve="1">
   <p:cSld name="Title, 2 Content over Content">
     <p:spTree>
       <p:nvGrpSpPr>
@@ -2684,12 +2916,13 @@
           </a:prstGeom>
         </p:spPr>
         <p:txBody>
-          <a:bodyPr lIns="0" rIns="0" tIns="0" bIns="0" anchor="ctr"/>
+          <a:bodyPr lIns="0" tIns="0" rIns="0" bIns="0" anchor="ctr"/>
+          <a:lstStyle/>
           <a:p>
             <a:pPr algn="ctr"/>
-            <a:endParaRPr b="0" lang="en-US" sz="4400" spc="-1" strike="noStrike">
-              <a:solidFill>
-                <a:srgbClr val="ffffff"/>
+            <a:endParaRPr lang="en-US" sz="4400" b="0" strike="noStrike" spc="-1">
+              <a:solidFill>
+                <a:srgbClr val="FFFFFF"/>
               </a:solidFill>
               <a:latin typeface="Arial"/>
             </a:endParaRPr>
@@ -2716,11 +2949,12 @@
           </a:prstGeom>
         </p:spPr>
         <p:txBody>
-          <a:bodyPr lIns="0" rIns="0" tIns="0" bIns="0"/>
-          <a:p>
-            <a:endParaRPr b="0" lang="en-US" sz="3200" spc="-1" strike="noStrike">
-              <a:solidFill>
-                <a:srgbClr val="0066cc"/>
+          <a:bodyPr lIns="0" tIns="0" rIns="0" bIns="0"/>
+          <a:lstStyle/>
+          <a:p>
+            <a:endParaRPr lang="en-US" sz="3200" b="0" strike="noStrike" spc="-1">
+              <a:solidFill>
+                <a:srgbClr val="0066CC"/>
               </a:solidFill>
               <a:latin typeface="Arial"/>
             </a:endParaRPr>
@@ -2747,11 +2981,12 @@
           </a:prstGeom>
         </p:spPr>
         <p:txBody>
-          <a:bodyPr lIns="0" rIns="0" tIns="0" bIns="0"/>
-          <a:p>
-            <a:endParaRPr b="0" lang="en-US" sz="3200" spc="-1" strike="noStrike">
-              <a:solidFill>
-                <a:srgbClr val="0066cc"/>
+          <a:bodyPr lIns="0" tIns="0" rIns="0" bIns="0"/>
+          <a:lstStyle/>
+          <a:p>
+            <a:endParaRPr lang="en-US" sz="3200" b="0" strike="noStrike" spc="-1">
+              <a:solidFill>
+                <a:srgbClr val="0066CC"/>
               </a:solidFill>
               <a:latin typeface="Arial"/>
             </a:endParaRPr>
@@ -2778,11 +3013,12 @@
           </a:prstGeom>
         </p:spPr>
         <p:txBody>
-          <a:bodyPr lIns="0" rIns="0" tIns="0" bIns="0"/>
-          <a:p>
-            <a:endParaRPr b="0" lang="en-US" sz="3200" spc="-1" strike="noStrike">
-              <a:solidFill>
-                <a:srgbClr val="0066cc"/>
+          <a:bodyPr lIns="0" tIns="0" rIns="0" bIns="0"/>
+          <a:lstStyle/>
+          <a:p>
+            <a:endParaRPr lang="en-US" sz="3200" b="0" strike="noStrike" spc="-1">
+              <a:solidFill>
+                <a:srgbClr val="0066CC"/>
               </a:solidFill>
               <a:latin typeface="Arial"/>
             </a:endParaRPr>
@@ -2791,12 +3027,20 @@
       </p:sp>
     </p:spTree>
   </p:cSld>
+  <p:clrMapOvr>
+    <a:masterClrMapping/>
+  </p:clrMapOvr>
 </p:sldLayout>
 </file>
 
 <file path=ppt/slideMasters/slideMaster1.xml><?xml version="1.0" encoding="utf-8"?>
-<p:sldMaster xmlns:a="http://schemas.openxmlformats.org/drawingml/2006/main" xmlns:p="http://schemas.openxmlformats.org/presentationml/2006/main" xmlns:r="http://schemas.openxmlformats.org/officeDocument/2006/relationships" xmlns:p14="http://schemas.microsoft.com/office/powerpoint/2010/main" xmlns:p15="http://schemas.microsoft.com/office/powerpoint/2012/main" xmlns:mc="http://schemas.openxmlformats.org/markup-compatibility/2006">
+<p:sldMaster xmlns:a="http://schemas.openxmlformats.org/drawingml/2006/main" xmlns:r="http://schemas.openxmlformats.org/officeDocument/2006/relationships" xmlns:p="http://schemas.openxmlformats.org/presentationml/2006/main">
   <p:cSld>
+    <p:bg>
+      <p:bgRef idx="1001">
+        <a:schemeClr val="bg1"/>
+      </p:bgRef>
+    </p:bg>
     <p:spTree>
       <p:nvGrpSpPr>
         <p:cNvPr id="1" name=""/>
@@ -2813,12 +3057,12 @@
       </p:grpSpPr>
       <p:pic>
         <p:nvPicPr>
-          <p:cNvPr id="0" name="" descr=""/>
+          <p:cNvPr id="6" name="Picture 5"/>
           <p:cNvPicPr/>
           <p:nvPr/>
         </p:nvPicPr>
         <p:blipFill>
-          <a:blip r:embed="rId2"/>
+          <a:blip r:embed="rId14"/>
           <a:stretch/>
         </p:blipFill>
         <p:spPr>
@@ -2836,7 +3080,7 @@
       </p:pic>
       <p:sp>
         <p:nvSpPr>
-          <p:cNvPr id="1" name="PlaceHolder 1"/>
+          <p:cNvPr id="7" name="PlaceHolder 1"/>
           <p:cNvSpPr>
             <a:spLocks noGrp="1"/>
           </p:cNvSpPr>
@@ -2854,11 +3098,12 @@
           </a:prstGeom>
         </p:spPr>
         <p:txBody>
-          <a:bodyPr lIns="0" rIns="0" tIns="0" bIns="0" anchor="ctr"/>
+          <a:bodyPr lIns="0" tIns="0" rIns="0" bIns="0" anchor="ctr"/>
+          <a:lstStyle/>
           <a:p>
             <a:pPr algn="ctr"/>
             <a:r>
-              <a:rPr b="0" lang="en-US" sz="4400" spc="-1" strike="noStrike">
+              <a:rPr lang="en-US" sz="4400" b="0" strike="noStrike" spc="-1">
                 <a:solidFill>
                   <a:srgbClr val="006699"/>
                 </a:solidFill>
@@ -2866,12 +3111,6 @@
               </a:rPr>
               <a:t>Click to edit the title text format</a:t>
             </a:r>
-            <a:endParaRPr b="0" lang="en-US" sz="4400" spc="-1" strike="noStrike">
-              <a:solidFill>
-                <a:srgbClr val="006699"/>
-              </a:solidFill>
-              <a:latin typeface="Arial"/>
-            </a:endParaRPr>
           </a:p>
         </p:txBody>
       </p:sp>
@@ -2895,9 +3134,10 @@
           </a:prstGeom>
         </p:spPr>
         <p:txBody>
-          <a:bodyPr lIns="0" rIns="0" tIns="0" bIns="0">
+          <a:bodyPr lIns="0" tIns="0" rIns="0" bIns="0">
             <a:normAutofit/>
           </a:bodyPr>
+          <a:lstStyle/>
           <a:p>
             <a:pPr marL="432000" indent="-324000">
               <a:spcBef>
@@ -2911,17 +3151,14 @@
               <a:buChar char=""/>
             </a:pPr>
             <a:r>
-              <a:rPr b="0" lang="en-US" sz="3200" spc="-1" strike="noStrike">
+              <a:rPr lang="en-US" sz="3200" b="0" strike="noStrike" spc="-1">
                 <a:latin typeface="Arial"/>
               </a:rPr>
               <a:t>Click to edit the outline text format</a:t>
             </a:r>
-            <a:endParaRPr b="0" lang="en-US" sz="3200" spc="-1" strike="noStrike">
-              <a:latin typeface="Arial"/>
-            </a:endParaRPr>
-          </a:p>
-          <a:p>
-            <a:pPr lvl="1" marL="864000" indent="-324000">
+          </a:p>
+          <a:p>
+            <a:pPr marL="864000" lvl="1" indent="-324000">
               <a:spcBef>
                 <a:spcPts val="1134"/>
               </a:spcBef>
@@ -2933,17 +3170,14 @@
               <a:buChar char=""/>
             </a:pPr>
             <a:r>
-              <a:rPr b="0" lang="en-US" sz="2800" spc="-1" strike="noStrike">
+              <a:rPr lang="en-US" sz="2800" b="0" strike="noStrike" spc="-1">
                 <a:latin typeface="Arial"/>
               </a:rPr>
               <a:t>Second Outline Level</a:t>
             </a:r>
-            <a:endParaRPr b="0" lang="en-US" sz="2800" spc="-1" strike="noStrike">
-              <a:latin typeface="Arial"/>
-            </a:endParaRPr>
-          </a:p>
-          <a:p>
-            <a:pPr lvl="2" marL="1296000" indent="-288000">
+          </a:p>
+          <a:p>
+            <a:pPr marL="1296000" lvl="2" indent="-288000">
               <a:spcBef>
                 <a:spcPts val="850"/>
               </a:spcBef>
@@ -2955,17 +3189,14 @@
               <a:buChar char=""/>
             </a:pPr>
             <a:r>
-              <a:rPr b="0" lang="en-US" sz="2400" spc="-1" strike="noStrike">
+              <a:rPr lang="en-US" sz="2400" b="0" strike="noStrike" spc="-1">
                 <a:latin typeface="Arial"/>
               </a:rPr>
               <a:t>Third Outline Level</a:t>
             </a:r>
-            <a:endParaRPr b="0" lang="en-US" sz="2400" spc="-1" strike="noStrike">
-              <a:latin typeface="Arial"/>
-            </a:endParaRPr>
-          </a:p>
-          <a:p>
-            <a:pPr lvl="3" marL="1728000" indent="-216000">
+          </a:p>
+          <a:p>
+            <a:pPr marL="1728000" lvl="3" indent="-216000">
               <a:spcBef>
                 <a:spcPts val="567"/>
               </a:spcBef>
@@ -2977,17 +3208,14 @@
               <a:buChar char=""/>
             </a:pPr>
             <a:r>
-              <a:rPr b="0" lang="en-US" sz="2000" spc="-1" strike="noStrike">
+              <a:rPr lang="en-US" sz="2000" b="0" strike="noStrike" spc="-1">
                 <a:latin typeface="Arial"/>
               </a:rPr>
               <a:t>Fourth Outline Level</a:t>
             </a:r>
-            <a:endParaRPr b="0" lang="en-US" sz="2000" spc="-1" strike="noStrike">
-              <a:latin typeface="Arial"/>
-            </a:endParaRPr>
-          </a:p>
-          <a:p>
-            <a:pPr lvl="4" marL="2160000" indent="-216000">
+          </a:p>
+          <a:p>
+            <a:pPr marL="2160000" lvl="4" indent="-216000">
               <a:spcBef>
                 <a:spcPts val="283"/>
               </a:spcBef>
@@ -2999,17 +3227,14 @@
               <a:buChar char=""/>
             </a:pPr>
             <a:r>
-              <a:rPr b="0" lang="en-US" sz="2000" spc="-1" strike="noStrike">
+              <a:rPr lang="en-US" sz="2000" b="0" strike="noStrike" spc="-1">
                 <a:latin typeface="Arial"/>
               </a:rPr>
               <a:t>Fifth Outline Level</a:t>
             </a:r>
-            <a:endParaRPr b="0" lang="en-US" sz="2000" spc="-1" strike="noStrike">
-              <a:latin typeface="Arial"/>
-            </a:endParaRPr>
-          </a:p>
-          <a:p>
-            <a:pPr lvl="5" marL="2592000" indent="-216000">
+          </a:p>
+          <a:p>
+            <a:pPr marL="2592000" lvl="5" indent="-216000">
               <a:spcBef>
                 <a:spcPts val="283"/>
               </a:spcBef>
@@ -3021,17 +3246,14 @@
               <a:buChar char=""/>
             </a:pPr>
             <a:r>
-              <a:rPr b="0" lang="en-US" sz="2000" spc="-1" strike="noStrike">
+              <a:rPr lang="en-US" sz="2000" b="0" strike="noStrike" spc="-1">
                 <a:latin typeface="Arial"/>
               </a:rPr>
               <a:t>Sixth Outline Level</a:t>
             </a:r>
-            <a:endParaRPr b="0" lang="en-US" sz="2000" spc="-1" strike="noStrike">
-              <a:latin typeface="Arial"/>
-            </a:endParaRPr>
-          </a:p>
-          <a:p>
-            <a:pPr lvl="6" marL="3024000" indent="-216000">
+          </a:p>
+          <a:p>
+            <a:pPr marL="3024000" lvl="6" indent="-216000">
               <a:spcBef>
                 <a:spcPts val="283"/>
               </a:spcBef>
@@ -3043,14 +3265,11 @@
               <a:buChar char=""/>
             </a:pPr>
             <a:r>
-              <a:rPr b="0" lang="en-US" sz="2000" spc="-1" strike="noStrike">
+              <a:rPr lang="en-US" sz="2000" b="0" strike="noStrike" spc="-1">
                 <a:latin typeface="Arial"/>
               </a:rPr>
               <a:t>Seventh Outline Level</a:t>
             </a:r>
-            <a:endParaRPr b="0" lang="en-US" sz="2000" spc="-1" strike="noStrike">
-              <a:latin typeface="Arial"/>
-            </a:endParaRPr>
           </a:p>
         </p:txBody>
       </p:sp>
@@ -3074,17 +3293,15 @@
           </a:prstGeom>
         </p:spPr>
         <p:txBody>
-          <a:bodyPr lIns="0" rIns="0" tIns="0" bIns="0"/>
-          <a:p>
-            <a:r>
-              <a:rPr b="0" lang="en-US" sz="1400" spc="-1" strike="noStrike">
+          <a:bodyPr lIns="0" tIns="0" rIns="0" bIns="0"/>
+          <a:lstStyle/>
+          <a:p>
+            <a:r>
+              <a:rPr lang="en-US" sz="1400" b="0" strike="noStrike" spc="-1">
                 <a:latin typeface="Times New Roman"/>
               </a:rPr>
               <a:t>&lt;date/time&gt;</a:t>
             </a:r>
-            <a:endParaRPr b="0" lang="en-US" sz="1400" spc="-1" strike="noStrike">
-              <a:latin typeface="Times New Roman"/>
-            </a:endParaRPr>
           </a:p>
         </p:txBody>
       </p:sp>
@@ -3108,18 +3325,16 @@
           </a:prstGeom>
         </p:spPr>
         <p:txBody>
-          <a:bodyPr lIns="0" rIns="0" tIns="0" bIns="0"/>
+          <a:bodyPr lIns="0" tIns="0" rIns="0" bIns="0"/>
+          <a:lstStyle/>
           <a:p>
             <a:pPr algn="ctr"/>
             <a:r>
-              <a:rPr b="0" lang="en-US" sz="1400" spc="-1" strike="noStrike">
+              <a:rPr lang="en-US" sz="1400" b="0" strike="noStrike" spc="-1">
                 <a:latin typeface="Times New Roman"/>
               </a:rPr>
               <a:t>&lt;footer&gt;</a:t>
             </a:r>
-            <a:endParaRPr b="0" lang="en-US" sz="1400" spc="-1" strike="noStrike">
-              <a:latin typeface="Times New Roman"/>
-            </a:endParaRPr>
           </a:p>
         </p:txBody>
       </p:sp>
@@ -3143,16 +3358,17 @@
           </a:prstGeom>
         </p:spPr>
         <p:txBody>
-          <a:bodyPr lIns="0" rIns="0" tIns="0" bIns="0"/>
+          <a:bodyPr lIns="0" tIns="0" rIns="0" bIns="0"/>
+          <a:lstStyle/>
           <a:p>
             <a:pPr algn="r"/>
             <a:fld id="{0C06DB08-9CE2-401A-92D7-0DEBA29BD89B}" type="slidenum">
-              <a:rPr b="0" lang="en-US" sz="1400" spc="-1" strike="noStrike">
+              <a:rPr lang="en-US" sz="1400" b="0" strike="noStrike" spc="-1">
                 <a:latin typeface="Times New Roman"/>
               </a:rPr>
-              <a:t>&lt;number&gt;</a:t>
+              <a:t>‹#›</a:t>
             </a:fld>
-            <a:endParaRPr b="0" lang="en-US" sz="1400" spc="-1" strike="noStrike">
+            <a:endParaRPr lang="en-US" sz="1400" b="0" strike="noStrike" spc="-1">
               <a:latin typeface="Times New Roman"/>
             </a:endParaRPr>
           </a:p>
@@ -3160,26 +3376,1027 @@
       </p:sp>
     </p:spTree>
   </p:cSld>
-  <p:clrMap bg1="lt1" bg2="lt2" tx1="dk1" tx2="dk2" accent1="accent1" accent2="accent2" accent3="accent3" accent4="accent4" accent5="accent5" accent6="accent6" hlink="hlink" folHlink="folHlink"/>
+  <p:clrMap bg1="lt1" tx1="dk1" bg2="lt2" tx2="dk2" accent1="accent1" accent2="accent2" accent3="accent3" accent4="accent4" accent5="accent5" accent6="accent6" hlink="hlink" folHlink="folHlink"/>
   <p:sldLayoutIdLst>
-    <p:sldLayoutId id="2147483649" r:id="rId3"/>
-    <p:sldLayoutId id="2147483650" r:id="rId4"/>
-    <p:sldLayoutId id="2147483651" r:id="rId5"/>
-    <p:sldLayoutId id="2147483652" r:id="rId6"/>
-    <p:sldLayoutId id="2147483653" r:id="rId7"/>
-    <p:sldLayoutId id="2147483654" r:id="rId8"/>
-    <p:sldLayoutId id="2147483655" r:id="rId9"/>
-    <p:sldLayoutId id="2147483656" r:id="rId10"/>
-    <p:sldLayoutId id="2147483657" r:id="rId11"/>
-    <p:sldLayoutId id="2147483658" r:id="rId12"/>
-    <p:sldLayoutId id="2147483659" r:id="rId13"/>
-    <p:sldLayoutId id="2147483660" r:id="rId14"/>
+    <p:sldLayoutId id="2147483649" r:id="rId1"/>
+    <p:sldLayoutId id="2147483650" r:id="rId2"/>
+    <p:sldLayoutId id="2147483651" r:id="rId3"/>
+    <p:sldLayoutId id="2147483652" r:id="rId4"/>
+    <p:sldLayoutId id="2147483653" r:id="rId5"/>
+    <p:sldLayoutId id="2147483654" r:id="rId6"/>
+    <p:sldLayoutId id="2147483655" r:id="rId7"/>
+    <p:sldLayoutId id="2147483656" r:id="rId8"/>
+    <p:sldLayoutId id="2147483657" r:id="rId9"/>
+    <p:sldLayoutId id="2147483658" r:id="rId10"/>
+    <p:sldLayoutId id="2147483659" r:id="rId11"/>
+    <p:sldLayoutId id="2147483660" r:id="rId12"/>
   </p:sldLayoutIdLst>
+  <p:txStyles>
+    <p:titleStyle>
+      <a:lvl1pPr algn="l" defTabSz="914400" rtl="0" eaLnBrk="1" latinLnBrk="0" hangingPunct="1">
+        <a:lnSpc>
+          <a:spcPct val="90000"/>
+        </a:lnSpc>
+        <a:spcBef>
+          <a:spcPct val="0"/>
+        </a:spcBef>
+        <a:buNone/>
+        <a:defRPr sz="4400" kern="1200">
+          <a:solidFill>
+            <a:schemeClr val="tx1"/>
+          </a:solidFill>
+          <a:latin typeface="+mj-lt"/>
+          <a:ea typeface="+mj-ea"/>
+          <a:cs typeface="+mj-cs"/>
+        </a:defRPr>
+      </a:lvl1pPr>
+    </p:titleStyle>
+    <p:bodyStyle>
+      <a:lvl1pPr marL="228600" indent="-228600" algn="l" defTabSz="914400" rtl="0" eaLnBrk="1" latinLnBrk="0" hangingPunct="1">
+        <a:lnSpc>
+          <a:spcPct val="90000"/>
+        </a:lnSpc>
+        <a:spcBef>
+          <a:spcPts val="1000"/>
+        </a:spcBef>
+        <a:buFont typeface="Arial" panose="020B0604020202020204" pitchFamily="34" charset="0"/>
+        <a:buChar char="•"/>
+        <a:defRPr sz="2800" kern="1200">
+          <a:solidFill>
+            <a:schemeClr val="tx1"/>
+          </a:solidFill>
+          <a:latin typeface="+mn-lt"/>
+          <a:ea typeface="+mn-ea"/>
+          <a:cs typeface="+mn-cs"/>
+        </a:defRPr>
+      </a:lvl1pPr>
+      <a:lvl2pPr marL="685800" indent="-228600" algn="l" defTabSz="914400" rtl="0" eaLnBrk="1" latinLnBrk="0" hangingPunct="1">
+        <a:lnSpc>
+          <a:spcPct val="90000"/>
+        </a:lnSpc>
+        <a:spcBef>
+          <a:spcPts val="500"/>
+        </a:spcBef>
+        <a:buFont typeface="Arial" panose="020B0604020202020204" pitchFamily="34" charset="0"/>
+        <a:buChar char="•"/>
+        <a:defRPr sz="2400" kern="1200">
+          <a:solidFill>
+            <a:schemeClr val="tx1"/>
+          </a:solidFill>
+          <a:latin typeface="+mn-lt"/>
+          <a:ea typeface="+mn-ea"/>
+          <a:cs typeface="+mn-cs"/>
+        </a:defRPr>
+      </a:lvl2pPr>
+      <a:lvl3pPr marL="1143000" indent="-228600" algn="l" defTabSz="914400" rtl="0" eaLnBrk="1" latinLnBrk="0" hangingPunct="1">
+        <a:lnSpc>
+          <a:spcPct val="90000"/>
+        </a:lnSpc>
+        <a:spcBef>
+          <a:spcPts val="500"/>
+        </a:spcBef>
+        <a:buFont typeface="Arial" panose="020B0604020202020204" pitchFamily="34" charset="0"/>
+        <a:buChar char="•"/>
+        <a:defRPr sz="2000" kern="1200">
+          <a:solidFill>
+            <a:schemeClr val="tx1"/>
+          </a:solidFill>
+          <a:latin typeface="+mn-lt"/>
+          <a:ea typeface="+mn-ea"/>
+          <a:cs typeface="+mn-cs"/>
+        </a:defRPr>
+      </a:lvl3pPr>
+      <a:lvl4pPr marL="1600200" indent="-228600" algn="l" defTabSz="914400" rtl="0" eaLnBrk="1" latinLnBrk="0" hangingPunct="1">
+        <a:lnSpc>
+          <a:spcPct val="90000"/>
+        </a:lnSpc>
+        <a:spcBef>
+          <a:spcPts val="500"/>
+        </a:spcBef>
+        <a:buFont typeface="Arial" panose="020B0604020202020204" pitchFamily="34" charset="0"/>
+        <a:buChar char="•"/>
+        <a:defRPr sz="1800" kern="1200">
+          <a:solidFill>
+            <a:schemeClr val="tx1"/>
+          </a:solidFill>
+          <a:latin typeface="+mn-lt"/>
+          <a:ea typeface="+mn-ea"/>
+          <a:cs typeface="+mn-cs"/>
+        </a:defRPr>
+      </a:lvl4pPr>
+      <a:lvl5pPr marL="2057400" indent="-228600" algn="l" defTabSz="914400" rtl="0" eaLnBrk="1" latinLnBrk="0" hangingPunct="1">
+        <a:lnSpc>
+          <a:spcPct val="90000"/>
+        </a:lnSpc>
+        <a:spcBef>
+          <a:spcPts val="500"/>
+        </a:spcBef>
+        <a:buFont typeface="Arial" panose="020B0604020202020204" pitchFamily="34" charset="0"/>
+        <a:buChar char="•"/>
+        <a:defRPr sz="1800" kern="1200">
+          <a:solidFill>
+            <a:schemeClr val="tx1"/>
+          </a:solidFill>
+          <a:latin typeface="+mn-lt"/>
+          <a:ea typeface="+mn-ea"/>
+          <a:cs typeface="+mn-cs"/>
+        </a:defRPr>
+      </a:lvl5pPr>
+      <a:lvl6pPr marL="2514600" indent="-228600" algn="l" defTabSz="914400" rtl="0" eaLnBrk="1" latinLnBrk="0" hangingPunct="1">
+        <a:lnSpc>
+          <a:spcPct val="90000"/>
+        </a:lnSpc>
+        <a:spcBef>
+          <a:spcPts val="500"/>
+        </a:spcBef>
+        <a:buFont typeface="Arial" panose="020B0604020202020204" pitchFamily="34" charset="0"/>
+        <a:buChar char="•"/>
+        <a:defRPr sz="1800" kern="1200">
+          <a:solidFill>
+            <a:schemeClr val="tx1"/>
+          </a:solidFill>
+          <a:latin typeface="+mn-lt"/>
+          <a:ea typeface="+mn-ea"/>
+          <a:cs typeface="+mn-cs"/>
+        </a:defRPr>
+      </a:lvl6pPr>
+      <a:lvl7pPr marL="2971800" indent="-228600" algn="l" defTabSz="914400" rtl="0" eaLnBrk="1" latinLnBrk="0" hangingPunct="1">
+        <a:lnSpc>
+          <a:spcPct val="90000"/>
+        </a:lnSpc>
+        <a:spcBef>
+          <a:spcPts val="500"/>
+        </a:spcBef>
+        <a:buFont typeface="Arial" panose="020B0604020202020204" pitchFamily="34" charset="0"/>
+        <a:buChar char="•"/>
+        <a:defRPr sz="1800" kern="1200">
+          <a:solidFill>
+            <a:schemeClr val="tx1"/>
+          </a:solidFill>
+          <a:latin typeface="+mn-lt"/>
+          <a:ea typeface="+mn-ea"/>
+          <a:cs typeface="+mn-cs"/>
+        </a:defRPr>
+      </a:lvl7pPr>
+      <a:lvl8pPr marL="3429000" indent="-228600" algn="l" defTabSz="914400" rtl="0" eaLnBrk="1" latinLnBrk="0" hangingPunct="1">
+        <a:lnSpc>
+          <a:spcPct val="90000"/>
+        </a:lnSpc>
+        <a:spcBef>
+          <a:spcPts val="500"/>
+        </a:spcBef>
+        <a:buFont typeface="Arial" panose="020B0604020202020204" pitchFamily="34" charset="0"/>
+        <a:buChar char="•"/>
+        <a:defRPr sz="1800" kern="1200">
+          <a:solidFill>
+            <a:schemeClr val="tx1"/>
+          </a:solidFill>
+          <a:latin typeface="+mn-lt"/>
+          <a:ea typeface="+mn-ea"/>
+          <a:cs typeface="+mn-cs"/>
+        </a:defRPr>
+      </a:lvl8pPr>
+      <a:lvl9pPr marL="3886200" indent="-228600" algn="l" defTabSz="914400" rtl="0" eaLnBrk="1" latinLnBrk="0" hangingPunct="1">
+        <a:lnSpc>
+          <a:spcPct val="90000"/>
+        </a:lnSpc>
+        <a:spcBef>
+          <a:spcPts val="500"/>
+        </a:spcBef>
+        <a:buFont typeface="Arial" panose="020B0604020202020204" pitchFamily="34" charset="0"/>
+        <a:buChar char="•"/>
+        <a:defRPr sz="1800" kern="1200">
+          <a:solidFill>
+            <a:schemeClr val="tx1"/>
+          </a:solidFill>
+          <a:latin typeface="+mn-lt"/>
+          <a:ea typeface="+mn-ea"/>
+          <a:cs typeface="+mn-cs"/>
+        </a:defRPr>
+      </a:lvl9pPr>
+    </p:bodyStyle>
+    <p:otherStyle>
+      <a:defPPr>
+        <a:defRPr lang="ru-RU"/>
+      </a:defPPr>
+      <a:lvl1pPr marL="0" algn="l" defTabSz="914400" rtl="0" eaLnBrk="1" latinLnBrk="0" hangingPunct="1">
+        <a:defRPr sz="1800" kern="1200">
+          <a:solidFill>
+            <a:schemeClr val="tx1"/>
+          </a:solidFill>
+          <a:latin typeface="+mn-lt"/>
+          <a:ea typeface="+mn-ea"/>
+          <a:cs typeface="+mn-cs"/>
+        </a:defRPr>
+      </a:lvl1pPr>
+      <a:lvl2pPr marL="457200" algn="l" defTabSz="914400" rtl="0" eaLnBrk="1" latinLnBrk="0" hangingPunct="1">
+        <a:defRPr sz="1800" kern="1200">
+          <a:solidFill>
+            <a:schemeClr val="tx1"/>
+          </a:solidFill>
+          <a:latin typeface="+mn-lt"/>
+          <a:ea typeface="+mn-ea"/>
+          <a:cs typeface="+mn-cs"/>
+        </a:defRPr>
+      </a:lvl2pPr>
+      <a:lvl3pPr marL="914400" algn="l" defTabSz="914400" rtl="0" eaLnBrk="1" latinLnBrk="0" hangingPunct="1">
+        <a:defRPr sz="1800" kern="1200">
+          <a:solidFill>
+            <a:schemeClr val="tx1"/>
+          </a:solidFill>
+          <a:latin typeface="+mn-lt"/>
+          <a:ea typeface="+mn-ea"/>
+          <a:cs typeface="+mn-cs"/>
+        </a:defRPr>
+      </a:lvl3pPr>
+      <a:lvl4pPr marL="1371600" algn="l" defTabSz="914400" rtl="0" eaLnBrk="1" latinLnBrk="0" hangingPunct="1">
+        <a:defRPr sz="1800" kern="1200">
+          <a:solidFill>
+            <a:schemeClr val="tx1"/>
+          </a:solidFill>
+          <a:latin typeface="+mn-lt"/>
+          <a:ea typeface="+mn-ea"/>
+          <a:cs typeface="+mn-cs"/>
+        </a:defRPr>
+      </a:lvl4pPr>
+      <a:lvl5pPr marL="1828800" algn="l" defTabSz="914400" rtl="0" eaLnBrk="1" latinLnBrk="0" hangingPunct="1">
+        <a:defRPr sz="1800" kern="1200">
+          <a:solidFill>
+            <a:schemeClr val="tx1"/>
+          </a:solidFill>
+          <a:latin typeface="+mn-lt"/>
+          <a:ea typeface="+mn-ea"/>
+          <a:cs typeface="+mn-cs"/>
+        </a:defRPr>
+      </a:lvl5pPr>
+      <a:lvl6pPr marL="2286000" algn="l" defTabSz="914400" rtl="0" eaLnBrk="1" latinLnBrk="0" hangingPunct="1">
+        <a:defRPr sz="1800" kern="1200">
+          <a:solidFill>
+            <a:schemeClr val="tx1"/>
+          </a:solidFill>
+          <a:latin typeface="+mn-lt"/>
+          <a:ea typeface="+mn-ea"/>
+          <a:cs typeface="+mn-cs"/>
+        </a:defRPr>
+      </a:lvl6pPr>
+      <a:lvl7pPr marL="2743200" algn="l" defTabSz="914400" rtl="0" eaLnBrk="1" latinLnBrk="0" hangingPunct="1">
+        <a:defRPr sz="1800" kern="1200">
+          <a:solidFill>
+            <a:schemeClr val="tx1"/>
+          </a:solidFill>
+          <a:latin typeface="+mn-lt"/>
+          <a:ea typeface="+mn-ea"/>
+          <a:cs typeface="+mn-cs"/>
+        </a:defRPr>
+      </a:lvl7pPr>
+      <a:lvl8pPr marL="3200400" algn="l" defTabSz="914400" rtl="0" eaLnBrk="1" latinLnBrk="0" hangingPunct="1">
+        <a:defRPr sz="1800" kern="1200">
+          <a:solidFill>
+            <a:schemeClr val="tx1"/>
+          </a:solidFill>
+          <a:latin typeface="+mn-lt"/>
+          <a:ea typeface="+mn-ea"/>
+          <a:cs typeface="+mn-cs"/>
+        </a:defRPr>
+      </a:lvl8pPr>
+      <a:lvl9pPr marL="3657600" algn="l" defTabSz="914400" rtl="0" eaLnBrk="1" latinLnBrk="0" hangingPunct="1">
+        <a:defRPr sz="1800" kern="1200">
+          <a:solidFill>
+            <a:schemeClr val="tx1"/>
+          </a:solidFill>
+          <a:latin typeface="+mn-lt"/>
+          <a:ea typeface="+mn-ea"/>
+          <a:cs typeface="+mn-cs"/>
+        </a:defRPr>
+      </a:lvl9pPr>
+    </p:otherStyle>
+  </p:txStyles>
 </p:sldMaster>
 </file>
 
 <file path=ppt/slideMasters/slideMaster2.xml><?xml version="1.0" encoding="utf-8"?>
-<p:sldMaster xmlns:a="http://schemas.openxmlformats.org/drawingml/2006/main" xmlns:p="http://schemas.openxmlformats.org/presentationml/2006/main" xmlns:r="http://schemas.openxmlformats.org/officeDocument/2006/relationships" xmlns:p14="http://schemas.microsoft.com/office/powerpoint/2010/main" xmlns:p15="http://schemas.microsoft.com/office/powerpoint/2012/main" xmlns:mc="http://schemas.openxmlformats.org/markup-compatibility/2006">
+<p:sldMaster xmlns:a="http://schemas.openxmlformats.org/drawingml/2006/main" xmlns:r="http://schemas.openxmlformats.org/officeDocument/2006/relationships" xmlns:p="http://schemas.openxmlformats.org/presentationml/2006/main">
+  <p:cSld>
+    <p:bg>
+      <p:bgRef idx="1001">
+        <a:schemeClr val="bg1"/>
+      </p:bgRef>
+    </p:bg>
+    <p:spTree>
+      <p:nvGrpSpPr>
+        <p:cNvPr id="1" name=""/>
+        <p:cNvGrpSpPr/>
+        <p:nvPr/>
+      </p:nvGrpSpPr>
+      <p:grpSpPr>
+        <a:xfrm>
+          <a:off x="0" y="0"/>
+          <a:ext cx="0" cy="0"/>
+          <a:chOff x="0" y="0"/>
+          <a:chExt cx="0" cy="0"/>
+        </a:xfrm>
+      </p:grpSpPr>
+      <p:sp>
+        <p:nvSpPr>
+          <p:cNvPr id="42" name="CustomShape 1"/>
+          <p:cNvSpPr/>
+          <p:nvPr/>
+        </p:nvSpPr>
+        <p:spPr>
+          <a:xfrm>
+            <a:off x="0" y="0"/>
+            <a:ext cx="10076760" cy="941760"/>
+          </a:xfrm>
+          <a:prstGeom prst="rect">
+            <a:avLst/>
+          </a:prstGeom>
+          <a:gradFill rotWithShape="0">
+            <a:gsLst>
+              <a:gs pos="0">
+                <a:srgbClr val="DFF2FC"/>
+              </a:gs>
+              <a:gs pos="100000">
+                <a:srgbClr val="009BDD"/>
+              </a:gs>
+            </a:gsLst>
+            <a:lin ang="10800000"/>
+          </a:gradFill>
+          <a:ln>
+            <a:noFill/>
+          </a:ln>
+        </p:spPr>
+        <p:style>
+          <a:lnRef idx="0">
+            <a:scrgbClr r="0" g="0" b="0"/>
+          </a:lnRef>
+          <a:fillRef idx="0">
+            <a:scrgbClr r="0" g="0" b="0"/>
+          </a:fillRef>
+          <a:effectRef idx="0">
+            <a:scrgbClr r="0" g="0" b="0"/>
+          </a:effectRef>
+          <a:fontRef idx="minor"/>
+        </p:style>
+      </p:sp>
+      <p:sp>
+        <p:nvSpPr>
+          <p:cNvPr id="43" name="CustomShape 2"/>
+          <p:cNvSpPr/>
+          <p:nvPr/>
+        </p:nvSpPr>
+        <p:spPr>
+          <a:xfrm>
+            <a:off x="0" y="6620400"/>
+            <a:ext cx="10076760" cy="941760"/>
+          </a:xfrm>
+          <a:prstGeom prst="rect">
+            <a:avLst/>
+          </a:prstGeom>
+          <a:gradFill rotWithShape="0">
+            <a:gsLst>
+              <a:gs pos="0">
+                <a:srgbClr val="DFF2FC"/>
+              </a:gs>
+              <a:gs pos="100000">
+                <a:srgbClr val="009BDD"/>
+              </a:gs>
+            </a:gsLst>
+            <a:lin ang="10800000"/>
+          </a:gradFill>
+          <a:ln>
+            <a:noFill/>
+          </a:ln>
+        </p:spPr>
+        <p:style>
+          <a:lnRef idx="0">
+            <a:scrgbClr r="0" g="0" b="0"/>
+          </a:lnRef>
+          <a:fillRef idx="0">
+            <a:scrgbClr r="0" g="0" b="0"/>
+          </a:fillRef>
+          <a:effectRef idx="0">
+            <a:scrgbClr r="0" g="0" b="0"/>
+          </a:effectRef>
+          <a:fontRef idx="minor"/>
+        </p:style>
+      </p:sp>
+      <p:sp>
+        <p:nvSpPr>
+          <p:cNvPr id="44" name="PlaceHolder 3"/>
+          <p:cNvSpPr>
+            <a:spLocks noGrp="1"/>
+          </p:cNvSpPr>
+          <p:nvPr>
+            <p:ph type="title"/>
+          </p:nvPr>
+        </p:nvSpPr>
+        <p:spPr>
+          <a:xfrm>
+            <a:off x="504000" y="301320"/>
+            <a:ext cx="9071640" cy="637560"/>
+          </a:xfrm>
+          <a:prstGeom prst="rect">
+            <a:avLst/>
+          </a:prstGeom>
+        </p:spPr>
+        <p:txBody>
+          <a:bodyPr lIns="0" tIns="0" rIns="0" bIns="0" anchor="ctr"/>
+          <a:lstStyle/>
+          <a:p>
+            <a:pPr algn="ctr"/>
+            <a:r>
+              <a:rPr lang="en-US" sz="4400" b="0" strike="noStrike" spc="-1">
+                <a:solidFill>
+                  <a:srgbClr val="FFFFFF"/>
+                </a:solidFill>
+                <a:latin typeface="Arial"/>
+              </a:rPr>
+              <a:t>Click to edit the title text format</a:t>
+            </a:r>
+          </a:p>
+        </p:txBody>
+      </p:sp>
+      <p:sp>
+        <p:nvSpPr>
+          <p:cNvPr id="45" name="PlaceHolder 4"/>
+          <p:cNvSpPr>
+            <a:spLocks noGrp="1"/>
+          </p:cNvSpPr>
+          <p:nvPr>
+            <p:ph type="body"/>
+          </p:nvPr>
+        </p:nvSpPr>
+        <p:spPr>
+          <a:xfrm>
+            <a:off x="504000" y="1769040"/>
+            <a:ext cx="9071640" cy="4384440"/>
+          </a:xfrm>
+          <a:prstGeom prst="rect">
+            <a:avLst/>
+          </a:prstGeom>
+        </p:spPr>
+        <p:txBody>
+          <a:bodyPr lIns="0" tIns="0" rIns="0" bIns="0"/>
+          <a:lstStyle/>
+          <a:p>
+            <a:pPr marL="432000" indent="-324000">
+              <a:spcBef>
+                <a:spcPts val="1417"/>
+              </a:spcBef>
+              <a:buClr>
+                <a:srgbClr val="000000"/>
+              </a:buClr>
+              <a:buSzPct val="45000"/>
+              <a:buFont typeface="Wingdings" charset="2"/>
+              <a:buChar char=""/>
+            </a:pPr>
+            <a:r>
+              <a:rPr lang="en-US" sz="3200" b="0" strike="noStrike" spc="-1">
+                <a:solidFill>
+                  <a:srgbClr val="0066CC"/>
+                </a:solidFill>
+                <a:latin typeface="Arial"/>
+              </a:rPr>
+              <a:t>Click to edit the outline text format</a:t>
+            </a:r>
+          </a:p>
+          <a:p>
+            <a:pPr marL="864000" lvl="1" indent="-324000">
+              <a:spcBef>
+                <a:spcPts val="1134"/>
+              </a:spcBef>
+              <a:buClr>
+                <a:srgbClr val="000000"/>
+              </a:buClr>
+              <a:buSzPct val="75000"/>
+              <a:buFont typeface="Symbol" charset="2"/>
+              <a:buChar char=""/>
+            </a:pPr>
+            <a:r>
+              <a:rPr lang="en-US" sz="2800" b="0" strike="noStrike" spc="-1">
+                <a:solidFill>
+                  <a:srgbClr val="0066CC"/>
+                </a:solidFill>
+                <a:latin typeface="Arial"/>
+              </a:rPr>
+              <a:t>Second Outline Level</a:t>
+            </a:r>
+          </a:p>
+          <a:p>
+            <a:pPr marL="1296000" lvl="2" indent="-288000">
+              <a:spcBef>
+                <a:spcPts val="850"/>
+              </a:spcBef>
+              <a:buClr>
+                <a:srgbClr val="000000"/>
+              </a:buClr>
+              <a:buSzPct val="45000"/>
+              <a:buFont typeface="Wingdings" charset="2"/>
+              <a:buChar char=""/>
+            </a:pPr>
+            <a:r>
+              <a:rPr lang="en-US" sz="2400" b="0" strike="noStrike" spc="-1">
+                <a:solidFill>
+                  <a:srgbClr val="0066CC"/>
+                </a:solidFill>
+                <a:latin typeface="Arial"/>
+              </a:rPr>
+              <a:t>Third Outline Level</a:t>
+            </a:r>
+          </a:p>
+          <a:p>
+            <a:pPr marL="1728000" lvl="3" indent="-216000">
+              <a:spcBef>
+                <a:spcPts val="567"/>
+              </a:spcBef>
+              <a:buClr>
+                <a:srgbClr val="000000"/>
+              </a:buClr>
+              <a:buSzPct val="75000"/>
+              <a:buFont typeface="Symbol" charset="2"/>
+              <a:buChar char=""/>
+            </a:pPr>
+            <a:r>
+              <a:rPr lang="en-US" sz="2000" b="0" strike="noStrike" spc="-1">
+                <a:solidFill>
+                  <a:srgbClr val="0066CC"/>
+                </a:solidFill>
+                <a:latin typeface="Arial"/>
+              </a:rPr>
+              <a:t>Fourth Outline Level</a:t>
+            </a:r>
+          </a:p>
+          <a:p>
+            <a:pPr marL="2160000" lvl="4" indent="-216000">
+              <a:spcBef>
+                <a:spcPts val="283"/>
+              </a:spcBef>
+              <a:buClr>
+                <a:srgbClr val="000000"/>
+              </a:buClr>
+              <a:buSzPct val="45000"/>
+              <a:buFont typeface="Wingdings" charset="2"/>
+              <a:buChar char=""/>
+            </a:pPr>
+            <a:r>
+              <a:rPr lang="en-US" sz="2000" b="0" strike="noStrike" spc="-1">
+                <a:solidFill>
+                  <a:srgbClr val="0066CC"/>
+                </a:solidFill>
+                <a:latin typeface="Arial"/>
+              </a:rPr>
+              <a:t>Fifth Outline Level</a:t>
+            </a:r>
+          </a:p>
+          <a:p>
+            <a:pPr marL="2592000" lvl="5" indent="-216000">
+              <a:spcBef>
+                <a:spcPts val="283"/>
+              </a:spcBef>
+              <a:buClr>
+                <a:srgbClr val="000000"/>
+              </a:buClr>
+              <a:buSzPct val="45000"/>
+              <a:buFont typeface="Wingdings" charset="2"/>
+              <a:buChar char=""/>
+            </a:pPr>
+            <a:r>
+              <a:rPr lang="en-US" sz="2000" b="0" strike="noStrike" spc="-1">
+                <a:solidFill>
+                  <a:srgbClr val="0066CC"/>
+                </a:solidFill>
+                <a:latin typeface="Arial"/>
+              </a:rPr>
+              <a:t>Sixth Outline Level</a:t>
+            </a:r>
+          </a:p>
+          <a:p>
+            <a:pPr marL="3024000" lvl="6" indent="-216000">
+              <a:spcBef>
+                <a:spcPts val="283"/>
+              </a:spcBef>
+              <a:buClr>
+                <a:srgbClr val="000000"/>
+              </a:buClr>
+              <a:buSzPct val="45000"/>
+              <a:buFont typeface="Wingdings" charset="2"/>
+              <a:buChar char=""/>
+            </a:pPr>
+            <a:r>
+              <a:rPr lang="en-US" sz="2000" b="0" strike="noStrike" spc="-1">
+                <a:solidFill>
+                  <a:srgbClr val="0066CC"/>
+                </a:solidFill>
+                <a:latin typeface="Arial"/>
+              </a:rPr>
+              <a:t>Seventh Outline Level</a:t>
+            </a:r>
+          </a:p>
+        </p:txBody>
+      </p:sp>
+      <p:sp>
+        <p:nvSpPr>
+          <p:cNvPr id="46" name="PlaceHolder 5"/>
+          <p:cNvSpPr>
+            <a:spLocks noGrp="1"/>
+          </p:cNvSpPr>
+          <p:nvPr>
+            <p:ph type="dt"/>
+          </p:nvPr>
+        </p:nvSpPr>
+        <p:spPr>
+          <a:xfrm>
+            <a:off x="504000" y="6887160"/>
+            <a:ext cx="2348280" cy="521280"/>
+          </a:xfrm>
+          <a:prstGeom prst="rect">
+            <a:avLst/>
+          </a:prstGeom>
+        </p:spPr>
+        <p:txBody>
+          <a:bodyPr lIns="0" tIns="0" rIns="0" bIns="0"/>
+          <a:lstStyle/>
+          <a:p>
+            <a:r>
+              <a:rPr lang="en-US" sz="1400" b="0" strike="noStrike" spc="-1">
+                <a:latin typeface="Times New Roman"/>
+              </a:rPr>
+              <a:t>&lt;date/time&gt;</a:t>
+            </a:r>
+          </a:p>
+        </p:txBody>
+      </p:sp>
+      <p:sp>
+        <p:nvSpPr>
+          <p:cNvPr id="47" name="PlaceHolder 6"/>
+          <p:cNvSpPr>
+            <a:spLocks noGrp="1"/>
+          </p:cNvSpPr>
+          <p:nvPr>
+            <p:ph type="ftr"/>
+          </p:nvPr>
+        </p:nvSpPr>
+        <p:spPr>
+          <a:xfrm>
+            <a:off x="3447360" y="6887160"/>
+            <a:ext cx="3195000" cy="521280"/>
+          </a:xfrm>
+          <a:prstGeom prst="rect">
+            <a:avLst/>
+          </a:prstGeom>
+        </p:spPr>
+        <p:txBody>
+          <a:bodyPr lIns="0" tIns="0" rIns="0" bIns="0"/>
+          <a:lstStyle/>
+          <a:p>
+            <a:pPr algn="ctr"/>
+            <a:r>
+              <a:rPr lang="en-US" sz="1400" b="0" strike="noStrike" spc="-1">
+                <a:latin typeface="Times New Roman"/>
+              </a:rPr>
+              <a:t>&lt;footer&gt;</a:t>
+            </a:r>
+          </a:p>
+        </p:txBody>
+      </p:sp>
+      <p:sp>
+        <p:nvSpPr>
+          <p:cNvPr id="48" name="PlaceHolder 7"/>
+          <p:cNvSpPr>
+            <a:spLocks noGrp="1"/>
+          </p:cNvSpPr>
+          <p:nvPr>
+            <p:ph type="sldNum"/>
+          </p:nvPr>
+        </p:nvSpPr>
+        <p:spPr>
+          <a:xfrm>
+            <a:off x="7227360" y="6887160"/>
+            <a:ext cx="2348280" cy="521280"/>
+          </a:xfrm>
+          <a:prstGeom prst="rect">
+            <a:avLst/>
+          </a:prstGeom>
+        </p:spPr>
+        <p:txBody>
+          <a:bodyPr lIns="0" tIns="0" rIns="0" bIns="0"/>
+          <a:lstStyle/>
+          <a:p>
+            <a:pPr algn="r"/>
+            <a:fld id="{303ADB84-4760-4939-BF98-9B440F2754B7}" type="slidenum">
+              <a:rPr lang="en-US" sz="1400" b="0" strike="noStrike" spc="-1">
+                <a:latin typeface="Times New Roman"/>
+              </a:rPr>
+              <a:t>‹#›</a:t>
+            </a:fld>
+            <a:endParaRPr lang="en-US" sz="1400" b="0" strike="noStrike" spc="-1">
+              <a:latin typeface="Times New Roman"/>
+            </a:endParaRPr>
+          </a:p>
+        </p:txBody>
+      </p:sp>
+    </p:spTree>
+  </p:cSld>
+  <p:clrMap bg1="lt1" tx1="dk1" bg2="lt2" tx2="dk2" accent1="accent1" accent2="accent2" accent3="accent3" accent4="accent4" accent5="accent5" accent6="accent6" hlink="hlink" folHlink="folHlink"/>
+  <p:sldLayoutIdLst>
+    <p:sldLayoutId id="2147483662" r:id="rId1"/>
+    <p:sldLayoutId id="2147483663" r:id="rId2"/>
+    <p:sldLayoutId id="2147483664" r:id="rId3"/>
+    <p:sldLayoutId id="2147483665" r:id="rId4"/>
+    <p:sldLayoutId id="2147483666" r:id="rId5"/>
+    <p:sldLayoutId id="2147483667" r:id="rId6"/>
+    <p:sldLayoutId id="2147483668" r:id="rId7"/>
+    <p:sldLayoutId id="2147483669" r:id="rId8"/>
+    <p:sldLayoutId id="2147483670" r:id="rId9"/>
+    <p:sldLayoutId id="2147483671" r:id="rId10"/>
+    <p:sldLayoutId id="2147483672" r:id="rId11"/>
+    <p:sldLayoutId id="2147483673" r:id="rId12"/>
+  </p:sldLayoutIdLst>
+  <p:txStyles>
+    <p:titleStyle>
+      <a:lvl1pPr algn="l" defTabSz="914400" rtl="0" eaLnBrk="1" latinLnBrk="0" hangingPunct="1">
+        <a:lnSpc>
+          <a:spcPct val="90000"/>
+        </a:lnSpc>
+        <a:spcBef>
+          <a:spcPct val="0"/>
+        </a:spcBef>
+        <a:buNone/>
+        <a:defRPr sz="4400" kern="1200">
+          <a:solidFill>
+            <a:schemeClr val="tx1"/>
+          </a:solidFill>
+          <a:latin typeface="+mj-lt"/>
+          <a:ea typeface="+mj-ea"/>
+          <a:cs typeface="+mj-cs"/>
+        </a:defRPr>
+      </a:lvl1pPr>
+    </p:titleStyle>
+    <p:bodyStyle>
+      <a:lvl1pPr marL="228600" indent="-228600" algn="l" defTabSz="914400" rtl="0" eaLnBrk="1" latinLnBrk="0" hangingPunct="1">
+        <a:lnSpc>
+          <a:spcPct val="90000"/>
+        </a:lnSpc>
+        <a:spcBef>
+          <a:spcPts val="1000"/>
+        </a:spcBef>
+        <a:buFont typeface="Arial" panose="020B0604020202020204" pitchFamily="34" charset="0"/>
+        <a:buChar char="•"/>
+        <a:defRPr sz="2800" kern="1200">
+          <a:solidFill>
+            <a:schemeClr val="tx1"/>
+          </a:solidFill>
+          <a:latin typeface="+mn-lt"/>
+          <a:ea typeface="+mn-ea"/>
+          <a:cs typeface="+mn-cs"/>
+        </a:defRPr>
+      </a:lvl1pPr>
+      <a:lvl2pPr marL="685800" indent="-228600" algn="l" defTabSz="914400" rtl="0" eaLnBrk="1" latinLnBrk="0" hangingPunct="1">
+        <a:lnSpc>
+          <a:spcPct val="90000"/>
+        </a:lnSpc>
+        <a:spcBef>
+          <a:spcPts val="500"/>
+        </a:spcBef>
+        <a:buFont typeface="Arial" panose="020B0604020202020204" pitchFamily="34" charset="0"/>
+        <a:buChar char="•"/>
+        <a:defRPr sz="2400" kern="1200">
+          <a:solidFill>
+            <a:schemeClr val="tx1"/>
+          </a:solidFill>
+          <a:latin typeface="+mn-lt"/>
+          <a:ea typeface="+mn-ea"/>
+          <a:cs typeface="+mn-cs"/>
+        </a:defRPr>
+      </a:lvl2pPr>
+      <a:lvl3pPr marL="1143000" indent="-228600" algn="l" defTabSz="914400" rtl="0" eaLnBrk="1" latinLnBrk="0" hangingPunct="1">
+        <a:lnSpc>
+          <a:spcPct val="90000"/>
+        </a:lnSpc>
+        <a:spcBef>
+          <a:spcPts val="500"/>
+        </a:spcBef>
+        <a:buFont typeface="Arial" panose="020B0604020202020204" pitchFamily="34" charset="0"/>
+        <a:buChar char="•"/>
+        <a:defRPr sz="2000" kern="1200">
+          <a:solidFill>
+            <a:schemeClr val="tx1"/>
+          </a:solidFill>
+          <a:latin typeface="+mn-lt"/>
+          <a:ea typeface="+mn-ea"/>
+          <a:cs typeface="+mn-cs"/>
+        </a:defRPr>
+      </a:lvl3pPr>
+      <a:lvl4pPr marL="1600200" indent="-228600" algn="l" defTabSz="914400" rtl="0" eaLnBrk="1" latinLnBrk="0" hangingPunct="1">
+        <a:lnSpc>
+          <a:spcPct val="90000"/>
+        </a:lnSpc>
+        <a:spcBef>
+          <a:spcPts val="500"/>
+        </a:spcBef>
+        <a:buFont typeface="Arial" panose="020B0604020202020204" pitchFamily="34" charset="0"/>
+        <a:buChar char="•"/>
+        <a:defRPr sz="1800" kern="1200">
+          <a:solidFill>
+            <a:schemeClr val="tx1"/>
+          </a:solidFill>
+          <a:latin typeface="+mn-lt"/>
+          <a:ea typeface="+mn-ea"/>
+          <a:cs typeface="+mn-cs"/>
+        </a:defRPr>
+      </a:lvl4pPr>
+      <a:lvl5pPr marL="2057400" indent="-228600" algn="l" defTabSz="914400" rtl="0" eaLnBrk="1" latinLnBrk="0" hangingPunct="1">
+        <a:lnSpc>
+          <a:spcPct val="90000"/>
+        </a:lnSpc>
+        <a:spcBef>
+          <a:spcPts val="500"/>
+        </a:spcBef>
+        <a:buFont typeface="Arial" panose="020B0604020202020204" pitchFamily="34" charset="0"/>
+        <a:buChar char="•"/>
+        <a:defRPr sz="1800" kern="1200">
+          <a:solidFill>
+            <a:schemeClr val="tx1"/>
+          </a:solidFill>
+          <a:latin typeface="+mn-lt"/>
+          <a:ea typeface="+mn-ea"/>
+          <a:cs typeface="+mn-cs"/>
+        </a:defRPr>
+      </a:lvl5pPr>
+      <a:lvl6pPr marL="2514600" indent="-228600" algn="l" defTabSz="914400" rtl="0" eaLnBrk="1" latinLnBrk="0" hangingPunct="1">
+        <a:lnSpc>
+          <a:spcPct val="90000"/>
+        </a:lnSpc>
+        <a:spcBef>
+          <a:spcPts val="500"/>
+        </a:spcBef>
+        <a:buFont typeface="Arial" panose="020B0604020202020204" pitchFamily="34" charset="0"/>
+        <a:buChar char="•"/>
+        <a:defRPr sz="1800" kern="1200">
+          <a:solidFill>
+            <a:schemeClr val="tx1"/>
+          </a:solidFill>
+          <a:latin typeface="+mn-lt"/>
+          <a:ea typeface="+mn-ea"/>
+          <a:cs typeface="+mn-cs"/>
+        </a:defRPr>
+      </a:lvl6pPr>
+      <a:lvl7pPr marL="2971800" indent="-228600" algn="l" defTabSz="914400" rtl="0" eaLnBrk="1" latinLnBrk="0" hangingPunct="1">
+        <a:lnSpc>
+          <a:spcPct val="90000"/>
+        </a:lnSpc>
+        <a:spcBef>
+          <a:spcPts val="500"/>
+        </a:spcBef>
+        <a:buFont typeface="Arial" panose="020B0604020202020204" pitchFamily="34" charset="0"/>
+        <a:buChar char="•"/>
+        <a:defRPr sz="1800" kern="1200">
+          <a:solidFill>
+            <a:schemeClr val="tx1"/>
+          </a:solidFill>
+          <a:latin typeface="+mn-lt"/>
+          <a:ea typeface="+mn-ea"/>
+          <a:cs typeface="+mn-cs"/>
+        </a:defRPr>
+      </a:lvl7pPr>
+      <a:lvl8pPr marL="3429000" indent="-228600" algn="l" defTabSz="914400" rtl="0" eaLnBrk="1" latinLnBrk="0" hangingPunct="1">
+        <a:lnSpc>
+          <a:spcPct val="90000"/>
+        </a:lnSpc>
+        <a:spcBef>
+          <a:spcPts val="500"/>
+        </a:spcBef>
+        <a:buFont typeface="Arial" panose="020B0604020202020204" pitchFamily="34" charset="0"/>
+        <a:buChar char="•"/>
+        <a:defRPr sz="1800" kern="1200">
+          <a:solidFill>
+            <a:schemeClr val="tx1"/>
+          </a:solidFill>
+          <a:latin typeface="+mn-lt"/>
+          <a:ea typeface="+mn-ea"/>
+          <a:cs typeface="+mn-cs"/>
+        </a:defRPr>
+      </a:lvl8pPr>
+      <a:lvl9pPr marL="3886200" indent="-228600" algn="l" defTabSz="914400" rtl="0" eaLnBrk="1" latinLnBrk="0" hangingPunct="1">
+        <a:lnSpc>
+          <a:spcPct val="90000"/>
+        </a:lnSpc>
+        <a:spcBef>
+          <a:spcPts val="500"/>
+        </a:spcBef>
+        <a:buFont typeface="Arial" panose="020B0604020202020204" pitchFamily="34" charset="0"/>
+        <a:buChar char="•"/>
+        <a:defRPr sz="1800" kern="1200">
+          <a:solidFill>
+            <a:schemeClr val="tx1"/>
+          </a:solidFill>
+          <a:latin typeface="+mn-lt"/>
+          <a:ea typeface="+mn-ea"/>
+          <a:cs typeface="+mn-cs"/>
+        </a:defRPr>
+      </a:lvl9pPr>
+    </p:bodyStyle>
+    <p:otherStyle>
+      <a:defPPr>
+        <a:defRPr lang="ru-RU"/>
+      </a:defPPr>
+      <a:lvl1pPr marL="0" algn="l" defTabSz="914400" rtl="0" eaLnBrk="1" latinLnBrk="0" hangingPunct="1">
+        <a:defRPr sz="1800" kern="1200">
+          <a:solidFill>
+            <a:schemeClr val="tx1"/>
+          </a:solidFill>
+          <a:latin typeface="+mn-lt"/>
+          <a:ea typeface="+mn-ea"/>
+          <a:cs typeface="+mn-cs"/>
+        </a:defRPr>
+      </a:lvl1pPr>
+      <a:lvl2pPr marL="457200" algn="l" defTabSz="914400" rtl="0" eaLnBrk="1" latinLnBrk="0" hangingPunct="1">
+        <a:defRPr sz="1800" kern="1200">
+          <a:solidFill>
+            <a:schemeClr val="tx1"/>
+          </a:solidFill>
+          <a:latin typeface="+mn-lt"/>
+          <a:ea typeface="+mn-ea"/>
+          <a:cs typeface="+mn-cs"/>
+        </a:defRPr>
+      </a:lvl2pPr>
+      <a:lvl3pPr marL="914400" algn="l" defTabSz="914400" rtl="0" eaLnBrk="1" latinLnBrk="0" hangingPunct="1">
+        <a:defRPr sz="1800" kern="1200">
+          <a:solidFill>
+            <a:schemeClr val="tx1"/>
+          </a:solidFill>
+          <a:latin typeface="+mn-lt"/>
+          <a:ea typeface="+mn-ea"/>
+          <a:cs typeface="+mn-cs"/>
+        </a:defRPr>
+      </a:lvl3pPr>
+      <a:lvl4pPr marL="1371600" algn="l" defTabSz="914400" rtl="0" eaLnBrk="1" latinLnBrk="0" hangingPunct="1">
+        <a:defRPr sz="1800" kern="1200">
+          <a:solidFill>
+            <a:schemeClr val="tx1"/>
+          </a:solidFill>
+          <a:latin typeface="+mn-lt"/>
+          <a:ea typeface="+mn-ea"/>
+          <a:cs typeface="+mn-cs"/>
+        </a:defRPr>
+      </a:lvl4pPr>
+      <a:lvl5pPr marL="1828800" algn="l" defTabSz="914400" rtl="0" eaLnBrk="1" latinLnBrk="0" hangingPunct="1">
+        <a:defRPr sz="1800" kern="1200">
+          <a:solidFill>
+            <a:schemeClr val="tx1"/>
+          </a:solidFill>
+          <a:latin typeface="+mn-lt"/>
+          <a:ea typeface="+mn-ea"/>
+          <a:cs typeface="+mn-cs"/>
+        </a:defRPr>
+      </a:lvl5pPr>
+      <a:lvl6pPr marL="2286000" algn="l" defTabSz="914400" rtl="0" eaLnBrk="1" latinLnBrk="0" hangingPunct="1">
+        <a:defRPr sz="1800" kern="1200">
+          <a:solidFill>
+            <a:schemeClr val="tx1"/>
+          </a:solidFill>
+          <a:latin typeface="+mn-lt"/>
+          <a:ea typeface="+mn-ea"/>
+          <a:cs typeface="+mn-cs"/>
+        </a:defRPr>
+      </a:lvl6pPr>
+      <a:lvl7pPr marL="2743200" algn="l" defTabSz="914400" rtl="0" eaLnBrk="1" latinLnBrk="0" hangingPunct="1">
+        <a:defRPr sz="1800" kern="1200">
+          <a:solidFill>
+            <a:schemeClr val="tx1"/>
+          </a:solidFill>
+          <a:latin typeface="+mn-lt"/>
+          <a:ea typeface="+mn-ea"/>
+          <a:cs typeface="+mn-cs"/>
+        </a:defRPr>
+      </a:lvl7pPr>
+      <a:lvl8pPr marL="3200400" algn="l" defTabSz="914400" rtl="0" eaLnBrk="1" latinLnBrk="0" hangingPunct="1">
+        <a:defRPr sz="1800" kern="1200">
+          <a:solidFill>
+            <a:schemeClr val="tx1"/>
+          </a:solidFill>
+          <a:latin typeface="+mn-lt"/>
+          <a:ea typeface="+mn-ea"/>
+          <a:cs typeface="+mn-cs"/>
+        </a:defRPr>
+      </a:lvl8pPr>
+      <a:lvl9pPr marL="3657600" algn="l" defTabSz="914400" rtl="0" eaLnBrk="1" latinLnBrk="0" hangingPunct="1">
+        <a:defRPr sz="1800" kern="1200">
+          <a:solidFill>
+            <a:schemeClr val="tx1"/>
+          </a:solidFill>
+          <a:latin typeface="+mn-lt"/>
+          <a:ea typeface="+mn-ea"/>
+          <a:cs typeface="+mn-cs"/>
+        </a:defRPr>
+      </a:lvl9pPr>
+    </p:otherStyle>
+  </p:txStyles>
+</p:sldMaster>
+</file>
+
+<file path=ppt/slides/slide1.xml><?xml version="1.0" encoding="utf-8"?>
+<p:sld xmlns:a="http://schemas.openxmlformats.org/drawingml/2006/main" xmlns:r="http://schemas.openxmlformats.org/officeDocument/2006/relationships" xmlns:p="http://schemas.openxmlformats.org/presentationml/2006/main">
   <p:cSld>
     <p:spTree>
       <p:nvGrpSpPr>
@@ -3197,462 +4414,50 @@
       </p:grpSpPr>
       <p:sp>
         <p:nvSpPr>
-          <p:cNvPr id="42" name="CustomShape 1"/>
-          <p:cNvSpPr/>
+          <p:cNvPr id="85" name="TextShape 1"/>
+          <p:cNvSpPr txBox="1"/>
           <p:nvPr/>
         </p:nvSpPr>
         <p:spPr>
           <a:xfrm>
-            <a:off x="0" y="0"/>
-            <a:ext cx="10076760" cy="941760"/>
-          </a:xfrm>
-          <a:prstGeom prst="rect">
-            <a:avLst/>
-          </a:prstGeom>
-          <a:gradFill rotWithShape="0">
-            <a:gsLst>
-              <a:gs pos="0">
-                <a:srgbClr val="dff2fc"/>
-              </a:gs>
-              <a:gs pos="100000">
-                <a:srgbClr val="009bdd"/>
-              </a:gs>
-            </a:gsLst>
-            <a:lin ang="10800000"/>
-          </a:gradFill>
+            <a:off x="0" y="2341080"/>
+            <a:ext cx="9071640" cy="1262160"/>
+          </a:xfrm>
+          <a:prstGeom prst="rect">
+            <a:avLst/>
+          </a:prstGeom>
+          <a:noFill/>
           <a:ln>
             <a:noFill/>
           </a:ln>
         </p:spPr>
-        <p:style>
-          <a:lnRef idx="0"/>
-          <a:fillRef idx="0"/>
-          <a:effectRef idx="0"/>
-          <a:fontRef idx="minor"/>
-        </p:style>
-      </p:sp>
-      <p:sp>
-        <p:nvSpPr>
-          <p:cNvPr id="43" name="CustomShape 2"/>
-          <p:cNvSpPr/>
-          <p:nvPr/>
-        </p:nvSpPr>
-        <p:spPr>
-          <a:xfrm>
-            <a:off x="0" y="6620400"/>
-            <a:ext cx="10076760" cy="941760"/>
-          </a:xfrm>
-          <a:prstGeom prst="rect">
-            <a:avLst/>
-          </a:prstGeom>
-          <a:gradFill rotWithShape="0">
-            <a:gsLst>
-              <a:gs pos="0">
-                <a:srgbClr val="dff2fc"/>
-              </a:gs>
-              <a:gs pos="100000">
-                <a:srgbClr val="009bdd"/>
-              </a:gs>
-            </a:gsLst>
-            <a:lin ang="10800000"/>
-          </a:gradFill>
-          <a:ln>
-            <a:noFill/>
-          </a:ln>
-        </p:spPr>
-        <p:style>
-          <a:lnRef idx="0"/>
-          <a:fillRef idx="0"/>
-          <a:effectRef idx="0"/>
-          <a:fontRef idx="minor"/>
-        </p:style>
-      </p:sp>
-      <p:sp>
-        <p:nvSpPr>
-          <p:cNvPr id="44" name="PlaceHolder 3"/>
-          <p:cNvSpPr>
-            <a:spLocks noGrp="1"/>
-          </p:cNvSpPr>
-          <p:nvPr>
-            <p:ph type="title"/>
-          </p:nvPr>
-        </p:nvSpPr>
-        <p:spPr>
-          <a:xfrm>
-            <a:off x="504000" y="301320"/>
-            <a:ext cx="9071640" cy="637560"/>
-          </a:xfrm>
-          <a:prstGeom prst="rect">
-            <a:avLst/>
-          </a:prstGeom>
-        </p:spPr>
-        <p:txBody>
-          <a:bodyPr lIns="0" rIns="0" tIns="0" bIns="0" anchor="ctr"/>
+        <p:txBody>
+          <a:bodyPr lIns="0" tIns="0" rIns="0" bIns="0" anchor="ctr"/>
+          <a:lstStyle/>
           <a:p>
             <a:pPr algn="ctr"/>
             <a:r>
-              <a:rPr b="0" lang="en-US" sz="4400" spc="-1" strike="noStrike">
-                <a:solidFill>
-                  <a:srgbClr val="ffffff"/>
-                </a:solidFill>
-                <a:latin typeface="Arial"/>
-              </a:rPr>
-              <a:t>Click to edit the title text format</a:t>
-            </a:r>
-            <a:endParaRPr b="0" lang="en-US" sz="4400" spc="-1" strike="noStrike">
-              <a:solidFill>
-                <a:srgbClr val="ffffff"/>
-              </a:solidFill>
-              <a:latin typeface="Arial"/>
-            </a:endParaRPr>
-          </a:p>
-        </p:txBody>
-      </p:sp>
-      <p:sp>
-        <p:nvSpPr>
-          <p:cNvPr id="45" name="PlaceHolder 4"/>
-          <p:cNvSpPr>
-            <a:spLocks noGrp="1"/>
-          </p:cNvSpPr>
-          <p:nvPr>
-            <p:ph type="body"/>
-          </p:nvPr>
-        </p:nvSpPr>
-        <p:spPr>
-          <a:xfrm>
-            <a:off x="504000" y="1769040"/>
-            <a:ext cx="9071640" cy="4384440"/>
-          </a:xfrm>
-          <a:prstGeom prst="rect">
-            <a:avLst/>
-          </a:prstGeom>
-        </p:spPr>
-        <p:txBody>
-          <a:bodyPr lIns="0" rIns="0" tIns="0" bIns="0"/>
-          <a:p>
-            <a:pPr marL="432000" indent="-324000">
-              <a:spcBef>
-                <a:spcPts val="1417"/>
-              </a:spcBef>
-              <a:buClr>
-                <a:srgbClr val="000000"/>
-              </a:buClr>
-              <a:buSzPct val="45000"/>
-              <a:buFont typeface="Wingdings" charset="2"/>
-              <a:buChar char=""/>
-            </a:pPr>
-            <a:r>
-              <a:rPr b="0" lang="en-US" sz="3200" spc="-1" strike="noStrike">
-                <a:solidFill>
-                  <a:srgbClr val="0066cc"/>
-                </a:solidFill>
-                <a:latin typeface="Arial"/>
-              </a:rPr>
-              <a:t>Click to edit the outline text format</a:t>
-            </a:r>
-            <a:endParaRPr b="0" lang="en-US" sz="3200" spc="-1" strike="noStrike">
-              <a:solidFill>
-                <a:srgbClr val="0066cc"/>
-              </a:solidFill>
-              <a:latin typeface="Arial"/>
-            </a:endParaRPr>
-          </a:p>
-          <a:p>
-            <a:pPr lvl="1" marL="864000" indent="-324000">
-              <a:spcBef>
-                <a:spcPts val="1134"/>
-              </a:spcBef>
-              <a:buClr>
-                <a:srgbClr val="000000"/>
-              </a:buClr>
-              <a:buSzPct val="75000"/>
-              <a:buFont typeface="Symbol" charset="2"/>
-              <a:buChar char=""/>
-            </a:pPr>
-            <a:r>
-              <a:rPr b="0" lang="en-US" sz="2800" spc="-1" strike="noStrike">
-                <a:solidFill>
-                  <a:srgbClr val="0066cc"/>
-                </a:solidFill>
-                <a:latin typeface="Arial"/>
-              </a:rPr>
-              <a:t>Second Outline Level</a:t>
-            </a:r>
-            <a:endParaRPr b="0" lang="en-US" sz="2800" spc="-1" strike="noStrike">
-              <a:solidFill>
-                <a:srgbClr val="0066cc"/>
-              </a:solidFill>
-              <a:latin typeface="Arial"/>
-            </a:endParaRPr>
-          </a:p>
-          <a:p>
-            <a:pPr lvl="2" marL="1296000" indent="-288000">
-              <a:spcBef>
-                <a:spcPts val="850"/>
-              </a:spcBef>
-              <a:buClr>
-                <a:srgbClr val="000000"/>
-              </a:buClr>
-              <a:buSzPct val="45000"/>
-              <a:buFont typeface="Wingdings" charset="2"/>
-              <a:buChar char=""/>
-            </a:pPr>
-            <a:r>
-              <a:rPr b="0" lang="en-US" sz="2400" spc="-1" strike="noStrike">
-                <a:solidFill>
-                  <a:srgbClr val="0066cc"/>
-                </a:solidFill>
-                <a:latin typeface="Arial"/>
-              </a:rPr>
-              <a:t>Third Outline Level</a:t>
-            </a:r>
-            <a:endParaRPr b="0" lang="en-US" sz="2400" spc="-1" strike="noStrike">
-              <a:solidFill>
-                <a:srgbClr val="0066cc"/>
-              </a:solidFill>
-              <a:latin typeface="Arial"/>
-            </a:endParaRPr>
-          </a:p>
-          <a:p>
-            <a:pPr lvl="3" marL="1728000" indent="-216000">
-              <a:spcBef>
-                <a:spcPts val="567"/>
-              </a:spcBef>
-              <a:buClr>
-                <a:srgbClr val="000000"/>
-              </a:buClr>
-              <a:buSzPct val="75000"/>
-              <a:buFont typeface="Symbol" charset="2"/>
-              <a:buChar char=""/>
-            </a:pPr>
-            <a:r>
-              <a:rPr b="0" lang="en-US" sz="2000" spc="-1" strike="noStrike">
-                <a:solidFill>
-                  <a:srgbClr val="0066cc"/>
-                </a:solidFill>
-                <a:latin typeface="Arial"/>
-              </a:rPr>
-              <a:t>Fourth Outline Level</a:t>
-            </a:r>
-            <a:endParaRPr b="0" lang="en-US" sz="2000" spc="-1" strike="noStrike">
-              <a:solidFill>
-                <a:srgbClr val="0066cc"/>
-              </a:solidFill>
-              <a:latin typeface="Arial"/>
-            </a:endParaRPr>
-          </a:p>
-          <a:p>
-            <a:pPr lvl="4" marL="2160000" indent="-216000">
-              <a:spcBef>
-                <a:spcPts val="283"/>
-              </a:spcBef>
-              <a:buClr>
-                <a:srgbClr val="000000"/>
-              </a:buClr>
-              <a:buSzPct val="45000"/>
-              <a:buFont typeface="Wingdings" charset="2"/>
-              <a:buChar char=""/>
-            </a:pPr>
-            <a:r>
-              <a:rPr b="0" lang="en-US" sz="2000" spc="-1" strike="noStrike">
-                <a:solidFill>
-                  <a:srgbClr val="0066cc"/>
-                </a:solidFill>
-                <a:latin typeface="Arial"/>
-              </a:rPr>
-              <a:t>Fifth Outline Level</a:t>
-            </a:r>
-            <a:endParaRPr b="0" lang="en-US" sz="2000" spc="-1" strike="noStrike">
-              <a:solidFill>
-                <a:srgbClr val="0066cc"/>
-              </a:solidFill>
-              <a:latin typeface="Arial"/>
-            </a:endParaRPr>
-          </a:p>
-          <a:p>
-            <a:pPr lvl="5" marL="2592000" indent="-216000">
-              <a:spcBef>
-                <a:spcPts val="283"/>
-              </a:spcBef>
-              <a:buClr>
-                <a:srgbClr val="000000"/>
-              </a:buClr>
-              <a:buSzPct val="45000"/>
-              <a:buFont typeface="Wingdings" charset="2"/>
-              <a:buChar char=""/>
-            </a:pPr>
-            <a:r>
-              <a:rPr b="0" lang="en-US" sz="2000" spc="-1" strike="noStrike">
-                <a:solidFill>
-                  <a:srgbClr val="0066cc"/>
-                </a:solidFill>
-                <a:latin typeface="Arial"/>
-              </a:rPr>
-              <a:t>Sixth Outline Level</a:t>
-            </a:r>
-            <a:endParaRPr b="0" lang="en-US" sz="2000" spc="-1" strike="noStrike">
-              <a:solidFill>
-                <a:srgbClr val="0066cc"/>
-              </a:solidFill>
-              <a:latin typeface="Arial"/>
-            </a:endParaRPr>
-          </a:p>
-          <a:p>
-            <a:pPr lvl="6" marL="3024000" indent="-216000">
-              <a:spcBef>
-                <a:spcPts val="283"/>
-              </a:spcBef>
-              <a:buClr>
-                <a:srgbClr val="000000"/>
-              </a:buClr>
-              <a:buSzPct val="45000"/>
-              <a:buFont typeface="Wingdings" charset="2"/>
-              <a:buChar char=""/>
-            </a:pPr>
-            <a:r>
-              <a:rPr b="0" lang="en-US" sz="2000" spc="-1" strike="noStrike">
-                <a:solidFill>
-                  <a:srgbClr val="0066cc"/>
-                </a:solidFill>
-                <a:latin typeface="Arial"/>
-              </a:rPr>
-              <a:t>Seventh Outline Level</a:t>
-            </a:r>
-            <a:endParaRPr b="0" lang="en-US" sz="2000" spc="-1" strike="noStrike">
-              <a:solidFill>
-                <a:srgbClr val="0066cc"/>
-              </a:solidFill>
-              <a:latin typeface="Arial"/>
-            </a:endParaRPr>
-          </a:p>
-        </p:txBody>
-      </p:sp>
-      <p:sp>
-        <p:nvSpPr>
-          <p:cNvPr id="46" name="PlaceHolder 5"/>
-          <p:cNvSpPr>
-            <a:spLocks noGrp="1"/>
-          </p:cNvSpPr>
-          <p:nvPr>
-            <p:ph type="dt"/>
-          </p:nvPr>
-        </p:nvSpPr>
-        <p:spPr>
-          <a:xfrm>
-            <a:off x="504000" y="6887160"/>
-            <a:ext cx="2348280" cy="521280"/>
-          </a:xfrm>
-          <a:prstGeom prst="rect">
-            <a:avLst/>
-          </a:prstGeom>
-        </p:spPr>
-        <p:txBody>
-          <a:bodyPr lIns="0" rIns="0" tIns="0" bIns="0"/>
-          <a:p>
-            <a:r>
-              <a:rPr b="0" lang="en-US" sz="1400" spc="-1" strike="noStrike">
-                <a:latin typeface="Times New Roman"/>
-              </a:rPr>
-              <a:t>&lt;date/time&gt;</a:t>
-            </a:r>
-            <a:endParaRPr b="0" lang="en-US" sz="1400" spc="-1" strike="noStrike">
-              <a:latin typeface="Times New Roman"/>
-            </a:endParaRPr>
-          </a:p>
-        </p:txBody>
-      </p:sp>
-      <p:sp>
-        <p:nvSpPr>
-          <p:cNvPr id="47" name="PlaceHolder 6"/>
-          <p:cNvSpPr>
-            <a:spLocks noGrp="1"/>
-          </p:cNvSpPr>
-          <p:nvPr>
-            <p:ph type="ftr"/>
-          </p:nvPr>
-        </p:nvSpPr>
-        <p:spPr>
-          <a:xfrm>
-            <a:off x="3447360" y="6887160"/>
-            <a:ext cx="3195000" cy="521280"/>
-          </a:xfrm>
-          <a:prstGeom prst="rect">
-            <a:avLst/>
-          </a:prstGeom>
-        </p:spPr>
-        <p:txBody>
-          <a:bodyPr lIns="0" rIns="0" tIns="0" bIns="0"/>
-          <a:p>
-            <a:pPr algn="ctr"/>
-            <a:r>
-              <a:rPr b="0" lang="en-US" sz="1400" spc="-1" strike="noStrike">
-                <a:latin typeface="Times New Roman"/>
-              </a:rPr>
-              <a:t>&lt;footer&gt;</a:t>
-            </a:r>
-            <a:endParaRPr b="0" lang="en-US" sz="1400" spc="-1" strike="noStrike">
-              <a:latin typeface="Times New Roman"/>
-            </a:endParaRPr>
-          </a:p>
-        </p:txBody>
-      </p:sp>
-      <p:sp>
-        <p:nvSpPr>
-          <p:cNvPr id="48" name="PlaceHolder 7"/>
-          <p:cNvSpPr>
-            <a:spLocks noGrp="1"/>
-          </p:cNvSpPr>
-          <p:nvPr>
-            <p:ph type="sldNum"/>
-          </p:nvPr>
-        </p:nvSpPr>
-        <p:spPr>
-          <a:xfrm>
-            <a:off x="7227360" y="6887160"/>
-            <a:ext cx="2348280" cy="521280"/>
-          </a:xfrm>
-          <a:prstGeom prst="rect">
-            <a:avLst/>
-          </a:prstGeom>
-        </p:spPr>
-        <p:txBody>
-          <a:bodyPr lIns="0" rIns="0" tIns="0" bIns="0"/>
-          <a:p>
-            <a:pPr algn="r"/>
-            <a:fld id="{303ADB84-4760-4939-BF98-9B440F2754B7}" type="slidenum">
-              <a:rPr b="0" lang="en-US" sz="1400" spc="-1" strike="noStrike">
-                <a:latin typeface="Times New Roman"/>
-              </a:rPr>
-              <a:t>&lt;number&gt;</a:t>
-            </a:fld>
-            <a:endParaRPr b="0" lang="en-US" sz="1400" spc="-1" strike="noStrike">
-              <a:latin typeface="Times New Roman"/>
-            </a:endParaRPr>
+              <a:rPr lang="en-US" sz="4400" b="0" strike="noStrike" spc="-1">
+                <a:solidFill>
+                  <a:srgbClr val="006699"/>
+                </a:solidFill>
+                <a:latin typeface="Arial"/>
+              </a:rPr>
+              <a:t>Задача 1. Валидатор адреса почты email</a:t>
+            </a:r>
           </a:p>
         </p:txBody>
       </p:sp>
     </p:spTree>
   </p:cSld>
-  <p:clrMap bg1="lt1" bg2="lt2" tx1="dk1" tx2="dk2" accent1="accent1" accent2="accent2" accent3="accent3" accent4="accent4" accent5="accent5" accent6="accent6" hlink="hlink" folHlink="folHlink"/>
-  <p:sldLayoutIdLst>
-    <p:sldLayoutId id="2147483662" r:id="rId2"/>
-    <p:sldLayoutId id="2147483663" r:id="rId3"/>
-    <p:sldLayoutId id="2147483664" r:id="rId4"/>
-    <p:sldLayoutId id="2147483665" r:id="rId5"/>
-    <p:sldLayoutId id="2147483666" r:id="rId6"/>
-    <p:sldLayoutId id="2147483667" r:id="rId7"/>
-    <p:sldLayoutId id="2147483668" r:id="rId8"/>
-    <p:sldLayoutId id="2147483669" r:id="rId9"/>
-    <p:sldLayoutId id="2147483670" r:id="rId10"/>
-    <p:sldLayoutId id="2147483671" r:id="rId11"/>
-    <p:sldLayoutId id="2147483672" r:id="rId12"/>
-    <p:sldLayoutId id="2147483673" r:id="rId13"/>
-  </p:sldLayoutIdLst>
-</p:sldMaster>
+  <p:clrMapOvr>
+    <a:masterClrMapping/>
+  </p:clrMapOvr>
+</p:sld>
 </file>
 
-<file path=ppt/slides/slide1.xml><?xml version="1.0" encoding="utf-8"?>
-<p:sld xmlns:a="http://schemas.openxmlformats.org/drawingml/2006/main" xmlns:p="http://schemas.openxmlformats.org/presentationml/2006/main" xmlns:r="http://schemas.openxmlformats.org/officeDocument/2006/relationships" xmlns:p14="http://schemas.microsoft.com/office/powerpoint/2010/main" xmlns:p15="http://schemas.microsoft.com/office/powerpoint/2012/main" xmlns:mc="http://schemas.openxmlformats.org/markup-compatibility/2006">
+<file path=ppt/slides/slide10.xml><?xml version="1.0" encoding="utf-8"?>
+<p:sld xmlns:a="http://schemas.openxmlformats.org/drawingml/2006/main" xmlns:r="http://schemas.openxmlformats.org/officeDocument/2006/relationships" xmlns:p="http://schemas.openxmlformats.org/presentationml/2006/main">
   <p:cSld>
     <p:spTree>
       <p:nvGrpSpPr>
@@ -3670,14 +4475,14 @@
       </p:grpSpPr>
       <p:sp>
         <p:nvSpPr>
-          <p:cNvPr id="85" name="TextShape 1"/>
+          <p:cNvPr id="105" name="TextShape 1"/>
           <p:cNvSpPr txBox="1"/>
           <p:nvPr/>
         </p:nvSpPr>
         <p:spPr>
           <a:xfrm>
-            <a:off x="0" y="2341080"/>
-            <a:ext cx="9071640" cy="1262160"/>
+            <a:off x="504000" y="301320"/>
+            <a:ext cx="9071640" cy="637560"/>
           </a:xfrm>
           <a:prstGeom prst="rect">
             <a:avLst/>
@@ -3688,34 +4493,207 @@
           </a:ln>
         </p:spPr>
         <p:txBody>
-          <a:bodyPr lIns="0" rIns="0" tIns="0" bIns="0" anchor="ctr"/>
+          <a:bodyPr lIns="0" tIns="0" rIns="0" bIns="0" anchor="ctr"/>
+          <a:lstStyle/>
           <a:p>
             <a:pPr algn="ctr"/>
             <a:r>
-              <a:rPr b="0" lang="en-US" sz="4400" spc="-1" strike="noStrike">
-                <a:solidFill>
-                  <a:srgbClr val="006699"/>
-                </a:solidFill>
-                <a:latin typeface="Arial"/>
-              </a:rPr>
-              <a:t>Задача 1. Валидатор адреса почты email</a:t>
-            </a:r>
-            <a:endParaRPr b="0" lang="en-US" sz="4400" spc="-1" strike="noStrike">
-              <a:solidFill>
-                <a:srgbClr val="006699"/>
-              </a:solidFill>
-              <a:latin typeface="Arial"/>
-            </a:endParaRPr>
+              <a:rPr lang="en-US" sz="4400" b="0" strike="noStrike" spc="-1">
+                <a:solidFill>
+                  <a:srgbClr val="FFFFFF"/>
+                </a:solidFill>
+                <a:latin typeface="Arial"/>
+              </a:rPr>
+              <a:t>Реализация на java. Замечание </a:t>
+            </a:r>
+          </a:p>
+        </p:txBody>
+      </p:sp>
+      <p:sp>
+        <p:nvSpPr>
+          <p:cNvPr id="106" name="TextShape 2"/>
+          <p:cNvSpPr txBox="1"/>
+          <p:nvPr/>
+        </p:nvSpPr>
+        <p:spPr>
+          <a:xfrm>
+            <a:off x="504000" y="1769040"/>
+            <a:ext cx="9071640" cy="4384440"/>
+          </a:xfrm>
+          <a:prstGeom prst="rect">
+            <a:avLst/>
+          </a:prstGeom>
+          <a:noFill/>
+          <a:ln>
+            <a:noFill/>
+          </a:ln>
+        </p:spPr>
+        <p:txBody>
+          <a:bodyPr lIns="0" tIns="0" rIns="0" bIns="0"/>
+          <a:lstStyle/>
+          <a:p>
+            <a:pPr marL="432000" indent="-324000">
+              <a:spcBef>
+                <a:spcPts val="1417"/>
+              </a:spcBef>
+              <a:buClr>
+                <a:srgbClr val="000000"/>
+              </a:buClr>
+              <a:buSzPct val="45000"/>
+              <a:buFont typeface="Wingdings" charset="2"/>
+              <a:buChar char=""/>
+            </a:pPr>
+            <a:r>
+              <a:rPr lang="en-US" sz="2000" b="0" strike="noStrike" spc="-1">
+                <a:solidFill>
+                  <a:srgbClr val="0066CC"/>
+                </a:solidFill>
+                <a:latin typeface="Arial"/>
+              </a:rPr>
+              <a:t>Реализация  StandardInternetAddress не проходит все тесты из-за дополнительных требований, которые мы ввели в допущении</a:t>
+            </a:r>
+          </a:p>
+          <a:p>
+            <a:pPr marL="432000" indent="-324000">
+              <a:spcBef>
+                <a:spcPts val="1417"/>
+              </a:spcBef>
+              <a:buClr>
+                <a:srgbClr val="000000"/>
+              </a:buClr>
+              <a:buSzPct val="45000"/>
+              <a:buFont typeface="Wingdings" charset="2"/>
+              <a:buChar char=""/>
+            </a:pPr>
+            <a:r>
+              <a:rPr lang="en-US" sz="2000" b="0" strike="noStrike" spc="-1">
+                <a:solidFill>
+                  <a:srgbClr val="0066CC"/>
+                </a:solidFill>
+                <a:latin typeface="Arial"/>
+              </a:rPr>
+              <a:t>Тест domain не проходит строка “</a:t>
+            </a:r>
+            <a:r>
+              <a:rPr lang="en-US" sz="2000" b="0" strike="noStrike" spc="-1">
+                <a:solidFill>
+                  <a:srgbClr val="0066CC"/>
+                </a:solidFill>
+                <a:latin typeface="Arial"/>
+                <a:hlinkClick r:id="rId2"/>
+              </a:rPr>
+              <a:t>mchapleev@gmail.c</a:t>
+            </a:r>
+            <a:r>
+              <a:rPr lang="en-US" sz="2000" b="0" strike="noStrike" spc="-1">
+                <a:solidFill>
+                  <a:srgbClr val="0066CC"/>
+                </a:solidFill>
+                <a:latin typeface="Arial"/>
+              </a:rPr>
+              <a:t>”</a:t>
+            </a:r>
+          </a:p>
+          <a:p>
+            <a:pPr marL="432000" indent="-324000">
+              <a:spcBef>
+                <a:spcPts val="1417"/>
+              </a:spcBef>
+              <a:buClr>
+                <a:srgbClr val="000000"/>
+              </a:buClr>
+              <a:buSzPct val="45000"/>
+              <a:buFont typeface="Wingdings" charset="2"/>
+              <a:buChar char=""/>
+            </a:pPr>
+            <a:r>
+              <a:rPr lang="en-US" sz="2000" b="0" strike="noStrike" spc="-1">
+                <a:solidFill>
+                  <a:srgbClr val="0066CC"/>
+                </a:solidFill>
+                <a:latin typeface="Arial"/>
+              </a:rPr>
+              <a:t>Судя по всему, имя последнего домена может состоять из одной буквы, что противоречит допущению</a:t>
+            </a:r>
+          </a:p>
+          <a:p>
+            <a:pPr marL="432000" indent="-324000">
+              <a:spcBef>
+                <a:spcPts val="1417"/>
+              </a:spcBef>
+              <a:buClr>
+                <a:srgbClr val="000000"/>
+              </a:buClr>
+              <a:buSzPct val="45000"/>
+              <a:buFont typeface="Wingdings" charset="2"/>
+              <a:buChar char=""/>
+            </a:pPr>
+            <a:r>
+              <a:rPr lang="en-US" sz="2000" b="0" strike="noStrike" spc="-1">
+                <a:solidFill>
+                  <a:srgbClr val="0066CC"/>
+                </a:solidFill>
+                <a:latin typeface="Arial"/>
+              </a:rPr>
+              <a:t>Тест wrongSeparator не проходит значение “mchapleev@gmail.com,” однако запятая противоречит допущению как разделителя, так и формата адреса.</a:t>
+            </a:r>
+          </a:p>
+          <a:p>
+            <a:pPr marL="432000" indent="-324000">
+              <a:spcBef>
+                <a:spcPts val="1417"/>
+              </a:spcBef>
+              <a:buClr>
+                <a:srgbClr val="000000"/>
+              </a:buClr>
+              <a:buSzPct val="45000"/>
+              <a:buFont typeface="Wingdings" charset="2"/>
+              <a:buChar char=""/>
+            </a:pPr>
+            <a:r>
+              <a:rPr lang="en-US" sz="2000" b="0" strike="noStrike" spc="-1">
+                <a:solidFill>
+                  <a:srgbClr val="0066CC"/>
+                </a:solidFill>
+                <a:latin typeface="Arial"/>
+              </a:rPr>
+              <a:t>С помощью этой реализации можно увидеть не успешные тесты, что ожидаемо</a:t>
+            </a:r>
+          </a:p>
+          <a:p>
+            <a:pPr marL="432000" indent="-324000">
+              <a:spcBef>
+                <a:spcPts val="1417"/>
+              </a:spcBef>
+              <a:buClr>
+                <a:srgbClr val="000000"/>
+              </a:buClr>
+              <a:buSzPct val="45000"/>
+              <a:buFont typeface="Wingdings" charset="2"/>
+              <a:buChar char=""/>
+            </a:pPr>
+            <a:r>
+              <a:rPr lang="en-US" sz="2000" b="0" strike="noStrike" spc="-1">
+                <a:solidFill>
+                  <a:srgbClr val="0066CC"/>
+                </a:solidFill>
+                <a:latin typeface="Arial"/>
+              </a:rPr>
+              <a:t>Для переключения на этот класс достаточно поменять метод init в тесте, как указано выше и запустить gradle build</a:t>
+            </a:r>
           </a:p>
         </p:txBody>
       </p:sp>
     </p:spTree>
   </p:cSld>
+  <p:clrMapOvr>
+    <a:masterClrMapping/>
+  </p:clrMapOvr>
 </p:sld>
 </file>
 
-<file path=ppt/slides/slide10.xml><?xml version="1.0" encoding="utf-8"?>
-<p:sld xmlns:a="http://schemas.openxmlformats.org/drawingml/2006/main" xmlns:p="http://schemas.openxmlformats.org/presentationml/2006/main" xmlns:r="http://schemas.openxmlformats.org/officeDocument/2006/relationships" xmlns:p14="http://schemas.microsoft.com/office/powerpoint/2010/main" xmlns:p15="http://schemas.microsoft.com/office/powerpoint/2012/main" xmlns:mc="http://schemas.openxmlformats.org/markup-compatibility/2006">
+<file path=ppt/slides/slide2.xml><?xml version="1.0" encoding="utf-8"?>
+<p:sld xmlns:a="http://schemas.openxmlformats.org/drawingml/2006/main" xmlns:r="http://schemas.openxmlformats.org/officeDocument/2006/relationships" xmlns:p="http://schemas.openxmlformats.org/presentationml/2006/main">
   <p:cSld>
     <p:spTree>
       <p:nvGrpSpPr>
@@ -3733,7 +4711,7 @@
       </p:grpSpPr>
       <p:sp>
         <p:nvSpPr>
-          <p:cNvPr id="105" name="TextShape 1"/>
+          <p:cNvPr id="86" name="TextShape 1"/>
           <p:cNvSpPr txBox="1"/>
           <p:nvPr/>
         </p:nvSpPr>
@@ -3751,30 +4729,25 @@
           </a:ln>
         </p:spPr>
         <p:txBody>
-          <a:bodyPr lIns="0" rIns="0" tIns="0" bIns="0" anchor="ctr"/>
+          <a:bodyPr lIns="0" tIns="0" rIns="0" bIns="0" anchor="ctr"/>
+          <a:lstStyle/>
           <a:p>
             <a:pPr algn="ctr"/>
             <a:r>
-              <a:rPr b="0" lang="en-US" sz="4400" spc="-1" strike="noStrike">
-                <a:solidFill>
-                  <a:srgbClr val="ffffff"/>
-                </a:solidFill>
-                <a:latin typeface="Arial"/>
-              </a:rPr>
-              <a:t>Реализация на java. Замечание </a:t>
-            </a:r>
-            <a:endParaRPr b="0" lang="en-US" sz="4400" spc="-1" strike="noStrike">
-              <a:solidFill>
-                <a:srgbClr val="ffffff"/>
-              </a:solidFill>
-              <a:latin typeface="Arial"/>
-            </a:endParaRPr>
-          </a:p>
-        </p:txBody>
-      </p:sp>
-      <p:sp>
-        <p:nvSpPr>
-          <p:cNvPr id="106" name="TextShape 2"/>
+              <a:rPr lang="en-US" sz="4400" b="0" strike="noStrike" spc="-1">
+                <a:solidFill>
+                  <a:srgbClr val="FFFFFF"/>
+                </a:solidFill>
+                <a:latin typeface="Arial"/>
+              </a:rPr>
+              <a:t>Постановка задачи	</a:t>
+            </a:r>
+          </a:p>
+        </p:txBody>
+      </p:sp>
+      <p:sp>
+        <p:nvSpPr>
+          <p:cNvPr id="87" name="TextShape 2"/>
           <p:cNvSpPr txBox="1"/>
           <p:nvPr/>
         </p:nvSpPr>
@@ -3792,7 +4765,8 @@
           </a:ln>
         </p:spPr>
         <p:txBody>
-          <a:bodyPr lIns="0" rIns="0" tIns="0" bIns="0"/>
+          <a:bodyPr lIns="0" tIns="0" rIns="0" bIns="0"/>
+          <a:lstStyle/>
           <a:p>
             <a:pPr marL="432000" indent="-324000">
               <a:spcBef>
@@ -3806,38 +4780,14 @@
               <a:buChar char=""/>
             </a:pPr>
             <a:r>
-              <a:rPr b="0" lang="en-US" sz="2000" spc="-1" strike="noStrike">
-                <a:solidFill>
-                  <a:srgbClr val="0066cc"/>
-                </a:solidFill>
-                <a:latin typeface="Arial"/>
-              </a:rPr>
-              <a:t>Реализация</a:t>
-            </a:r>
-            <a:r>
-              <a:rPr b="0" lang="en-US" sz="2000" spc="-1" strike="noStrike">
-                <a:solidFill>
-                  <a:srgbClr val="0066cc"/>
-                </a:solidFill>
-                <a:latin typeface="Arial"/>
-              </a:rPr>
-              <a:t>  </a:t>
-            </a:r>
-            <a:r>
-              <a:rPr b="0" lang="en-US" sz="2000" spc="-1" strike="noStrike">
-                <a:solidFill>
-                  <a:srgbClr val="0066cc"/>
-                </a:solidFill>
-                <a:latin typeface="Arial"/>
-              </a:rPr>
-              <a:t>StandardInternetAddress не проходит все тесты из-за дополнительных требований, которые мы ввели в допущении</a:t>
-            </a:r>
-            <a:endParaRPr b="0" lang="en-US" sz="2000" spc="-1" strike="noStrike">
-              <a:solidFill>
-                <a:srgbClr val="0066cc"/>
-              </a:solidFill>
-              <a:latin typeface="Arial"/>
-            </a:endParaRPr>
+              <a:rPr lang="en-US" sz="3200" b="0" strike="noStrike" spc="-1">
+                <a:solidFill>
+                  <a:srgbClr val="0066CC"/>
+                </a:solidFill>
+                <a:latin typeface="Arial"/>
+              </a:rPr>
+              <a:t>Существует текстовое поле ввода списка адресов email</a:t>
+            </a:r>
           </a:p>
           <a:p>
             <a:pPr marL="432000" indent="-324000">
@@ -3852,39 +4802,14 @@
               <a:buChar char=""/>
             </a:pPr>
             <a:r>
-              <a:rPr b="0" lang="en-US" sz="2000" spc="-1" strike="noStrike">
-                <a:solidFill>
-                  <a:srgbClr val="0066cc"/>
-                </a:solidFill>
-                <a:latin typeface="Arial"/>
-              </a:rPr>
-              <a:t>Тест domain не проходит строка “</a:t>
-            </a:r>
-            <a:r>
-              <a:rPr b="0" lang="en-US" sz="2000" spc="-1" strike="noStrike">
-                <a:solidFill>
-                  <a:srgbClr val="0066cc"/>
-                </a:solidFill>
-                <a:latin typeface="Arial"/>
-                <a:hlinkClick r:id="rId1"/>
-              </a:rPr>
-              <a:t>mchapleev@gmail.c</a:t>
-            </a:r>
-            <a:r>
-              <a:rPr b="0" lang="en-US" sz="2000" spc="-1" strike="noStrike">
-                <a:solidFill>
-                  <a:srgbClr val="0066cc"/>
-                </a:solidFill>
-                <a:latin typeface="Arial"/>
-              </a:rPr>
-              <a:t>”</a:t>
-            </a:r>
-            <a:endParaRPr b="0" lang="en-US" sz="2000" spc="-1" strike="noStrike">
-              <a:solidFill>
-                <a:srgbClr val="0066cc"/>
-              </a:solidFill>
-              <a:latin typeface="Arial"/>
-            </a:endParaRPr>
+              <a:rPr lang="en-US" sz="3200" b="0" strike="noStrike" spc="-1">
+                <a:solidFill>
+                  <a:srgbClr val="0066CC"/>
+                </a:solidFill>
+                <a:latin typeface="Arial"/>
+              </a:rPr>
+              <a:t>Адресов может быть несколько, вводятся через разделитель</a:t>
+            </a:r>
           </a:p>
           <a:p>
             <a:pPr marL="432000" indent="-324000">
@@ -3899,114 +4824,50 @@
               <a:buChar char=""/>
             </a:pPr>
             <a:r>
-              <a:rPr b="0" lang="en-US" sz="2000" spc="-1" strike="noStrike">
-                <a:solidFill>
-                  <a:srgbClr val="0066cc"/>
-                </a:solidFill>
-                <a:latin typeface="Arial"/>
-              </a:rPr>
-              <a:t>Судя по всему, имя последнего домена может состоять из одной буквы, что противоречит допущению</a:t>
-            </a:r>
-            <a:endParaRPr b="0" lang="en-US" sz="2000" spc="-1" strike="noStrike">
-              <a:solidFill>
-                <a:srgbClr val="0066cc"/>
-              </a:solidFill>
-              <a:latin typeface="Arial"/>
-            </a:endParaRPr>
-          </a:p>
-          <a:p>
-            <a:pPr marL="432000" indent="-324000">
-              <a:spcBef>
-                <a:spcPts val="1417"/>
-              </a:spcBef>
-              <a:buClr>
-                <a:srgbClr val="000000"/>
-              </a:buClr>
-              <a:buSzPct val="45000"/>
-              <a:buFont typeface="Wingdings" charset="2"/>
-              <a:buChar char=""/>
-            </a:pPr>
-            <a:r>
-              <a:rPr b="0" lang="en-US" sz="2000" spc="-1" strike="noStrike">
-                <a:solidFill>
-                  <a:srgbClr val="0066cc"/>
-                </a:solidFill>
-                <a:latin typeface="Arial"/>
-              </a:rPr>
-              <a:t>Тест wrongSeparator не проходит значение “mchapleev@gmail.com,” однако запятая противоречит допущению как разделителя, так и формата адреса.</a:t>
-            </a:r>
-            <a:endParaRPr b="0" lang="en-US" sz="2000" spc="-1" strike="noStrike">
-              <a:solidFill>
-                <a:srgbClr val="0066cc"/>
-              </a:solidFill>
-              <a:latin typeface="Arial"/>
-            </a:endParaRPr>
-          </a:p>
-          <a:p>
-            <a:pPr marL="432000" indent="-324000">
-              <a:spcBef>
-                <a:spcPts val="1417"/>
-              </a:spcBef>
-              <a:buClr>
-                <a:srgbClr val="000000"/>
-              </a:buClr>
-              <a:buSzPct val="45000"/>
-              <a:buFont typeface="Wingdings" charset="2"/>
-              <a:buChar char=""/>
-            </a:pPr>
-            <a:r>
-              <a:rPr b="0" lang="en-US" sz="2000" spc="-1" strike="noStrike">
-                <a:solidFill>
-                  <a:srgbClr val="0066cc"/>
-                </a:solidFill>
-                <a:latin typeface="Arial"/>
-              </a:rPr>
-              <a:t>С помощью этой реализации можно увидеть не успешные тесты, что ожидаемо</a:t>
-            </a:r>
-            <a:endParaRPr b="0" lang="en-US" sz="2000" spc="-1" strike="noStrike">
-              <a:solidFill>
-                <a:srgbClr val="0066cc"/>
-              </a:solidFill>
-              <a:latin typeface="Arial"/>
-            </a:endParaRPr>
-          </a:p>
-          <a:p>
-            <a:pPr marL="432000" indent="-324000">
-              <a:spcBef>
-                <a:spcPts val="1417"/>
-              </a:spcBef>
-              <a:buClr>
-                <a:srgbClr val="000000"/>
-              </a:buClr>
-              <a:buSzPct val="45000"/>
-              <a:buFont typeface="Wingdings" charset="2"/>
-              <a:buChar char=""/>
-            </a:pPr>
-            <a:r>
-              <a:rPr b="0" lang="en-US" sz="2000" spc="-1" strike="noStrike">
-                <a:solidFill>
-                  <a:srgbClr val="0066cc"/>
-                </a:solidFill>
-                <a:latin typeface="Arial"/>
-              </a:rPr>
-              <a:t>Для переключения на этот класс достаточно поменять метод init в тесте, как указано выше и запустить gradle build</a:t>
-            </a:r>
-            <a:endParaRPr b="0" lang="en-US" sz="2000" spc="-1" strike="noStrike">
-              <a:solidFill>
-                <a:srgbClr val="0066cc"/>
-              </a:solidFill>
-              <a:latin typeface="Arial"/>
-            </a:endParaRPr>
-          </a:p>
-        </p:txBody>
-      </p:sp>
+              <a:rPr lang="en-US" sz="3200" b="0" strike="noStrike" spc="-1">
+                <a:solidFill>
+                  <a:srgbClr val="0066CC"/>
+                </a:solidFill>
+                <a:latin typeface="Arial"/>
+              </a:rPr>
+              <a:t>Необходимо создать валидатор поля и тесты для него</a:t>
+            </a:r>
+          </a:p>
+        </p:txBody>
+      </p:sp>
+      <p:pic>
+        <p:nvPicPr>
+          <p:cNvPr id="88" name="Picture 87"/>
+          <p:cNvPicPr/>
+          <p:nvPr/>
+        </p:nvPicPr>
+        <p:blipFill>
+          <a:blip r:embed="rId2"/>
+          <a:stretch/>
+        </p:blipFill>
+        <p:spPr>
+          <a:xfrm>
+            <a:off x="4023360" y="4480560"/>
+            <a:ext cx="1881000" cy="1881000"/>
+          </a:xfrm>
+          <a:prstGeom prst="rect">
+            <a:avLst/>
+          </a:prstGeom>
+          <a:ln>
+            <a:noFill/>
+          </a:ln>
+        </p:spPr>
+      </p:pic>
     </p:spTree>
   </p:cSld>
+  <p:clrMapOvr>
+    <a:masterClrMapping/>
+  </p:clrMapOvr>
 </p:sld>
 </file>
 
-<file path=ppt/slides/slide2.xml><?xml version="1.0" encoding="utf-8"?>
-<p:sld xmlns:a="http://schemas.openxmlformats.org/drawingml/2006/main" xmlns:p="http://schemas.openxmlformats.org/presentationml/2006/main" xmlns:r="http://schemas.openxmlformats.org/officeDocument/2006/relationships" xmlns:p14="http://schemas.microsoft.com/office/powerpoint/2010/main" xmlns:p15="http://schemas.microsoft.com/office/powerpoint/2012/main" xmlns:mc="http://schemas.openxmlformats.org/markup-compatibility/2006">
+<file path=ppt/slides/slide3.xml><?xml version="1.0" encoding="utf-8"?>
+<p:sld xmlns:a="http://schemas.openxmlformats.org/drawingml/2006/main" xmlns:r="http://schemas.openxmlformats.org/officeDocument/2006/relationships" xmlns:p="http://schemas.openxmlformats.org/presentationml/2006/main">
   <p:cSld>
     <p:spTree>
       <p:nvGrpSpPr>
@@ -4024,7 +4885,7 @@
       </p:grpSpPr>
       <p:sp>
         <p:nvSpPr>
-          <p:cNvPr id="86" name="TextShape 1"/>
+          <p:cNvPr id="89" name="TextShape 1"/>
           <p:cNvSpPr txBox="1"/>
           <p:nvPr/>
         </p:nvSpPr>
@@ -4042,46 +4903,32 @@
           </a:ln>
         </p:spPr>
         <p:txBody>
-          <a:bodyPr lIns="0" rIns="0" tIns="0" bIns="0" anchor="ctr"/>
+          <a:bodyPr lIns="0" tIns="0" rIns="0" bIns="0" anchor="ctr"/>
+          <a:lstStyle/>
           <a:p>
             <a:pPr algn="ctr"/>
             <a:r>
-              <a:rPr b="0" lang="en-US" sz="4400" spc="-1" strike="noStrike">
-                <a:solidFill>
-                  <a:srgbClr val="ffffff"/>
-                </a:solidFill>
-                <a:latin typeface="Arial"/>
-              </a:rPr>
-              <a:t>Постановка задачи</a:t>
-            </a:r>
-            <a:r>
-              <a:rPr b="0" lang="en-US" sz="4400" spc="-1" strike="noStrike">
-                <a:solidFill>
-                  <a:srgbClr val="ffffff"/>
-                </a:solidFill>
-                <a:latin typeface="Arial"/>
-              </a:rPr>
-              <a:t>	</a:t>
-            </a:r>
-            <a:endParaRPr b="0" lang="en-US" sz="4400" spc="-1" strike="noStrike">
-              <a:solidFill>
-                <a:srgbClr val="ffffff"/>
-              </a:solidFill>
-              <a:latin typeface="Arial"/>
-            </a:endParaRPr>
-          </a:p>
-        </p:txBody>
-      </p:sp>
-      <p:sp>
-        <p:nvSpPr>
-          <p:cNvPr id="87" name="TextShape 2"/>
+              <a:rPr lang="en-US" sz="4400" b="0" strike="noStrike" spc="-1">
+                <a:solidFill>
+                  <a:srgbClr val="FFFFFF"/>
+                </a:solidFill>
+                <a:latin typeface="Arial"/>
+              </a:rPr>
+              <a:t>Стандарты адреса email</a:t>
+            </a:r>
+          </a:p>
+        </p:txBody>
+      </p:sp>
+      <p:sp>
+        <p:nvSpPr>
+          <p:cNvPr id="90" name="TextShape 2"/>
           <p:cNvSpPr txBox="1"/>
           <p:nvPr/>
         </p:nvSpPr>
         <p:spPr>
           <a:xfrm>
-            <a:off x="504000" y="1769040"/>
-            <a:ext cx="9071640" cy="4384440"/>
+            <a:off x="504360" y="1554480"/>
+            <a:ext cx="9071640" cy="4636440"/>
           </a:xfrm>
           <a:prstGeom prst="rect">
             <a:avLst/>
@@ -4092,7 +4939,8 @@
           </a:ln>
         </p:spPr>
         <p:txBody>
-          <a:bodyPr lIns="0" rIns="0" tIns="0" bIns="0"/>
+          <a:bodyPr lIns="0" tIns="0" rIns="0" bIns="0"/>
+          <a:lstStyle/>
           <a:p>
             <a:pPr marL="432000" indent="-324000">
               <a:spcBef>
@@ -4106,20 +4954,14 @@
               <a:buChar char=""/>
             </a:pPr>
             <a:r>
-              <a:rPr b="0" lang="en-US" sz="3200" spc="-1" strike="noStrike">
-                <a:solidFill>
-                  <a:srgbClr val="0066cc"/>
-                </a:solidFill>
-                <a:latin typeface="Arial"/>
-              </a:rPr>
-              <a:t>Существует текстовое поле ввода списка адресов email</a:t>
-            </a:r>
-            <a:endParaRPr b="0" lang="en-US" sz="3200" spc="-1" strike="noStrike">
-              <a:solidFill>
-                <a:srgbClr val="0066cc"/>
-              </a:solidFill>
-              <a:latin typeface="Arial"/>
-            </a:endParaRPr>
+              <a:rPr lang="en-US" sz="3200" b="0" strike="noStrike" spc="-1">
+                <a:solidFill>
+                  <a:srgbClr val="0066CC"/>
+                </a:solidFill>
+                <a:latin typeface="Arial"/>
+              </a:rPr>
+              <a:t>Существует  некоторое множество стандартов формата адреса email, например  RFC 822,  RFC 5322</a:t>
+            </a:r>
           </a:p>
           <a:p>
             <a:pPr marL="432000" indent="-324000">
@@ -4134,20 +4976,14 @@
               <a:buChar char=""/>
             </a:pPr>
             <a:r>
-              <a:rPr b="0" lang="en-US" sz="3200" spc="-1" strike="noStrike">
-                <a:solidFill>
-                  <a:srgbClr val="0066cc"/>
-                </a:solidFill>
-                <a:latin typeface="Arial"/>
-              </a:rPr>
-              <a:t>Адресов может быть несколько, вводятся через разделитель</a:t>
-            </a:r>
-            <a:endParaRPr b="0" lang="en-US" sz="3200" spc="-1" strike="noStrike">
-              <a:solidFill>
-                <a:srgbClr val="0066cc"/>
-              </a:solidFill>
-              <a:latin typeface="Arial"/>
-            </a:endParaRPr>
+              <a:rPr lang="en-US" sz="3200" b="0" strike="noStrike" spc="-1">
+                <a:solidFill>
+                  <a:srgbClr val="0066CC"/>
+                </a:solidFill>
+                <a:latin typeface="Arial"/>
+              </a:rPr>
+              <a:t>Существуют различные варианты реализации валидации каждого из стандартов</a:t>
+            </a:r>
           </a:p>
           <a:p>
             <a:pPr marL="432000" indent="-324000">
@@ -4162,53 +4998,46 @@
               <a:buChar char=""/>
             </a:pPr>
             <a:r>
-              <a:rPr b="0" lang="en-US" sz="3200" spc="-1" strike="noStrike">
-                <a:solidFill>
-                  <a:srgbClr val="0066cc"/>
-                </a:solidFill>
-                <a:latin typeface="Arial"/>
-              </a:rPr>
-              <a:t>Необходимо создать валидатор поля и тесты для него</a:t>
-            </a:r>
-            <a:endParaRPr b="0" lang="en-US" sz="3200" spc="-1" strike="noStrike">
-              <a:solidFill>
-                <a:srgbClr val="0066cc"/>
-              </a:solidFill>
-              <a:latin typeface="Arial"/>
-            </a:endParaRPr>
-          </a:p>
-        </p:txBody>
-      </p:sp>
-      <p:pic>
-        <p:nvPicPr>
-          <p:cNvPr id="88" name="" descr=""/>
-          <p:cNvPicPr/>
-          <p:nvPr/>
-        </p:nvPicPr>
-        <p:blipFill>
-          <a:blip r:embed="rId1"/>
-          <a:stretch/>
-        </p:blipFill>
-        <p:spPr>
-          <a:xfrm>
-            <a:off x="4023360" y="4480560"/>
-            <a:ext cx="1881000" cy="1881000"/>
-          </a:xfrm>
-          <a:prstGeom prst="rect">
-            <a:avLst/>
-          </a:prstGeom>
-          <a:ln>
-            <a:noFill/>
-          </a:ln>
-        </p:spPr>
-      </p:pic>
+              <a:rPr lang="en-US" sz="3200" b="0" strike="noStrike" spc="-1">
+                <a:solidFill>
+                  <a:srgbClr val="0066CC"/>
+                </a:solidFill>
+                <a:latin typeface="Arial"/>
+              </a:rPr>
+              <a:t>Для примера, регулярнное выражение валидации стандарта RFC 5322 занимает около 80 строк</a:t>
+            </a:r>
+          </a:p>
+          <a:p>
+            <a:pPr marL="432000" indent="-324000">
+              <a:spcBef>
+                <a:spcPts val="1417"/>
+              </a:spcBef>
+              <a:buClr>
+                <a:srgbClr val="000000"/>
+              </a:buClr>
+              <a:buSzPct val="45000"/>
+              <a:buFont typeface="Wingdings" charset="2"/>
+              <a:buChar char=""/>
+            </a:pPr>
+            <a:endParaRPr lang="en-US" sz="3200" b="0" strike="noStrike" spc="-1">
+              <a:solidFill>
+                <a:srgbClr val="0066CC"/>
+              </a:solidFill>
+              <a:latin typeface="Arial"/>
+            </a:endParaRPr>
+          </a:p>
+        </p:txBody>
+      </p:sp>
     </p:spTree>
   </p:cSld>
+  <p:clrMapOvr>
+    <a:masterClrMapping/>
+  </p:clrMapOvr>
 </p:sld>
 </file>
 
-<file path=ppt/slides/slide3.xml><?xml version="1.0" encoding="utf-8"?>
-<p:sld xmlns:a="http://schemas.openxmlformats.org/drawingml/2006/main" xmlns:p="http://schemas.openxmlformats.org/presentationml/2006/main" xmlns:r="http://schemas.openxmlformats.org/officeDocument/2006/relationships" xmlns:p14="http://schemas.microsoft.com/office/powerpoint/2010/main" xmlns:p15="http://schemas.microsoft.com/office/powerpoint/2012/main" xmlns:mc="http://schemas.openxmlformats.org/markup-compatibility/2006">
+<file path=ppt/slides/slide4.xml><?xml version="1.0" encoding="utf-8"?>
+<p:sld xmlns:a="http://schemas.openxmlformats.org/drawingml/2006/main" xmlns:r="http://schemas.openxmlformats.org/officeDocument/2006/relationships" xmlns:p="http://schemas.openxmlformats.org/presentationml/2006/main">
   <p:cSld>
     <p:spTree>
       <p:nvGrpSpPr>
@@ -4226,7 +5055,7 @@
       </p:grpSpPr>
       <p:sp>
         <p:nvSpPr>
-          <p:cNvPr id="89" name="TextShape 1"/>
+          <p:cNvPr id="91" name="TextShape 1"/>
           <p:cNvSpPr txBox="1"/>
           <p:nvPr/>
         </p:nvSpPr>
@@ -4244,37 +5073,32 @@
           </a:ln>
         </p:spPr>
         <p:txBody>
-          <a:bodyPr lIns="0" rIns="0" tIns="0" bIns="0" anchor="ctr"/>
+          <a:bodyPr lIns="0" tIns="0" rIns="0" bIns="0" anchor="ctr"/>
+          <a:lstStyle/>
           <a:p>
             <a:pPr algn="ctr"/>
             <a:r>
-              <a:rPr b="0" lang="en-US" sz="4400" spc="-1" strike="noStrike">
-                <a:solidFill>
-                  <a:srgbClr val="ffffff"/>
-                </a:solidFill>
-                <a:latin typeface="Arial"/>
-              </a:rPr>
-              <a:t>Стандарты адреса email</a:t>
-            </a:r>
-            <a:endParaRPr b="0" lang="en-US" sz="4400" spc="-1" strike="noStrike">
-              <a:solidFill>
-                <a:srgbClr val="ffffff"/>
-              </a:solidFill>
-              <a:latin typeface="Arial"/>
-            </a:endParaRPr>
-          </a:p>
-        </p:txBody>
-      </p:sp>
-      <p:sp>
-        <p:nvSpPr>
-          <p:cNvPr id="90" name="TextShape 2"/>
+              <a:rPr lang="en-US" sz="4400" b="0" strike="noStrike" spc="-1">
+                <a:solidFill>
+                  <a:srgbClr val="FFFFFF"/>
+                </a:solidFill>
+                <a:latin typeface="Arial"/>
+              </a:rPr>
+              <a:t>Общие Допущения</a:t>
+            </a:r>
+          </a:p>
+        </p:txBody>
+      </p:sp>
+      <p:sp>
+        <p:nvSpPr>
+          <p:cNvPr id="92" name="TextShape 2"/>
           <p:cNvSpPr txBox="1"/>
           <p:nvPr/>
         </p:nvSpPr>
         <p:spPr>
           <a:xfrm>
-            <a:off x="504360" y="1554480"/>
-            <a:ext cx="9071640" cy="4636440"/>
+            <a:off x="504000" y="1005840"/>
+            <a:ext cx="9071640" cy="5147640"/>
           </a:xfrm>
           <a:prstGeom prst="rect">
             <a:avLst/>
@@ -4285,115 +5109,188 @@
           </a:ln>
         </p:spPr>
         <p:txBody>
-          <a:bodyPr lIns="0" rIns="0" tIns="0" bIns="0"/>
-          <a:p>
-            <a:pPr marL="432000" indent="-324000">
+          <a:bodyPr lIns="0" tIns="0" rIns="0" bIns="0"/>
+          <a:lstStyle/>
+          <a:p>
+            <a:pPr marL="864000" lvl="1" indent="-324000">
               <a:spcBef>
-                <a:spcPts val="1417"/>
+                <a:spcPts val="1134"/>
               </a:spcBef>
               <a:buClr>
                 <a:srgbClr val="000000"/>
               </a:buClr>
-              <a:buSzPct val="45000"/>
-              <a:buFont typeface="Wingdings" charset="2"/>
-              <a:buChar char=""/>
+              <a:buSzPct val="75000"/>
+              <a:buFont typeface="Symbol" charset="2"/>
+              <a:buChar char=""/>
             </a:pPr>
             <a:r>
-              <a:rPr b="0" lang="en-US" sz="3200" spc="-1" strike="noStrike">
-                <a:solidFill>
-                  <a:srgbClr val="0066cc"/>
-                </a:solidFill>
-                <a:latin typeface="Arial"/>
-              </a:rPr>
-              <a:t>Существует  некоторое множество стандартов формата адреса email, например  RFC 822,  RFC 5322</a:t>
-            </a:r>
-            <a:endParaRPr b="0" lang="en-US" sz="3200" spc="-1" strike="noStrike">
-              <a:solidFill>
-                <a:srgbClr val="0066cc"/>
-              </a:solidFill>
-              <a:latin typeface="Arial"/>
-            </a:endParaRPr>
-          </a:p>
-          <a:p>
-            <a:pPr marL="432000" indent="-324000">
+              <a:rPr lang="en-US" sz="2200" b="0" u="sng" strike="noStrike" spc="-1">
+                <a:solidFill>
+                  <a:srgbClr val="0066CC"/>
+                </a:solidFill>
+                <a:uFillTx/>
+                <a:latin typeface="Arial"/>
+              </a:rPr>
+              <a:t>Для списка</a:t>
+            </a:r>
+            <a:endParaRPr lang="en-US" sz="2200" b="0" strike="noStrike" spc="-1">
+              <a:solidFill>
+                <a:srgbClr val="0066CC"/>
+              </a:solidFill>
+              <a:latin typeface="Arial"/>
+            </a:endParaRPr>
+          </a:p>
+          <a:p>
+            <a:pPr marL="864000" lvl="1" indent="-324000">
               <a:spcBef>
-                <a:spcPts val="1417"/>
+                <a:spcPts val="1134"/>
               </a:spcBef>
               <a:buClr>
                 <a:srgbClr val="000000"/>
               </a:buClr>
-              <a:buSzPct val="45000"/>
-              <a:buFont typeface="Wingdings" charset="2"/>
-              <a:buChar char=""/>
+              <a:buSzPct val="75000"/>
+              <a:buFont typeface="Symbol" charset="2"/>
+              <a:buChar char=""/>
             </a:pPr>
             <a:r>
-              <a:rPr b="0" lang="en-US" sz="3200" spc="-1" strike="noStrike">
-                <a:solidFill>
-                  <a:srgbClr val="0066cc"/>
-                </a:solidFill>
-                <a:latin typeface="Arial"/>
-              </a:rPr>
-              <a:t>Существуют различные варианты реализации валидации каждого из стандартов</a:t>
-            </a:r>
-            <a:endParaRPr b="0" lang="en-US" sz="3200" spc="-1" strike="noStrike">
-              <a:solidFill>
-                <a:srgbClr val="0066cc"/>
-              </a:solidFill>
-              <a:latin typeface="Arial"/>
-            </a:endParaRPr>
-          </a:p>
-          <a:p>
-            <a:pPr marL="432000" indent="-324000">
+              <a:rPr lang="en-US" sz="2200" b="0" strike="noStrike" spc="-1">
+                <a:solidFill>
+                  <a:srgbClr val="0066CC"/>
+                </a:solidFill>
+                <a:latin typeface="Arial"/>
+              </a:rPr>
+              <a:t>Разделителем является знак точка с запятой. Допускаются пустые строки между разделителями (</a:t>
+            </a:r>
+            <a:r>
+              <a:rPr lang="en-US" sz="2200" b="0" strike="noStrike" spc="-1">
+                <a:solidFill>
+                  <a:srgbClr val="0066CC"/>
+                </a:solidFill>
+                <a:latin typeface="Arial"/>
+                <a:hlinkClick r:id="rId2"/>
+              </a:rPr>
+              <a:t>mm@mail.ru</a:t>
+            </a:r>
+            <a:r>
+              <a:rPr lang="en-US" sz="2200" b="0" strike="noStrike" spc="-1">
+                <a:solidFill>
+                  <a:srgbClr val="0066CC"/>
+                </a:solidFill>
+                <a:latin typeface="Arial"/>
+              </a:rPr>
+              <a:t>;;), однако пустого списка из разделителей быть не должно (;;)</a:t>
+            </a:r>
+          </a:p>
+          <a:p>
+            <a:pPr marL="864000" lvl="1" indent="-324000">
               <a:spcBef>
-                <a:spcPts val="1417"/>
+                <a:spcPts val="1134"/>
               </a:spcBef>
               <a:buClr>
                 <a:srgbClr val="000000"/>
               </a:buClr>
-              <a:buSzPct val="45000"/>
-              <a:buFont typeface="Wingdings" charset="2"/>
-              <a:buChar char=""/>
+              <a:buSzPct val="75000"/>
+              <a:buFont typeface="Symbol" charset="2"/>
+              <a:buChar char=""/>
             </a:pPr>
             <a:r>
-              <a:rPr b="0" lang="en-US" sz="3200" spc="-1" strike="noStrike">
-                <a:solidFill>
-                  <a:srgbClr val="0066cc"/>
-                </a:solidFill>
-                <a:latin typeface="Arial"/>
-              </a:rPr>
-              <a:t>Для примера, регулярнное выражение валидации стандарта </a:t>
-            </a:r>
-            <a:r>
-              <a:rPr b="0" lang="en-US" sz="3200" spc="-1" strike="noStrike">
-                <a:solidFill>
-                  <a:srgbClr val="0066cc"/>
-                </a:solidFill>
-                <a:latin typeface="Arial"/>
-              </a:rPr>
-              <a:t>RFC 5322 занимает около 80 строк</a:t>
-            </a:r>
-            <a:endParaRPr b="0" lang="en-US" sz="3200" spc="-1" strike="noStrike">
-              <a:solidFill>
-                <a:srgbClr val="0066cc"/>
-              </a:solidFill>
-              <a:latin typeface="Arial"/>
-            </a:endParaRPr>
-          </a:p>
-          <a:p>
-            <a:pPr marL="432000" indent="-324000">
+              <a:rPr lang="en-US" sz="2200" b="0" strike="noStrike" spc="-1">
+                <a:solidFill>
+                  <a:srgbClr val="0066CC"/>
+                </a:solidFill>
+                <a:latin typeface="Arial"/>
+              </a:rPr>
+              <a:t>Длина поля не привышает 1024 символа</a:t>
+            </a:r>
+          </a:p>
+          <a:p>
+            <a:pPr marL="864000" lvl="1" indent="-324000">
               <a:spcBef>
-                <a:spcPts val="1417"/>
+                <a:spcPts val="1134"/>
               </a:spcBef>
               <a:buClr>
                 <a:srgbClr val="000000"/>
               </a:buClr>
-              <a:buSzPct val="45000"/>
-              <a:buFont typeface="Wingdings" charset="2"/>
-              <a:buChar char=""/>
+              <a:buSzPct val="75000"/>
+              <a:buFont typeface="Symbol" charset="2"/>
+              <a:buChar char=""/>
             </a:pPr>
-            <a:endParaRPr b="0" lang="en-US" sz="3200" spc="-1" strike="noStrike">
-              <a:solidFill>
-                <a:srgbClr val="0066cc"/>
+            <a:r>
+              <a:rPr lang="en-US" sz="2200" b="0" u="sng" strike="noStrike" spc="-1">
+                <a:solidFill>
+                  <a:srgbClr val="0066CC"/>
+                </a:solidFill>
+                <a:uFillTx/>
+                <a:latin typeface="Arial"/>
+              </a:rPr>
+              <a:t>Для адреса</a:t>
+            </a:r>
+            <a:endParaRPr lang="en-US" sz="2200" b="0" strike="noStrike" spc="-1">
+              <a:solidFill>
+                <a:srgbClr val="0066CC"/>
+              </a:solidFill>
+              <a:latin typeface="Arial"/>
+            </a:endParaRPr>
+          </a:p>
+          <a:p>
+            <a:pPr marL="864000" lvl="1" indent="-324000">
+              <a:spcBef>
+                <a:spcPts val="1134"/>
+              </a:spcBef>
+              <a:buClr>
+                <a:srgbClr val="000000"/>
+              </a:buClr>
+              <a:buSzPct val="75000"/>
+              <a:buFont typeface="Symbol" charset="2"/>
+              <a:buChar char=""/>
+            </a:pPr>
+            <a:r>
+              <a:rPr lang="en-US" sz="2200" b="0" strike="noStrike" spc="-1">
+                <a:solidFill>
+                  <a:srgbClr val="0066CC"/>
+                </a:solidFill>
+                <a:latin typeface="Arial"/>
+              </a:rPr>
+              <a:t>Создание своего валидатора на полное соответствие стандартам RFC является нетривиальной задачей и вообще говоря, некоторые правила стандартов не используются на практике, например комментарии в адресе</a:t>
+            </a:r>
+          </a:p>
+          <a:p>
+            <a:pPr marL="864000" lvl="1" indent="-324000">
+              <a:spcBef>
+                <a:spcPts val="1134"/>
+              </a:spcBef>
+              <a:buClr>
+                <a:srgbClr val="000000"/>
+              </a:buClr>
+              <a:buSzPct val="75000"/>
+              <a:buFont typeface="Symbol" charset="2"/>
+              <a:buChar char=""/>
+            </a:pPr>
+            <a:r>
+              <a:rPr lang="en-US" sz="2200" b="0" strike="noStrike" spc="-1">
+                <a:solidFill>
+                  <a:srgbClr val="0066CC"/>
+                </a:solidFill>
+                <a:latin typeface="Arial"/>
+              </a:rPr>
+              <a:t>Поэтому для реализации достаточно ограничить правила общепринятыми стандартами, к которым были созданы тесты</a:t>
+            </a:r>
+          </a:p>
+          <a:p>
+            <a:pPr marL="864000" lvl="1" indent="-324000">
+              <a:spcBef>
+                <a:spcPts val="1134"/>
+              </a:spcBef>
+              <a:buClr>
+                <a:srgbClr val="000000"/>
+              </a:buClr>
+              <a:buSzPct val="75000"/>
+              <a:buFont typeface="Symbol" charset="2"/>
+              <a:buChar char=""/>
+            </a:pPr>
+            <a:endParaRPr lang="en-US" sz="2200" b="0" strike="noStrike" spc="-1">
+              <a:solidFill>
+                <a:srgbClr val="0066CC"/>
               </a:solidFill>
               <a:latin typeface="Arial"/>
             </a:endParaRPr>
@@ -4402,11 +5299,14 @@
       </p:sp>
     </p:spTree>
   </p:cSld>
+  <p:clrMapOvr>
+    <a:masterClrMapping/>
+  </p:clrMapOvr>
 </p:sld>
 </file>
 
-<file path=ppt/slides/slide4.xml><?xml version="1.0" encoding="utf-8"?>
-<p:sld xmlns:a="http://schemas.openxmlformats.org/drawingml/2006/main" xmlns:p="http://schemas.openxmlformats.org/presentationml/2006/main" xmlns:r="http://schemas.openxmlformats.org/officeDocument/2006/relationships" xmlns:p14="http://schemas.microsoft.com/office/powerpoint/2010/main" xmlns:p15="http://schemas.microsoft.com/office/powerpoint/2012/main" xmlns:mc="http://schemas.openxmlformats.org/markup-compatibility/2006">
+<file path=ppt/slides/slide5.xml><?xml version="1.0" encoding="utf-8"?>
+<p:sld xmlns:a="http://schemas.openxmlformats.org/drawingml/2006/main" xmlns:r="http://schemas.openxmlformats.org/officeDocument/2006/relationships" xmlns:p="http://schemas.openxmlformats.org/presentationml/2006/main">
   <p:cSld>
     <p:spTree>
       <p:nvGrpSpPr>
@@ -4424,7 +5324,7 @@
       </p:grpSpPr>
       <p:sp>
         <p:nvSpPr>
-          <p:cNvPr id="91" name="TextShape 1"/>
+          <p:cNvPr id="93" name="TextShape 1"/>
           <p:cNvSpPr txBox="1"/>
           <p:nvPr/>
         </p:nvSpPr>
@@ -4442,37 +5342,32 @@
           </a:ln>
         </p:spPr>
         <p:txBody>
-          <a:bodyPr lIns="0" rIns="0" tIns="0" bIns="0" anchor="ctr"/>
+          <a:bodyPr lIns="0" tIns="0" rIns="0" bIns="0" anchor="ctr"/>
+          <a:lstStyle/>
           <a:p>
             <a:pPr algn="ctr"/>
             <a:r>
-              <a:rPr b="0" lang="en-US" sz="4400" spc="-1" strike="noStrike">
-                <a:solidFill>
-                  <a:srgbClr val="ffffff"/>
-                </a:solidFill>
-                <a:latin typeface="Arial"/>
-              </a:rPr>
-              <a:t>Общие Допущения</a:t>
-            </a:r>
-            <a:endParaRPr b="0" lang="en-US" sz="4400" spc="-1" strike="noStrike">
-              <a:solidFill>
-                <a:srgbClr val="ffffff"/>
-              </a:solidFill>
-              <a:latin typeface="Arial"/>
-            </a:endParaRPr>
-          </a:p>
-        </p:txBody>
-      </p:sp>
-      <p:sp>
-        <p:nvSpPr>
-          <p:cNvPr id="92" name="TextShape 2"/>
+              <a:rPr lang="en-US" sz="4400" b="0" strike="noStrike" spc="-1">
+                <a:solidFill>
+                  <a:srgbClr val="FFFFFF"/>
+                </a:solidFill>
+                <a:latin typeface="Arial"/>
+              </a:rPr>
+              <a:t>Правила валидации адреса</a:t>
+            </a:r>
+          </a:p>
+        </p:txBody>
+      </p:sp>
+      <p:sp>
+        <p:nvSpPr>
+          <p:cNvPr id="94" name="TextShape 2"/>
           <p:cNvSpPr txBox="1"/>
           <p:nvPr/>
         </p:nvSpPr>
         <p:spPr>
           <a:xfrm>
-            <a:off x="504000" y="1005840"/>
-            <a:ext cx="9071640" cy="5147640"/>
+            <a:off x="504000" y="1769040"/>
+            <a:ext cx="9071640" cy="4384440"/>
           </a:xfrm>
           <a:prstGeom prst="rect">
             <a:avLst/>
@@ -4483,224 +5378,123 @@
           </a:ln>
         </p:spPr>
         <p:txBody>
-          <a:bodyPr lIns="0" rIns="0" tIns="0" bIns="0"/>
-          <a:p>
-            <a:pPr lvl="1" marL="864000" indent="-324000">
+          <a:bodyPr lIns="0" tIns="0" rIns="0" bIns="0"/>
+          <a:lstStyle/>
+          <a:p>
+            <a:pPr marL="432000" indent="-324000">
               <a:spcBef>
-                <a:spcPts val="1134"/>
+                <a:spcPts val="1417"/>
               </a:spcBef>
               <a:buClr>
                 <a:srgbClr val="000000"/>
               </a:buClr>
-              <a:buSzPct val="75000"/>
-              <a:buFont typeface="Symbol" charset="2"/>
-              <a:buChar char=""/>
+              <a:buSzPct val="45000"/>
+              <a:buFont typeface="Wingdings" charset="2"/>
+              <a:buChar char=""/>
             </a:pPr>
             <a:r>
-              <a:rPr b="0" lang="en-US" sz="2200" spc="-1" strike="noStrike" u="sng">
-                <a:solidFill>
-                  <a:srgbClr val="0066cc"/>
-                </a:solidFill>
-                <a:uFillTx/>
-                <a:latin typeface="Arial"/>
-              </a:rPr>
-              <a:t>Для списка</a:t>
-            </a:r>
-            <a:endParaRPr b="0" lang="en-US" sz="2200" spc="-1" strike="noStrike">
-              <a:solidFill>
-                <a:srgbClr val="0066cc"/>
-              </a:solidFill>
-              <a:latin typeface="Arial"/>
-            </a:endParaRPr>
-          </a:p>
-          <a:p>
-            <a:pPr lvl="1" marL="864000" indent="-324000">
+              <a:rPr lang="en-US" sz="2800" b="0" i="1" strike="noStrike" spc="-1">
+                <a:solidFill>
+                  <a:srgbClr val="0066CC"/>
+                </a:solidFill>
+                <a:latin typeface="Arial"/>
+              </a:rPr>
+              <a:t>&lt;локальная часть&gt;@&lt;доменная часть&gt;</a:t>
+            </a:r>
+            <a:endParaRPr lang="en-US" sz="2800" b="0" strike="noStrike" spc="-1">
+              <a:solidFill>
+                <a:srgbClr val="0066CC"/>
+              </a:solidFill>
+              <a:latin typeface="Arial"/>
+            </a:endParaRPr>
+          </a:p>
+          <a:p>
+            <a:pPr marL="432000" indent="-324000">
               <a:spcBef>
-                <a:spcPts val="1134"/>
+                <a:spcPts val="1417"/>
               </a:spcBef>
               <a:buClr>
                 <a:srgbClr val="000000"/>
               </a:buClr>
-              <a:buSzPct val="75000"/>
-              <a:buFont typeface="Symbol" charset="2"/>
-              <a:buChar char=""/>
+              <a:buSzPct val="45000"/>
+              <a:buFont typeface="Wingdings" charset="2"/>
+              <a:buChar char=""/>
             </a:pPr>
             <a:r>
-              <a:rPr b="0" lang="en-US" sz="2200" spc="-1" strike="noStrike">
-                <a:solidFill>
-                  <a:srgbClr val="0066cc"/>
-                </a:solidFill>
-                <a:latin typeface="Arial"/>
-              </a:rPr>
-              <a:t>Разделителем является знак точка с запятой. Допускаются пустые строки между разделителями (</a:t>
-            </a:r>
-            <a:r>
-              <a:rPr b="0" lang="en-US" sz="2200" spc="-1" strike="noStrike">
-                <a:solidFill>
-                  <a:srgbClr val="0066cc"/>
-                </a:solidFill>
-                <a:latin typeface="Arial"/>
-                <a:hlinkClick r:id="rId1"/>
-              </a:rPr>
-              <a:t>mm@mail.ru</a:t>
-            </a:r>
-            <a:r>
-              <a:rPr b="0" lang="en-US" sz="2200" spc="-1" strike="noStrike">
-                <a:solidFill>
-                  <a:srgbClr val="0066cc"/>
-                </a:solidFill>
-                <a:latin typeface="Arial"/>
-              </a:rPr>
-              <a:t>;;), однако пустого списка из разделителей быть не должно (;;)</a:t>
-            </a:r>
-            <a:endParaRPr b="0" lang="en-US" sz="2200" spc="-1" strike="noStrike">
-              <a:solidFill>
-                <a:srgbClr val="0066cc"/>
-              </a:solidFill>
-              <a:latin typeface="Arial"/>
-            </a:endParaRPr>
-          </a:p>
-          <a:p>
-            <a:pPr lvl="1" marL="864000" indent="-324000">
+              <a:rPr lang="en-US" sz="2800" b="0" strike="noStrike" spc="-1">
+                <a:solidFill>
+                  <a:srgbClr val="0066CC"/>
+                </a:solidFill>
+                <a:latin typeface="Arial"/>
+              </a:rPr>
+              <a:t>В локальной части допускаются все латинские буквы и цифры, а также спец символы -_.</a:t>
+            </a:r>
+          </a:p>
+          <a:p>
+            <a:pPr marL="432000" indent="-324000">
               <a:spcBef>
-                <a:spcPts val="1134"/>
+                <a:spcPts val="1417"/>
               </a:spcBef>
               <a:buClr>
                 <a:srgbClr val="000000"/>
               </a:buClr>
-              <a:buSzPct val="75000"/>
-              <a:buFont typeface="Symbol" charset="2"/>
-              <a:buChar char=""/>
+              <a:buSzPct val="45000"/>
+              <a:buFont typeface="Wingdings" charset="2"/>
+              <a:buChar char=""/>
             </a:pPr>
             <a:r>
-              <a:rPr b="0" lang="en-US" sz="2200" spc="-1" strike="noStrike">
-                <a:solidFill>
-                  <a:srgbClr val="0066cc"/>
-                </a:solidFill>
-                <a:latin typeface="Arial"/>
-              </a:rPr>
-              <a:t>Длина поля не привышает 1024 символа</a:t>
-            </a:r>
-            <a:endParaRPr b="0" lang="en-US" sz="2200" spc="-1" strike="noStrike">
-              <a:solidFill>
-                <a:srgbClr val="0066cc"/>
-              </a:solidFill>
-              <a:latin typeface="Arial"/>
-            </a:endParaRPr>
-          </a:p>
-          <a:p>
-            <a:pPr lvl="1" marL="864000" indent="-324000">
+              <a:rPr lang="en-US" sz="2800" b="0" i="1" strike="noStrike" spc="-1">
+                <a:solidFill>
+                  <a:srgbClr val="0066CC"/>
+                </a:solidFill>
+                <a:latin typeface="Arial"/>
+              </a:rPr>
+              <a:t>В доменной части </a:t>
+            </a:r>
+            <a:r>
+              <a:rPr lang="en-US" sz="2800" b="0" strike="noStrike" spc="-1">
+                <a:solidFill>
+                  <a:srgbClr val="0066CC"/>
+                </a:solidFill>
+                <a:latin typeface="Arial"/>
+              </a:rPr>
+              <a:t>допускаются все латинские буквы и цифры, а также спец символы -_.</a:t>
+            </a:r>
+          </a:p>
+          <a:p>
+            <a:pPr marL="432000" indent="-324000">
               <a:spcBef>
-                <a:spcPts val="1134"/>
+                <a:spcPts val="1417"/>
               </a:spcBef>
               <a:buClr>
                 <a:srgbClr val="000000"/>
               </a:buClr>
-              <a:buSzPct val="75000"/>
-              <a:buFont typeface="Symbol" charset="2"/>
-              <a:buChar char=""/>
+              <a:buSzPct val="45000"/>
+              <a:buFont typeface="Wingdings" charset="2"/>
+              <a:buChar char=""/>
             </a:pPr>
             <a:r>
-              <a:rPr b="0" lang="en-US" sz="2200" spc="-1" strike="noStrike" u="sng">
-                <a:solidFill>
-                  <a:srgbClr val="0066cc"/>
-                </a:solidFill>
-                <a:uFillTx/>
-                <a:latin typeface="Arial"/>
-              </a:rPr>
-              <a:t>Для адреса</a:t>
-            </a:r>
-            <a:endParaRPr b="0" lang="en-US" sz="2200" spc="-1" strike="noStrike">
-              <a:solidFill>
-                <a:srgbClr val="0066cc"/>
-              </a:solidFill>
-              <a:latin typeface="Arial"/>
-            </a:endParaRPr>
-          </a:p>
-          <a:p>
-            <a:pPr lvl="1" marL="864000" indent="-324000">
-              <a:spcBef>
-                <a:spcPts val="1134"/>
-              </a:spcBef>
-              <a:buClr>
-                <a:srgbClr val="000000"/>
-              </a:buClr>
-              <a:buSzPct val="75000"/>
-              <a:buFont typeface="Symbol" charset="2"/>
-              <a:buChar char=""/>
-            </a:pPr>
-            <a:r>
-              <a:rPr b="0" lang="en-US" sz="2200" spc="-1" strike="noStrike">
-                <a:solidFill>
-                  <a:srgbClr val="0066cc"/>
-                </a:solidFill>
-                <a:latin typeface="Arial"/>
-              </a:rPr>
-              <a:t>Создание своего валидатора на полное соответствие стандартам RFC является нетривиальной задачей и вообще говоря, некоторые правила стандартов не используются на практике, например комментарии в адресе</a:t>
-            </a:r>
-            <a:endParaRPr b="0" lang="en-US" sz="2200" spc="-1" strike="noStrike">
-              <a:solidFill>
-                <a:srgbClr val="0066cc"/>
-              </a:solidFill>
-              <a:latin typeface="Arial"/>
-            </a:endParaRPr>
-          </a:p>
-          <a:p>
-            <a:pPr lvl="1" marL="864000" indent="-324000">
-              <a:spcBef>
-                <a:spcPts val="1134"/>
-              </a:spcBef>
-              <a:buClr>
-                <a:srgbClr val="000000"/>
-              </a:buClr>
-              <a:buSzPct val="75000"/>
-              <a:buFont typeface="Symbol" charset="2"/>
-              <a:buChar char=""/>
-            </a:pPr>
-            <a:r>
-              <a:rPr b="0" lang="en-US" sz="2200" spc="-1" strike="noStrike">
-                <a:solidFill>
-                  <a:srgbClr val="0066cc"/>
-                </a:solidFill>
-                <a:latin typeface="Arial"/>
-              </a:rPr>
-              <a:t>Поэтому для реализации достаточно ограничить правила общепринятыми стандартами, к которым были созданы тесты</a:t>
-            </a:r>
-            <a:endParaRPr b="0" lang="en-US" sz="2200" spc="-1" strike="noStrike">
-              <a:solidFill>
-                <a:srgbClr val="0066cc"/>
-              </a:solidFill>
-              <a:latin typeface="Arial"/>
-            </a:endParaRPr>
-          </a:p>
-          <a:p>
-            <a:pPr lvl="1" marL="864000" indent="-324000">
-              <a:spcBef>
-                <a:spcPts val="1134"/>
-              </a:spcBef>
-              <a:buClr>
-                <a:srgbClr val="000000"/>
-              </a:buClr>
-              <a:buSzPct val="75000"/>
-              <a:buFont typeface="Symbol" charset="2"/>
-              <a:buChar char=""/>
-            </a:pPr>
-            <a:endParaRPr b="0" lang="en-US" sz="2200" spc="-1" strike="noStrike">
-              <a:solidFill>
-                <a:srgbClr val="0066cc"/>
-              </a:solidFill>
-              <a:latin typeface="Arial"/>
-            </a:endParaRPr>
+              <a:rPr lang="en-US" sz="2800" b="0" strike="noStrike" spc="-1">
+                <a:solidFill>
+                  <a:srgbClr val="0066CC"/>
+                </a:solidFill>
+                <a:latin typeface="Arial"/>
+              </a:rPr>
+              <a:t>Длина последнего домена после точки должна быть от двух символов и содержать только буквы</a:t>
+            </a:r>
           </a:p>
         </p:txBody>
       </p:sp>
     </p:spTree>
   </p:cSld>
+  <p:clrMapOvr>
+    <a:masterClrMapping/>
+  </p:clrMapOvr>
 </p:sld>
 </file>
 
-<file path=ppt/slides/slide5.xml><?xml version="1.0" encoding="utf-8"?>
-<p:sld xmlns:a="http://schemas.openxmlformats.org/drawingml/2006/main" xmlns:p="http://schemas.openxmlformats.org/presentationml/2006/main" xmlns:r="http://schemas.openxmlformats.org/officeDocument/2006/relationships" xmlns:p14="http://schemas.microsoft.com/office/powerpoint/2010/main" xmlns:p15="http://schemas.microsoft.com/office/powerpoint/2012/main" xmlns:mc="http://schemas.openxmlformats.org/markup-compatibility/2006">
+<file path=ppt/slides/slide6.xml><?xml version="1.0" encoding="utf-8"?>
+<p:sld xmlns:a="http://schemas.openxmlformats.org/drawingml/2006/main" xmlns:r="http://schemas.openxmlformats.org/officeDocument/2006/relationships" xmlns:p="http://schemas.openxmlformats.org/presentationml/2006/main">
   <p:cSld>
     <p:spTree>
       <p:nvGrpSpPr>
@@ -4718,7 +5512,7 @@
       </p:grpSpPr>
       <p:sp>
         <p:nvSpPr>
-          <p:cNvPr id="93" name="TextShape 1"/>
+          <p:cNvPr id="95" name="TextShape 1"/>
           <p:cNvSpPr txBox="1"/>
           <p:nvPr/>
         </p:nvSpPr>
@@ -4736,30 +5530,25 @@
           </a:ln>
         </p:spPr>
         <p:txBody>
-          <a:bodyPr lIns="0" rIns="0" tIns="0" bIns="0" anchor="ctr"/>
+          <a:bodyPr lIns="0" tIns="0" rIns="0" bIns="0" anchor="ctr"/>
+          <a:lstStyle/>
           <a:p>
             <a:pPr algn="ctr"/>
             <a:r>
-              <a:rPr b="0" lang="en-US" sz="4400" spc="-1" strike="noStrike">
-                <a:solidFill>
-                  <a:srgbClr val="ffffff"/>
-                </a:solidFill>
-                <a:latin typeface="Arial"/>
-              </a:rPr>
-              <a:t>Правила валидации адреса</a:t>
-            </a:r>
-            <a:endParaRPr b="0" lang="en-US" sz="4400" spc="-1" strike="noStrike">
-              <a:solidFill>
-                <a:srgbClr val="ffffff"/>
-              </a:solidFill>
-              <a:latin typeface="Arial"/>
-            </a:endParaRPr>
-          </a:p>
-        </p:txBody>
-      </p:sp>
-      <p:sp>
-        <p:nvSpPr>
-          <p:cNvPr id="94" name="TextShape 2"/>
+              <a:rPr lang="en-US" sz="4400" b="0" strike="noStrike" spc="-1">
+                <a:solidFill>
+                  <a:srgbClr val="FFFFFF"/>
+                </a:solidFill>
+                <a:latin typeface="Arial"/>
+              </a:rPr>
+              <a:t>Реализация</a:t>
+            </a:r>
+          </a:p>
+        </p:txBody>
+      </p:sp>
+      <p:sp>
+        <p:nvSpPr>
+          <p:cNvPr id="96" name="TextShape 2"/>
           <p:cNvSpPr txBox="1"/>
           <p:nvPr/>
         </p:nvSpPr>
@@ -4777,7 +5566,8 @@
           </a:ln>
         </p:spPr>
         <p:txBody>
-          <a:bodyPr lIns="0" rIns="0" tIns="0" bIns="0"/>
+          <a:bodyPr lIns="0" tIns="0" rIns="0" bIns="0"/>
+          <a:lstStyle/>
           <a:p>
             <a:pPr marL="432000" indent="-324000">
               <a:spcBef>
@@ -4791,20 +5581,95 @@
               <a:buChar char=""/>
             </a:pPr>
             <a:r>
-              <a:rPr b="0" i="1" lang="en-US" sz="2800" spc="-1" strike="noStrike">
-                <a:solidFill>
-                  <a:srgbClr val="0066cc"/>
-                </a:solidFill>
-                <a:latin typeface="Arial"/>
-              </a:rPr>
-              <a:t>&lt;локальная часть&gt;@&lt;доменная часть&gt;</a:t>
-            </a:r>
-            <a:endParaRPr b="0" lang="en-US" sz="2800" spc="-1" strike="noStrike">
-              <a:solidFill>
-                <a:srgbClr val="0066cc"/>
-              </a:solidFill>
-              <a:latin typeface="Arial"/>
-            </a:endParaRPr>
+              <a:rPr lang="en-US" sz="3200" b="0" strike="noStrike" spc="-1" dirty="0" err="1">
+                <a:solidFill>
+                  <a:srgbClr val="0066CC"/>
+                </a:solidFill>
+                <a:latin typeface="Arial"/>
+              </a:rPr>
+              <a:t>Первый</a:t>
+            </a:r>
+            <a:r>
+              <a:rPr lang="en-US" sz="3200" b="0" strike="noStrike" spc="-1" dirty="0">
+                <a:solidFill>
+                  <a:srgbClr val="0066CC"/>
+                </a:solidFill>
+                <a:latin typeface="Arial"/>
+              </a:rPr>
+              <a:t> </a:t>
+            </a:r>
+            <a:r>
+              <a:rPr lang="en-US" sz="3200" b="0" strike="noStrike" spc="-1" dirty="0" err="1">
+                <a:solidFill>
+                  <a:srgbClr val="0066CC"/>
+                </a:solidFill>
+                <a:latin typeface="Arial"/>
+              </a:rPr>
+              <a:t>вариант</a:t>
+            </a:r>
+            <a:r>
+              <a:rPr lang="en-US" sz="3200" b="0" strike="noStrike" spc="-1" dirty="0">
+                <a:solidFill>
+                  <a:srgbClr val="0066CC"/>
+                </a:solidFill>
+                <a:latin typeface="Arial"/>
+              </a:rPr>
+              <a:t> </a:t>
+            </a:r>
+            <a:r>
+              <a:rPr lang="en-US" sz="3200" b="0" strike="noStrike" spc="-1" dirty="0" err="1">
+                <a:solidFill>
+                  <a:srgbClr val="0066CC"/>
+                </a:solidFill>
+                <a:latin typeface="Arial"/>
+              </a:rPr>
+              <a:t>реализован</a:t>
+            </a:r>
+            <a:r>
+              <a:rPr lang="en-US" sz="3200" b="0" strike="noStrike" spc="-1" dirty="0">
+                <a:solidFill>
+                  <a:srgbClr val="0066CC"/>
+                </a:solidFill>
+                <a:latin typeface="Arial"/>
+              </a:rPr>
+              <a:t> </a:t>
+            </a:r>
+            <a:r>
+              <a:rPr lang="en-US" sz="3200" b="0" strike="noStrike" spc="-1" dirty="0" err="1">
+                <a:solidFill>
+                  <a:srgbClr val="0066CC"/>
+                </a:solidFill>
+                <a:latin typeface="Arial"/>
+              </a:rPr>
+              <a:t>на</a:t>
+            </a:r>
+            <a:r>
+              <a:rPr lang="en-US" sz="3200" b="0" strike="noStrike" spc="-1" dirty="0">
+                <a:solidFill>
+                  <a:srgbClr val="0066CC"/>
+                </a:solidFill>
+                <a:latin typeface="Arial"/>
+              </a:rPr>
+              <a:t> </a:t>
+            </a:r>
+            <a:r>
+              <a:rPr lang="en-US" sz="3200" b="0" strike="noStrike" spc="-1" dirty="0" err="1">
+                <a:solidFill>
+                  <a:srgbClr val="0066CC"/>
+                </a:solidFill>
+                <a:latin typeface="Arial"/>
+              </a:rPr>
+              <a:t>языке</a:t>
+            </a:r>
+            <a:r>
+              <a:rPr lang="en-US" sz="3200" b="0" strike="noStrike" spc="-1" dirty="0">
+                <a:solidFill>
+                  <a:srgbClr val="0066CC"/>
+                </a:solidFill>
+                <a:latin typeface="Arial"/>
+              </a:rPr>
+              <a:t> java</a:t>
+            </a:r>
           </a:p>
           <a:p>
             <a:pPr marL="432000" indent="-324000">
@@ -4819,95 +5684,160 @@
               <a:buChar char=""/>
             </a:pPr>
             <a:r>
-              <a:rPr b="0" lang="en-US" sz="2800" spc="-1" strike="noStrike">
-                <a:solidFill>
-                  <a:srgbClr val="0066cc"/>
-                </a:solidFill>
-                <a:latin typeface="Arial"/>
-              </a:rPr>
-              <a:t>В локальной части допускаются все латинские буквы и цифры, а также спец символы -_.</a:t>
-            </a:r>
-            <a:endParaRPr b="0" lang="en-US" sz="2800" spc="-1" strike="noStrike">
-              <a:solidFill>
-                <a:srgbClr val="0066cc"/>
-              </a:solidFill>
-              <a:latin typeface="Arial"/>
-            </a:endParaRPr>
-          </a:p>
-          <a:p>
-            <a:pPr marL="432000" indent="-324000">
-              <a:spcBef>
-                <a:spcPts val="1417"/>
-              </a:spcBef>
-              <a:buClr>
-                <a:srgbClr val="000000"/>
-              </a:buClr>
-              <a:buSzPct val="45000"/>
-              <a:buFont typeface="Wingdings" charset="2"/>
-              <a:buChar char=""/>
-            </a:pPr>
-            <a:r>
-              <a:rPr b="0" i="1" lang="en-US" sz="2800" spc="-1" strike="noStrike">
-                <a:solidFill>
-                  <a:srgbClr val="0066cc"/>
-                </a:solidFill>
-                <a:latin typeface="Arial"/>
-              </a:rPr>
-              <a:t>В доменной части </a:t>
-            </a:r>
-            <a:r>
-              <a:rPr b="0" lang="en-US" sz="2800" spc="-1" strike="noStrike">
-                <a:solidFill>
-                  <a:srgbClr val="0066cc"/>
-                </a:solidFill>
-                <a:latin typeface="Arial"/>
-              </a:rPr>
-              <a:t>допускаются все латинские буквы и цифры, а также спец символы -_.</a:t>
-            </a:r>
-            <a:endParaRPr b="0" lang="en-US" sz="2800" spc="-1" strike="noStrike">
-              <a:solidFill>
-                <a:srgbClr val="0066cc"/>
-              </a:solidFill>
-              <a:latin typeface="Arial"/>
-            </a:endParaRPr>
-          </a:p>
-          <a:p>
-            <a:pPr marL="432000" indent="-324000">
-              <a:spcBef>
-                <a:spcPts val="1417"/>
-              </a:spcBef>
-              <a:buClr>
-                <a:srgbClr val="000000"/>
-              </a:buClr>
-              <a:buSzPct val="45000"/>
-              <a:buFont typeface="Wingdings" charset="2"/>
-              <a:buChar char=""/>
-            </a:pPr>
-            <a:r>
-              <a:rPr b="0" lang="en-US" sz="2800" spc="-1" strike="noStrike">
-                <a:solidFill>
-                  <a:srgbClr val="0066cc"/>
-                </a:solidFill>
-                <a:latin typeface="Arial"/>
-              </a:rPr>
-              <a:t>Длина последнего домена после точки должна быть от двух символов и содержать только буквы</a:t>
-            </a:r>
-            <a:endParaRPr b="0" lang="en-US" sz="2800" spc="-1" strike="noStrike">
-              <a:solidFill>
-                <a:srgbClr val="0066cc"/>
-              </a:solidFill>
-              <a:latin typeface="Arial"/>
-            </a:endParaRPr>
-          </a:p>
-        </p:txBody>
-      </p:sp>
+              <a:rPr lang="en-US" sz="3200" b="0" strike="noStrike" spc="-1" dirty="0" err="1">
+                <a:solidFill>
+                  <a:srgbClr val="0066CC"/>
+                </a:solidFill>
+                <a:latin typeface="Arial"/>
+              </a:rPr>
+              <a:t>Второй</a:t>
+            </a:r>
+            <a:r>
+              <a:rPr lang="en-US" sz="3200" b="0" strike="noStrike" spc="-1" dirty="0">
+                <a:solidFill>
+                  <a:srgbClr val="0066CC"/>
+                </a:solidFill>
+                <a:latin typeface="Arial"/>
+              </a:rPr>
+              <a:t> </a:t>
+            </a:r>
+            <a:r>
+              <a:rPr lang="en-US" sz="3200" b="0" strike="noStrike" spc="-1" dirty="0" err="1">
+                <a:solidFill>
+                  <a:srgbClr val="0066CC"/>
+                </a:solidFill>
+                <a:latin typeface="Arial"/>
+              </a:rPr>
+              <a:t>вариант</a:t>
+            </a:r>
+            <a:r>
+              <a:rPr lang="en-US" sz="3200" b="0" strike="noStrike" spc="-1" dirty="0">
+                <a:solidFill>
+                  <a:srgbClr val="0066CC"/>
+                </a:solidFill>
+                <a:latin typeface="Arial"/>
+              </a:rPr>
+              <a:t> </a:t>
+            </a:r>
+            <a:r>
+              <a:rPr lang="ru-RU" sz="3200" spc="-1" smtClean="0">
+                <a:solidFill>
+                  <a:srgbClr val="0066CC"/>
+                </a:solidFill>
+                <a:latin typeface="Arial"/>
+              </a:rPr>
+              <a:t>реализован </a:t>
+            </a:r>
+            <a:r>
+              <a:rPr lang="en-US" sz="3200" b="0" strike="noStrike" spc="-1" smtClean="0">
+                <a:solidFill>
+                  <a:srgbClr val="0066CC"/>
+                </a:solidFill>
+                <a:latin typeface="Arial"/>
+              </a:rPr>
+              <a:t>на</a:t>
+            </a:r>
+            <a:r>
+              <a:rPr lang="en-US" sz="3200" b="0" strike="noStrike" spc="-1" dirty="0" smtClean="0">
+                <a:solidFill>
+                  <a:srgbClr val="0066CC"/>
+                </a:solidFill>
+                <a:latin typeface="Arial"/>
+              </a:rPr>
+              <a:t> </a:t>
+            </a:r>
+            <a:r>
+              <a:rPr lang="en-US" sz="3200" b="0" strike="noStrike" spc="-1" dirty="0" err="1">
+                <a:solidFill>
+                  <a:srgbClr val="0066CC"/>
+                </a:solidFill>
+                <a:latin typeface="Arial"/>
+              </a:rPr>
+              <a:t>языке</a:t>
+            </a:r>
+            <a:r>
+              <a:rPr lang="en-US" sz="3200" b="0" strike="noStrike" spc="-1" dirty="0">
+                <a:solidFill>
+                  <a:srgbClr val="0066CC"/>
+                </a:solidFill>
+                <a:latin typeface="Arial"/>
+              </a:rPr>
+              <a:t> </a:t>
+            </a:r>
+            <a:r>
+              <a:rPr lang="en-US" sz="3200" b="0" strike="noStrike" spc="-1" dirty="0" err="1" smtClean="0">
+                <a:solidFill>
+                  <a:srgbClr val="0066CC"/>
+                </a:solidFill>
+                <a:latin typeface="Arial"/>
+              </a:rPr>
+              <a:t>plsql</a:t>
+            </a:r>
+            <a:endParaRPr lang="en-US" sz="3200" b="0" strike="noStrike" spc="-1" dirty="0">
+              <a:solidFill>
+                <a:srgbClr val="0066CC"/>
+              </a:solidFill>
+              <a:latin typeface="Arial"/>
+            </a:endParaRPr>
+          </a:p>
+        </p:txBody>
+      </p:sp>
+      <p:pic>
+        <p:nvPicPr>
+          <p:cNvPr id="97" name="Picture 96"/>
+          <p:cNvPicPr/>
+          <p:nvPr/>
+        </p:nvPicPr>
+        <p:blipFill>
+          <a:blip r:embed="rId2"/>
+          <a:stretch/>
+        </p:blipFill>
+        <p:spPr>
+          <a:xfrm>
+            <a:off x="2103120" y="3657600"/>
+            <a:ext cx="1737360" cy="1737360"/>
+          </a:xfrm>
+          <a:prstGeom prst="rect">
+            <a:avLst/>
+          </a:prstGeom>
+          <a:ln>
+            <a:noFill/>
+          </a:ln>
+        </p:spPr>
+      </p:pic>
+      <p:pic>
+        <p:nvPicPr>
+          <p:cNvPr id="98" name="Picture 97"/>
+          <p:cNvPicPr/>
+          <p:nvPr/>
+        </p:nvPicPr>
+        <p:blipFill>
+          <a:blip r:embed="rId3"/>
+          <a:stretch/>
+        </p:blipFill>
+        <p:spPr>
+          <a:xfrm>
+            <a:off x="4754880" y="3474720"/>
+            <a:ext cx="2103120" cy="2103120"/>
+          </a:xfrm>
+          <a:prstGeom prst="rect">
+            <a:avLst/>
+          </a:prstGeom>
+          <a:ln>
+            <a:noFill/>
+          </a:ln>
+        </p:spPr>
+      </p:pic>
     </p:spTree>
   </p:cSld>
+  <p:clrMapOvr>
+    <a:masterClrMapping/>
+  </p:clrMapOvr>
 </p:sld>
 </file>
 
-<file path=ppt/slides/slide6.xml><?xml version="1.0" encoding="utf-8"?>
-<p:sld xmlns:a="http://schemas.openxmlformats.org/drawingml/2006/main" xmlns:p="http://schemas.openxmlformats.org/presentationml/2006/main" xmlns:r="http://schemas.openxmlformats.org/officeDocument/2006/relationships" xmlns:p14="http://schemas.microsoft.com/office/powerpoint/2010/main" xmlns:p15="http://schemas.microsoft.com/office/powerpoint/2012/main" xmlns:mc="http://schemas.openxmlformats.org/markup-compatibility/2006">
+<file path=ppt/slides/slide7.xml><?xml version="1.0" encoding="utf-8"?>
+<p:sld xmlns:a="http://schemas.openxmlformats.org/drawingml/2006/main" xmlns:r="http://schemas.openxmlformats.org/officeDocument/2006/relationships" xmlns:p="http://schemas.openxmlformats.org/presentationml/2006/main">
   <p:cSld>
     <p:spTree>
       <p:nvGrpSpPr>
@@ -4925,7 +5855,7 @@
       </p:grpSpPr>
       <p:sp>
         <p:nvSpPr>
-          <p:cNvPr id="95" name="TextShape 1"/>
+          <p:cNvPr id="99" name="TextShape 1"/>
           <p:cNvSpPr txBox="1"/>
           <p:nvPr/>
         </p:nvSpPr>
@@ -4943,37 +5873,32 @@
           </a:ln>
         </p:spPr>
         <p:txBody>
-          <a:bodyPr lIns="0" rIns="0" tIns="0" bIns="0" anchor="ctr"/>
+          <a:bodyPr lIns="0" tIns="0" rIns="0" bIns="0" anchor="ctr"/>
+          <a:lstStyle/>
           <a:p>
             <a:pPr algn="ctr"/>
             <a:r>
-              <a:rPr b="0" lang="en-US" sz="4400" spc="-1" strike="noStrike">
-                <a:solidFill>
-                  <a:srgbClr val="ffffff"/>
-                </a:solidFill>
-                <a:latin typeface="Arial"/>
-              </a:rPr>
-              <a:t>Реализация</a:t>
-            </a:r>
-            <a:endParaRPr b="0" lang="en-US" sz="4400" spc="-1" strike="noStrike">
-              <a:solidFill>
-                <a:srgbClr val="ffffff"/>
-              </a:solidFill>
-              <a:latin typeface="Arial"/>
-            </a:endParaRPr>
-          </a:p>
-        </p:txBody>
-      </p:sp>
-      <p:sp>
-        <p:nvSpPr>
-          <p:cNvPr id="96" name="TextShape 2"/>
+              <a:rPr lang="en-US" sz="4400" b="0" strike="noStrike" spc="-1">
+                <a:solidFill>
+                  <a:srgbClr val="FFFFFF"/>
+                </a:solidFill>
+                <a:latin typeface="Arial"/>
+              </a:rPr>
+              <a:t>Реализация на Java</a:t>
+            </a:r>
+          </a:p>
+        </p:txBody>
+      </p:sp>
+      <p:sp>
+        <p:nvSpPr>
+          <p:cNvPr id="100" name="TextShape 2"/>
           <p:cNvSpPr txBox="1"/>
           <p:nvPr/>
         </p:nvSpPr>
         <p:spPr>
           <a:xfrm>
-            <a:off x="504000" y="1769040"/>
-            <a:ext cx="9071640" cy="4384440"/>
+            <a:off x="504000" y="1299600"/>
+            <a:ext cx="9071640" cy="5192640"/>
           </a:xfrm>
           <a:prstGeom prst="rect">
             <a:avLst/>
@@ -4984,7 +5909,8 @@
           </a:ln>
         </p:spPr>
         <p:txBody>
-          <a:bodyPr lIns="0" rIns="0" tIns="0" bIns="0"/>
+          <a:bodyPr lIns="0" tIns="0" rIns="0" bIns="0"/>
+          <a:lstStyle/>
           <a:p>
             <a:pPr marL="432000" indent="-324000">
               <a:spcBef>
@@ -4998,20 +5924,14 @@
               <a:buChar char=""/>
             </a:pPr>
             <a:r>
-              <a:rPr b="0" lang="en-US" sz="3200" spc="-1" strike="noStrike">
-                <a:solidFill>
-                  <a:srgbClr val="0066cc"/>
-                </a:solidFill>
-                <a:latin typeface="Arial"/>
-              </a:rPr>
-              <a:t>Первый вариант реализован на языке java</a:t>
-            </a:r>
-            <a:endParaRPr b="0" lang="en-US" sz="3200" spc="-1" strike="noStrike">
-              <a:solidFill>
-                <a:srgbClr val="0066cc"/>
-              </a:solidFill>
-              <a:latin typeface="Arial"/>
-            </a:endParaRPr>
+              <a:rPr lang="en-US" sz="2600" b="0" strike="noStrike" spc="-1">
+                <a:solidFill>
+                  <a:srgbClr val="0066CC"/>
+                </a:solidFill>
+                <a:latin typeface="Arial"/>
+              </a:rPr>
+              <a:t>Для возможности валидации различных стандартов и удобства тестирования различных вариантов реализации, был создан интерфейс Validator с одной функцией isValid</a:t>
+            </a:r>
           </a:p>
           <a:p>
             <a:pPr marL="432000" indent="-324000">
@@ -5026,76 +5946,90 @@
               <a:buChar char=""/>
             </a:pPr>
             <a:r>
-              <a:rPr b="0" lang="en-US" sz="3200" spc="-1" strike="noStrike">
-                <a:solidFill>
-                  <a:srgbClr val="0066cc"/>
-                </a:solidFill>
-                <a:latin typeface="Arial"/>
-              </a:rPr>
-              <a:t>Второй вариант на языке plsql будет выслан позже</a:t>
-            </a:r>
-            <a:endParaRPr b="0" lang="en-US" sz="3200" spc="-1" strike="noStrike">
-              <a:solidFill>
-                <a:srgbClr val="0066cc"/>
-              </a:solidFill>
-              <a:latin typeface="Arial"/>
-            </a:endParaRPr>
-          </a:p>
-        </p:txBody>
-      </p:sp>
-      <p:pic>
-        <p:nvPicPr>
-          <p:cNvPr id="97" name="" descr=""/>
-          <p:cNvPicPr/>
-          <p:nvPr/>
-        </p:nvPicPr>
-        <p:blipFill>
-          <a:blip r:embed="rId1"/>
-          <a:stretch/>
-        </p:blipFill>
-        <p:spPr>
-          <a:xfrm>
-            <a:off x="2103120" y="3657600"/>
-            <a:ext cx="1737360" cy="1737360"/>
-          </a:xfrm>
-          <a:prstGeom prst="rect">
-            <a:avLst/>
-          </a:prstGeom>
-          <a:ln>
-            <a:noFill/>
-          </a:ln>
-        </p:spPr>
-      </p:pic>
-      <p:pic>
-        <p:nvPicPr>
-          <p:cNvPr id="98" name="" descr=""/>
-          <p:cNvPicPr/>
-          <p:nvPr/>
-        </p:nvPicPr>
-        <p:blipFill>
-          <a:blip r:embed="rId2"/>
-          <a:stretch/>
-        </p:blipFill>
-        <p:spPr>
-          <a:xfrm>
-            <a:off x="4754880" y="3474720"/>
-            <a:ext cx="2103120" cy="2103120"/>
-          </a:xfrm>
-          <a:prstGeom prst="rect">
-            <a:avLst/>
-          </a:prstGeom>
-          <a:ln>
-            <a:noFill/>
-          </a:ln>
-        </p:spPr>
-      </p:pic>
+              <a:rPr lang="en-US" sz="2600" b="0" strike="noStrike" spc="-1">
+                <a:solidFill>
+                  <a:srgbClr val="0066CC"/>
+                </a:solidFill>
+                <a:latin typeface="Arial"/>
+              </a:rPr>
+              <a:t>Интерфейс реализуют два класса StandardInternetAddress и SimpleTemplateValidator</a:t>
+            </a:r>
+          </a:p>
+          <a:p>
+            <a:pPr marL="432000" indent="-324000">
+              <a:spcBef>
+                <a:spcPts val="1417"/>
+              </a:spcBef>
+              <a:buClr>
+                <a:srgbClr val="000000"/>
+              </a:buClr>
+              <a:buSzPct val="45000"/>
+              <a:buFont typeface="Wingdings" charset="2"/>
+              <a:buChar char=""/>
+            </a:pPr>
+            <a:r>
+              <a:rPr lang="en-US" sz="2600" b="0" strike="noStrike" spc="-1">
+                <a:solidFill>
+                  <a:srgbClr val="0066CC"/>
+                </a:solidFill>
+                <a:latin typeface="Arial"/>
+              </a:rPr>
+              <a:t>SimpleTemplateValidator валидирует на соответствие согласно общепринятым стандартам, указанным в Допущениях</a:t>
+            </a:r>
+          </a:p>
+          <a:p>
+            <a:pPr marL="432000" indent="-324000">
+              <a:spcBef>
+                <a:spcPts val="1417"/>
+              </a:spcBef>
+              <a:buClr>
+                <a:srgbClr val="000000"/>
+              </a:buClr>
+              <a:buSzPct val="45000"/>
+              <a:buFont typeface="Wingdings" charset="2"/>
+              <a:buChar char=""/>
+            </a:pPr>
+            <a:r>
+              <a:rPr lang="en-US" sz="2600" b="0" strike="noStrike" spc="-1">
+                <a:solidFill>
+                  <a:srgbClr val="0066CC"/>
+                </a:solidFill>
+                <a:latin typeface="Arial"/>
+              </a:rPr>
+              <a:t>StandardInternetAddress валидирует на основе стандартного класса пакета javax.mail на соответствие стандарту RFC 822</a:t>
+            </a:r>
+          </a:p>
+          <a:p>
+            <a:pPr marL="432000" indent="-324000">
+              <a:spcBef>
+                <a:spcPts val="1417"/>
+              </a:spcBef>
+              <a:buClr>
+                <a:srgbClr val="000000"/>
+              </a:buClr>
+              <a:buSzPct val="45000"/>
+              <a:buFont typeface="Wingdings" charset="2"/>
+              <a:buChar char=""/>
+            </a:pPr>
+            <a:endParaRPr lang="en-US" sz="2600" b="0" strike="noStrike" spc="-1">
+              <a:solidFill>
+                <a:srgbClr val="0066CC"/>
+              </a:solidFill>
+              <a:latin typeface="Arial"/>
+            </a:endParaRPr>
+          </a:p>
+        </p:txBody>
+      </p:sp>
     </p:spTree>
   </p:cSld>
+  <p:clrMapOvr>
+    <a:masterClrMapping/>
+  </p:clrMapOvr>
 </p:sld>
 </file>
 
-<file path=ppt/slides/slide7.xml><?xml version="1.0" encoding="utf-8"?>
-<p:sld xmlns:a="http://schemas.openxmlformats.org/drawingml/2006/main" xmlns:p="http://schemas.openxmlformats.org/presentationml/2006/main" xmlns:r="http://schemas.openxmlformats.org/officeDocument/2006/relationships" xmlns:p14="http://schemas.microsoft.com/office/powerpoint/2010/main" xmlns:p15="http://schemas.microsoft.com/office/powerpoint/2012/main" xmlns:mc="http://schemas.openxmlformats.org/markup-compatibility/2006">
+<file path=ppt/slides/slide8.xml><?xml version="1.0" encoding="utf-8"?>
+<p:sld xmlns:a="http://schemas.openxmlformats.org/drawingml/2006/main" xmlns:r="http://schemas.openxmlformats.org/officeDocument/2006/relationships" xmlns:p="http://schemas.openxmlformats.org/presentationml/2006/main">
   <p:cSld>
     <p:spTree>
       <p:nvGrpSpPr>
@@ -5113,7 +6047,7 @@
       </p:grpSpPr>
       <p:sp>
         <p:nvSpPr>
-          <p:cNvPr id="99" name="TextShape 1"/>
+          <p:cNvPr id="101" name="TextShape 1"/>
           <p:cNvSpPr txBox="1"/>
           <p:nvPr/>
         </p:nvSpPr>
@@ -5131,37 +6065,32 @@
           </a:ln>
         </p:spPr>
         <p:txBody>
-          <a:bodyPr lIns="0" rIns="0" tIns="0" bIns="0" anchor="ctr"/>
+          <a:bodyPr lIns="0" tIns="0" rIns="0" bIns="0" anchor="ctr"/>
+          <a:lstStyle/>
           <a:p>
             <a:pPr algn="ctr"/>
             <a:r>
-              <a:rPr b="0" lang="en-US" sz="4400" spc="-1" strike="noStrike">
-                <a:solidFill>
-                  <a:srgbClr val="ffffff"/>
-                </a:solidFill>
-                <a:latin typeface="Arial"/>
-              </a:rPr>
-              <a:t>Реализация на Java</a:t>
-            </a:r>
-            <a:endParaRPr b="0" lang="en-US" sz="4400" spc="-1" strike="noStrike">
-              <a:solidFill>
-                <a:srgbClr val="ffffff"/>
-              </a:solidFill>
-              <a:latin typeface="Arial"/>
-            </a:endParaRPr>
-          </a:p>
-        </p:txBody>
-      </p:sp>
-      <p:sp>
-        <p:nvSpPr>
-          <p:cNvPr id="100" name="TextShape 2"/>
+              <a:rPr lang="en-US" sz="4400" b="0" strike="noStrike" spc="-1">
+                <a:solidFill>
+                  <a:srgbClr val="FFFFFF"/>
+                </a:solidFill>
+                <a:latin typeface="Arial"/>
+              </a:rPr>
+              <a:t>Реализация на java. Тесты</a:t>
+            </a:r>
+          </a:p>
+        </p:txBody>
+      </p:sp>
+      <p:sp>
+        <p:nvSpPr>
+          <p:cNvPr id="102" name="TextShape 2"/>
           <p:cNvSpPr txBox="1"/>
           <p:nvPr/>
         </p:nvSpPr>
         <p:spPr>
           <a:xfrm>
-            <a:off x="504000" y="1299600"/>
-            <a:ext cx="9071640" cy="5192640"/>
+            <a:off x="504000" y="1769040"/>
+            <a:ext cx="9071640" cy="4384440"/>
           </a:xfrm>
           <a:prstGeom prst="rect">
             <a:avLst/>
@@ -5172,7 +6101,8 @@
           </a:ln>
         </p:spPr>
         <p:txBody>
-          <a:bodyPr lIns="0" rIns="0" tIns="0" bIns="0"/>
+          <a:bodyPr lIns="0" tIns="0" rIns="0" bIns="0"/>
+          <a:lstStyle/>
           <a:p>
             <a:pPr marL="432000" indent="-324000">
               <a:spcBef>
@@ -5186,20 +6116,14 @@
               <a:buChar char=""/>
             </a:pPr>
             <a:r>
-              <a:rPr b="0" lang="en-US" sz="2600" spc="-1" strike="noStrike">
-                <a:solidFill>
-                  <a:srgbClr val="0066cc"/>
-                </a:solidFill>
-                <a:latin typeface="Arial"/>
-              </a:rPr>
-              <a:t>Для возможности валидации различных стандартов и удобства тестирования различных вариантов реализации, был создан интерфейс Validator с одной функцией isValid</a:t>
-            </a:r>
-            <a:endParaRPr b="0" lang="en-US" sz="2600" spc="-1" strike="noStrike">
-              <a:solidFill>
-                <a:srgbClr val="0066cc"/>
-              </a:solidFill>
-              <a:latin typeface="Arial"/>
-            </a:endParaRPr>
+              <a:rPr lang="en-US" sz="2600" b="0" strike="noStrike" spc="-1">
+                <a:solidFill>
+                  <a:srgbClr val="0066CC"/>
+                </a:solidFill>
+                <a:latin typeface="Arial"/>
+              </a:rPr>
+              <a:t>Тест ValidatorTest написан с использованием модуля jUnit4</a:t>
+            </a:r>
           </a:p>
           <a:p>
             <a:pPr marL="432000" indent="-324000">
@@ -5214,20 +6138,14 @@
               <a:buChar char=""/>
             </a:pPr>
             <a:r>
-              <a:rPr b="0" lang="en-US" sz="2600" spc="-1" strike="noStrike">
-                <a:solidFill>
-                  <a:srgbClr val="0066cc"/>
-                </a:solidFill>
-                <a:latin typeface="Arial"/>
-              </a:rPr>
-              <a:t>Интерфейс реализуют два класса StandardInternetAddress и SimpleTemplateValidator</a:t>
-            </a:r>
-            <a:endParaRPr b="0" lang="en-US" sz="2600" spc="-1" strike="noStrike">
-              <a:solidFill>
-                <a:srgbClr val="0066cc"/>
-              </a:solidFill>
-              <a:latin typeface="Arial"/>
-            </a:endParaRPr>
+              <a:rPr lang="en-US" sz="2600" b="0" strike="noStrike" spc="-1">
+                <a:solidFill>
+                  <a:srgbClr val="0066CC"/>
+                </a:solidFill>
+                <a:latin typeface="Arial"/>
+              </a:rPr>
+              <a:t>В классе теста имеется метод init, в котором создается инстанс тестируемого класса. Для тестирования другой имплементации достаточно поменять имя создаваемого класса в файле </a:t>
+            </a:r>
           </a:p>
           <a:p>
             <a:pPr marL="432000" indent="-324000">
@@ -5242,64 +6160,175 @@
               <a:buChar char=""/>
             </a:pPr>
             <a:r>
-              <a:rPr b="0" lang="en-US" sz="2600" spc="-1" strike="noStrike">
-                <a:solidFill>
-                  <a:srgbClr val="0066cc"/>
-                </a:solidFill>
-                <a:latin typeface="Arial"/>
-              </a:rPr>
-              <a:t>SimpleTemplateValidator валидирует на соответствие согласно общепринятым стандартам, указанным в Допущениях</a:t>
-            </a:r>
-            <a:endParaRPr b="0" lang="en-US" sz="2600" spc="-1" strike="noStrike">
-              <a:solidFill>
-                <a:srgbClr val="0066cc"/>
-              </a:solidFill>
-              <a:latin typeface="Arial"/>
-            </a:endParaRPr>
-          </a:p>
-          <a:p>
-            <a:pPr marL="432000" indent="-324000">
-              <a:spcBef>
-                <a:spcPts val="1417"/>
-              </a:spcBef>
-              <a:buClr>
-                <a:srgbClr val="000000"/>
-              </a:buClr>
-              <a:buSzPct val="45000"/>
-              <a:buFont typeface="Wingdings" charset="2"/>
-              <a:buChar char=""/>
-            </a:pPr>
-            <a:r>
-              <a:rPr b="0" lang="en-US" sz="2600" spc="-1" strike="noStrike">
-                <a:solidFill>
-                  <a:srgbClr val="0066cc"/>
-                </a:solidFill>
-                <a:latin typeface="Arial"/>
-              </a:rPr>
-              <a:t>StandardInternetAddress валидирует на основе стандартного класса пакета javax.mail на соответствие стандарту RFC 822</a:t>
-            </a:r>
-            <a:endParaRPr b="0" lang="en-US" sz="2600" spc="-1" strike="noStrike">
-              <a:solidFill>
-                <a:srgbClr val="0066cc"/>
-              </a:solidFill>
-              <a:latin typeface="Arial"/>
-            </a:endParaRPr>
-          </a:p>
-          <a:p>
-            <a:pPr marL="432000" indent="-324000">
-              <a:spcBef>
-                <a:spcPts val="1417"/>
-              </a:spcBef>
-              <a:buClr>
-                <a:srgbClr val="000000"/>
-              </a:buClr>
-              <a:buSzPct val="45000"/>
-              <a:buFont typeface="Wingdings" charset="2"/>
-              <a:buChar char=""/>
-            </a:pPr>
-            <a:endParaRPr b="0" lang="en-US" sz="2600" spc="-1" strike="noStrike">
-              <a:solidFill>
-                <a:srgbClr val="0066cc"/>
+              <a:rPr lang="en-US" sz="2600" b="0" strike="noStrike" spc="-1">
+                <a:solidFill>
+                  <a:srgbClr val="0066CC"/>
+                </a:solidFill>
+                <a:latin typeface="Arial"/>
+              </a:rPr>
+              <a:t>mail_validator/src/test/java/ValidatorTest.java</a:t>
+            </a:r>
+          </a:p>
+          <a:p>
+            <a:r>
+              <a:rPr lang="en-US" sz="1500" b="0" strike="noStrike" spc="-1">
+                <a:solidFill>
+                  <a:srgbClr val="808000"/>
+                </a:solidFill>
+                <a:latin typeface="DejaVu Sans Mono"/>
+                <a:ea typeface="DejaVu Sans Mono"/>
+              </a:rPr>
+              <a:t>    </a:t>
+            </a:r>
+            <a:r>
+              <a:rPr lang="en-US" sz="1600" b="0" strike="noStrike" spc="-1">
+                <a:solidFill>
+                  <a:srgbClr val="808000"/>
+                </a:solidFill>
+                <a:latin typeface="DejaVu Sans Mono"/>
+                <a:ea typeface="DejaVu Sans Mono"/>
+              </a:rPr>
+              <a:t> @Before</a:t>
+            </a:r>
+            <a:r>
+              <a:t/>
+            </a:r>
+            <a:br/>
+            <a:r>
+              <a:rPr lang="en-US" sz="1600" b="0" strike="noStrike" spc="-1">
+                <a:solidFill>
+                  <a:srgbClr val="808000"/>
+                </a:solidFill>
+                <a:latin typeface="DejaVu Sans Mono"/>
+                <a:ea typeface="DejaVu Sans Mono"/>
+              </a:rPr>
+              <a:t>        </a:t>
+            </a:r>
+            <a:r>
+              <a:rPr lang="en-US" sz="1600" b="1" strike="noStrike" spc="-1">
+                <a:solidFill>
+                  <a:srgbClr val="000080"/>
+                </a:solidFill>
+                <a:latin typeface="DejaVu Sans Mono"/>
+                <a:ea typeface="DejaVu Sans Mono"/>
+              </a:rPr>
+              <a:t>public void </a:t>
+            </a:r>
+            <a:r>
+              <a:rPr lang="en-US" sz="1600" b="0" strike="noStrike" spc="-1">
+                <a:solidFill>
+                  <a:srgbClr val="000000"/>
+                </a:solidFill>
+                <a:latin typeface="DejaVu Sans Mono"/>
+                <a:ea typeface="DejaVu Sans Mono"/>
+              </a:rPr>
+              <a:t>init(){</a:t>
+            </a:r>
+            <a:r>
+              <a:t/>
+            </a:r>
+            <a:br/>
+            <a:r>
+              <a:rPr lang="en-US" sz="1600" b="0" strike="noStrike" spc="-1">
+                <a:solidFill>
+                  <a:srgbClr val="000000"/>
+                </a:solidFill>
+                <a:latin typeface="DejaVu Sans Mono"/>
+                <a:ea typeface="DejaVu Sans Mono"/>
+              </a:rPr>
+              <a:t>          </a:t>
+            </a:r>
+            <a:r>
+              <a:rPr lang="en-US" sz="1600" b="1" strike="noStrike" spc="-1">
+                <a:solidFill>
+                  <a:srgbClr val="660E7A"/>
+                </a:solidFill>
+                <a:latin typeface="DejaVu Sans Mono"/>
+                <a:ea typeface="DejaVu Sans Mono"/>
+              </a:rPr>
+              <a:t>validator</a:t>
+            </a:r>
+            <a:r>
+              <a:rPr lang="en-US" sz="1600" b="0" strike="noStrike" spc="-1">
+                <a:solidFill>
+                  <a:srgbClr val="000000"/>
+                </a:solidFill>
+                <a:latin typeface="DejaVu Sans Mono"/>
+                <a:ea typeface="DejaVu Sans Mono"/>
+              </a:rPr>
+              <a:t>= </a:t>
+            </a:r>
+            <a:r>
+              <a:rPr lang="en-US" sz="1600" b="1" strike="noStrike" spc="-1">
+                <a:solidFill>
+                  <a:srgbClr val="000080"/>
+                </a:solidFill>
+                <a:latin typeface="DejaVu Sans Mono"/>
+                <a:ea typeface="DejaVu Sans Mono"/>
+              </a:rPr>
+              <a:t>new </a:t>
+            </a:r>
+            <a:r>
+              <a:rPr lang="en-US" sz="1600" b="0" strike="noStrike" spc="-1">
+                <a:solidFill>
+                  <a:srgbClr val="000000"/>
+                </a:solidFill>
+                <a:latin typeface="DejaVu Sans Mono"/>
+                <a:ea typeface="DejaVu Sans Mono"/>
+              </a:rPr>
+              <a:t>SimpleTemplateValidator(); </a:t>
+            </a:r>
+            <a:r>
+              <a:rPr lang="en-US" sz="1600" b="0" i="1" strike="noStrike" spc="-1">
+                <a:solidFill>
+                  <a:srgbClr val="808080"/>
+                </a:solidFill>
+                <a:latin typeface="DejaVu Sans Mono"/>
+                <a:ea typeface="DejaVu Sans Mono"/>
+              </a:rPr>
+              <a:t>//change to desired   implementation here</a:t>
+            </a:r>
+            <a:r>
+              <a:t/>
+            </a:r>
+            <a:br/>
+            <a:r>
+              <a:rPr lang="en-US" sz="1600" b="0" i="1" strike="noStrike" spc="-1">
+                <a:solidFill>
+                  <a:srgbClr val="808080"/>
+                </a:solidFill>
+                <a:latin typeface="DejaVu Sans Mono"/>
+                <a:ea typeface="DejaVu Sans Mono"/>
+              </a:rPr>
+              <a:t>     //   validator= new StandardInternetAddressValidator();</a:t>
+            </a:r>
+            <a:r>
+              <a:t/>
+            </a:r>
+            <a:br/>
+            <a:r>
+              <a:rPr lang="en-US" sz="1600" b="0" i="1" strike="noStrike" spc="-1">
+                <a:solidFill>
+                  <a:srgbClr val="808080"/>
+                </a:solidFill>
+                <a:latin typeface="DejaVu Sans Mono"/>
+                <a:ea typeface="DejaVu Sans Mono"/>
+              </a:rPr>
+              <a:t>    </a:t>
+            </a:r>
+            <a:r>
+              <a:rPr lang="en-US" sz="1600" b="0" strike="noStrike" spc="-1">
+                <a:solidFill>
+                  <a:srgbClr val="000000"/>
+                </a:solidFill>
+                <a:latin typeface="DejaVu Sans Mono"/>
+                <a:ea typeface="DejaVu Sans Mono"/>
+              </a:rPr>
+              <a:t>}</a:t>
+            </a:r>
+            <a:endParaRPr lang="en-US" sz="1600" b="0" strike="noStrike" spc="-1">
+              <a:solidFill>
+                <a:srgbClr val="0066CC"/>
               </a:solidFill>
               <a:latin typeface="Arial"/>
             </a:endParaRPr>
@@ -5308,11 +6337,14 @@
       </p:sp>
     </p:spTree>
   </p:cSld>
+  <p:clrMapOvr>
+    <a:masterClrMapping/>
+  </p:clrMapOvr>
 </p:sld>
 </file>
 
-<file path=ppt/slides/slide8.xml><?xml version="1.0" encoding="utf-8"?>
-<p:sld xmlns:a="http://schemas.openxmlformats.org/drawingml/2006/main" xmlns:p="http://schemas.openxmlformats.org/presentationml/2006/main" xmlns:r="http://schemas.openxmlformats.org/officeDocument/2006/relationships" xmlns:p14="http://schemas.microsoft.com/office/powerpoint/2010/main" xmlns:p15="http://schemas.microsoft.com/office/powerpoint/2012/main" xmlns:mc="http://schemas.openxmlformats.org/markup-compatibility/2006">
+<file path=ppt/slides/slide9.xml><?xml version="1.0" encoding="utf-8"?>
+<p:sld xmlns:a="http://schemas.openxmlformats.org/drawingml/2006/main" xmlns:r="http://schemas.openxmlformats.org/officeDocument/2006/relationships" xmlns:p="http://schemas.openxmlformats.org/presentationml/2006/main">
   <p:cSld>
     <p:spTree>
       <p:nvGrpSpPr>
@@ -5330,7 +6362,7 @@
       </p:grpSpPr>
       <p:sp>
         <p:nvSpPr>
-          <p:cNvPr id="101" name="TextShape 1"/>
+          <p:cNvPr id="103" name="TextShape 1"/>
           <p:cNvSpPr txBox="1"/>
           <p:nvPr/>
         </p:nvSpPr>
@@ -5348,30 +6380,25 @@
           </a:ln>
         </p:spPr>
         <p:txBody>
-          <a:bodyPr lIns="0" rIns="0" tIns="0" bIns="0" anchor="ctr"/>
+          <a:bodyPr lIns="0" tIns="0" rIns="0" bIns="0" anchor="ctr"/>
+          <a:lstStyle/>
           <a:p>
             <a:pPr algn="ctr"/>
             <a:r>
-              <a:rPr b="0" lang="en-US" sz="4400" spc="-1" strike="noStrike">
-                <a:solidFill>
-                  <a:srgbClr val="ffffff"/>
-                </a:solidFill>
-                <a:latin typeface="Arial"/>
-              </a:rPr>
-              <a:t>Реализация на java. Тесты</a:t>
-            </a:r>
-            <a:endParaRPr b="0" lang="en-US" sz="4400" spc="-1" strike="noStrike">
-              <a:solidFill>
-                <a:srgbClr val="ffffff"/>
-              </a:solidFill>
-              <a:latin typeface="Arial"/>
-            </a:endParaRPr>
-          </a:p>
-        </p:txBody>
-      </p:sp>
-      <p:sp>
-        <p:nvSpPr>
-          <p:cNvPr id="102" name="TextShape 2"/>
+              <a:rPr lang="en-US" sz="4400" b="0" strike="noStrike" spc="-1">
+                <a:solidFill>
+                  <a:srgbClr val="FFFFFF"/>
+                </a:solidFill>
+                <a:latin typeface="Arial"/>
+              </a:rPr>
+              <a:t>Реализация на java.Запуск </a:t>
+            </a:r>
+          </a:p>
+        </p:txBody>
+      </p:sp>
+      <p:sp>
+        <p:nvSpPr>
+          <p:cNvPr id="104" name="TextShape 2"/>
           <p:cNvSpPr txBox="1"/>
           <p:nvPr/>
         </p:nvSpPr>
@@ -5389,7 +6416,8 @@
           </a:ln>
         </p:spPr>
         <p:txBody>
-          <a:bodyPr lIns="0" rIns="0" tIns="0" bIns="0"/>
+          <a:bodyPr lIns="0" tIns="0" rIns="0" bIns="0"/>
+          <a:lstStyle/>
           <a:p>
             <a:pPr marL="432000" indent="-324000">
               <a:spcBef>
@@ -5403,20 +6431,14 @@
               <a:buChar char=""/>
             </a:pPr>
             <a:r>
-              <a:rPr b="0" lang="en-US" sz="2600" spc="-1" strike="noStrike">
-                <a:solidFill>
-                  <a:srgbClr val="0066cc"/>
-                </a:solidFill>
-                <a:latin typeface="Arial"/>
-              </a:rPr>
-              <a:t>Тест ValidatorTest написан с использованием модуля jUnit4</a:t>
-            </a:r>
-            <a:endParaRPr b="0" lang="en-US" sz="2600" spc="-1" strike="noStrike">
-              <a:solidFill>
-                <a:srgbClr val="0066cc"/>
-              </a:solidFill>
-              <a:latin typeface="Arial"/>
-            </a:endParaRPr>
+              <a:rPr lang="en-US" sz="2200" b="0" strike="noStrike" spc="-1">
+                <a:solidFill>
+                  <a:srgbClr val="0066CC"/>
+                </a:solidFill>
+                <a:latin typeface="Arial"/>
+              </a:rPr>
+              <a:t>Для начала необходимо скачать исходники проекта из github командой</a:t>
+            </a:r>
           </a:p>
           <a:p>
             <a:pPr marL="432000" indent="-324000">
@@ -5431,17 +6453,17 @@
               <a:buChar char=""/>
             </a:pPr>
             <a:r>
-              <a:rPr b="0" lang="en-US" sz="2600" spc="-1" strike="noStrike">
-                <a:solidFill>
-                  <a:srgbClr val="0066cc"/>
-                </a:solidFill>
-                <a:latin typeface="Arial"/>
-              </a:rPr>
-              <a:t>В классе теста имеется метод init, в котором создается инстанс тестируемого класса. Для тестирования другой имплементации достаточно поменять имя создаваемого класса в файле </a:t>
-            </a:r>
-            <a:endParaRPr b="0" lang="en-US" sz="2600" spc="-1" strike="noStrike">
-              <a:solidFill>
-                <a:srgbClr val="0066cc"/>
+              <a:rPr lang="en-US" sz="2200" b="0" i="1" strike="noStrike" spc="-1">
+                <a:solidFill>
+                  <a:srgbClr val="0066CC"/>
+                </a:solidFill>
+                <a:latin typeface="Arial"/>
+              </a:rPr>
+              <a:t>git clone https://github.com/mikechip1980/mail_validator.git</a:t>
+            </a:r>
+            <a:endParaRPr lang="en-US" sz="2200" b="0" strike="noStrike" spc="-1">
+              <a:solidFill>
+                <a:srgbClr val="0066CC"/>
               </a:solidFill>
               <a:latin typeface="Arial"/>
             </a:endParaRPr>
@@ -5459,269 +6481,15 @@
               <a:buChar char=""/>
             </a:pPr>
             <a:r>
-              <a:rPr b="0" lang="en-US" sz="2600" spc="-1" strike="noStrike">
-                <a:solidFill>
-                  <a:srgbClr val="0066cc"/>
-                </a:solidFill>
-                <a:latin typeface="Arial"/>
-              </a:rPr>
-              <a:t>mail_validator/src/test/java/ValidatorTest.java</a:t>
-            </a:r>
-            <a:endParaRPr b="0" lang="en-US" sz="2600" spc="-1" strike="noStrike">
-              <a:solidFill>
-                <a:srgbClr val="0066cc"/>
-              </a:solidFill>
-              <a:latin typeface="Arial"/>
-            </a:endParaRPr>
-          </a:p>
-          <a:p>
-            <a:r>
-              <a:rPr b="0" lang="en-US" sz="1500" spc="-1" strike="noStrike">
-                <a:solidFill>
-                  <a:srgbClr val="808000"/>
-                </a:solidFill>
-                <a:latin typeface="DejaVu Sans Mono"/>
-                <a:ea typeface="DejaVu Sans Mono"/>
-              </a:rPr>
-              <a:t>    </a:t>
-            </a:r>
-            <a:r>
-              <a:rPr b="0" lang="en-US" sz="1600" spc="-1" strike="noStrike">
-                <a:solidFill>
-                  <a:srgbClr val="808000"/>
-                </a:solidFill>
-                <a:latin typeface="DejaVu Sans Mono"/>
-                <a:ea typeface="DejaVu Sans Mono"/>
-              </a:rPr>
-              <a:t> </a:t>
-            </a:r>
-            <a:r>
-              <a:rPr b="0" lang="en-US" sz="1600" spc="-1" strike="noStrike">
-                <a:solidFill>
-                  <a:srgbClr val="808000"/>
-                </a:solidFill>
-                <a:latin typeface="DejaVu Sans Mono"/>
-                <a:ea typeface="DejaVu Sans Mono"/>
-              </a:rPr>
-              <a:t>@Before</a:t>
-            </a:r>
-            <a:br/>
-            <a:r>
-              <a:rPr b="0" lang="en-US" sz="1600" spc="-1" strike="noStrike">
-                <a:solidFill>
-                  <a:srgbClr val="808000"/>
-                </a:solidFill>
-                <a:latin typeface="DejaVu Sans Mono"/>
-                <a:ea typeface="DejaVu Sans Mono"/>
-              </a:rPr>
-              <a:t>        </a:t>
-            </a:r>
-            <a:r>
-              <a:rPr b="1" lang="en-US" sz="1600" spc="-1" strike="noStrike">
-                <a:solidFill>
-                  <a:srgbClr val="000080"/>
-                </a:solidFill>
-                <a:latin typeface="DejaVu Sans Mono"/>
-                <a:ea typeface="DejaVu Sans Mono"/>
-              </a:rPr>
-              <a:t>public void </a:t>
-            </a:r>
-            <a:r>
-              <a:rPr b="0" lang="en-US" sz="1600" spc="-1" strike="noStrike">
-                <a:solidFill>
-                  <a:srgbClr val="000000"/>
-                </a:solidFill>
-                <a:latin typeface="DejaVu Sans Mono"/>
-                <a:ea typeface="DejaVu Sans Mono"/>
-              </a:rPr>
-              <a:t>init(){</a:t>
-            </a:r>
-            <a:br/>
-            <a:r>
-              <a:rPr b="0" lang="en-US" sz="1600" spc="-1" strike="noStrike">
-                <a:solidFill>
-                  <a:srgbClr val="000000"/>
-                </a:solidFill>
-                <a:latin typeface="DejaVu Sans Mono"/>
-                <a:ea typeface="DejaVu Sans Mono"/>
-              </a:rPr>
-              <a:t>          </a:t>
-            </a:r>
-            <a:r>
-              <a:rPr b="1" lang="en-US" sz="1600" spc="-1" strike="noStrike">
-                <a:solidFill>
-                  <a:srgbClr val="660e7a"/>
-                </a:solidFill>
-                <a:latin typeface="DejaVu Sans Mono"/>
-                <a:ea typeface="DejaVu Sans Mono"/>
-              </a:rPr>
-              <a:t>validator</a:t>
-            </a:r>
-            <a:r>
-              <a:rPr b="0" lang="en-US" sz="1600" spc="-1" strike="noStrike">
-                <a:solidFill>
-                  <a:srgbClr val="000000"/>
-                </a:solidFill>
-                <a:latin typeface="DejaVu Sans Mono"/>
-                <a:ea typeface="DejaVu Sans Mono"/>
-              </a:rPr>
-              <a:t>= </a:t>
-            </a:r>
-            <a:r>
-              <a:rPr b="1" lang="en-US" sz="1600" spc="-1" strike="noStrike">
-                <a:solidFill>
-                  <a:srgbClr val="000080"/>
-                </a:solidFill>
-                <a:latin typeface="DejaVu Sans Mono"/>
-                <a:ea typeface="DejaVu Sans Mono"/>
-              </a:rPr>
-              <a:t>new </a:t>
-            </a:r>
-            <a:r>
-              <a:rPr b="0" lang="en-US" sz="1600" spc="-1" strike="noStrike">
-                <a:solidFill>
-                  <a:srgbClr val="000000"/>
-                </a:solidFill>
-                <a:latin typeface="DejaVu Sans Mono"/>
-                <a:ea typeface="DejaVu Sans Mono"/>
-              </a:rPr>
-              <a:t>SimpleTemplateValidator(); </a:t>
-            </a:r>
-            <a:r>
-              <a:rPr b="0" i="1" lang="en-US" sz="1600" spc="-1" strike="noStrike">
-                <a:solidFill>
-                  <a:srgbClr val="808080"/>
-                </a:solidFill>
-                <a:latin typeface="DejaVu Sans Mono"/>
-                <a:ea typeface="DejaVu Sans Mono"/>
-              </a:rPr>
-              <a:t>//change to desired   implementation here</a:t>
-            </a:r>
-            <a:br/>
-            <a:r>
-              <a:rPr b="0" i="1" lang="en-US" sz="1600" spc="-1" strike="noStrike">
-                <a:solidFill>
-                  <a:srgbClr val="808080"/>
-                </a:solidFill>
-                <a:latin typeface="DejaVu Sans Mono"/>
-                <a:ea typeface="DejaVu Sans Mono"/>
-              </a:rPr>
-              <a:t>     //   validator= new StandardInternetAddressValidator();</a:t>
-            </a:r>
-            <a:br/>
-            <a:r>
-              <a:rPr b="0" i="1" lang="en-US" sz="1600" spc="-1" strike="noStrike">
-                <a:solidFill>
-                  <a:srgbClr val="808080"/>
-                </a:solidFill>
-                <a:latin typeface="DejaVu Sans Mono"/>
-                <a:ea typeface="DejaVu Sans Mono"/>
-              </a:rPr>
-              <a:t>    </a:t>
-            </a:r>
-            <a:r>
-              <a:rPr b="0" lang="en-US" sz="1600" spc="-1" strike="noStrike">
-                <a:solidFill>
-                  <a:srgbClr val="000000"/>
-                </a:solidFill>
-                <a:latin typeface="DejaVu Sans Mono"/>
-                <a:ea typeface="DejaVu Sans Mono"/>
-              </a:rPr>
-              <a:t>}</a:t>
-            </a:r>
-            <a:endParaRPr b="0" lang="en-US" sz="1600" spc="-1" strike="noStrike">
-              <a:solidFill>
-                <a:srgbClr val="0066cc"/>
-              </a:solidFill>
-              <a:latin typeface="Arial"/>
-            </a:endParaRPr>
-          </a:p>
-        </p:txBody>
-      </p:sp>
-    </p:spTree>
-  </p:cSld>
-</p:sld>
-</file>
-
-<file path=ppt/slides/slide9.xml><?xml version="1.0" encoding="utf-8"?>
-<p:sld xmlns:a="http://schemas.openxmlformats.org/drawingml/2006/main" xmlns:p="http://schemas.openxmlformats.org/presentationml/2006/main" xmlns:r="http://schemas.openxmlformats.org/officeDocument/2006/relationships" xmlns:p14="http://schemas.microsoft.com/office/powerpoint/2010/main" xmlns:p15="http://schemas.microsoft.com/office/powerpoint/2012/main" xmlns:mc="http://schemas.openxmlformats.org/markup-compatibility/2006">
-  <p:cSld>
-    <p:spTree>
-      <p:nvGrpSpPr>
-        <p:cNvPr id="1" name=""/>
-        <p:cNvGrpSpPr/>
-        <p:nvPr/>
-      </p:nvGrpSpPr>
-      <p:grpSpPr>
-        <a:xfrm>
-          <a:off x="0" y="0"/>
-          <a:ext cx="0" cy="0"/>
-          <a:chOff x="0" y="0"/>
-          <a:chExt cx="0" cy="0"/>
-        </a:xfrm>
-      </p:grpSpPr>
-      <p:sp>
-        <p:nvSpPr>
-          <p:cNvPr id="103" name="TextShape 1"/>
-          <p:cNvSpPr txBox="1"/>
-          <p:nvPr/>
-        </p:nvSpPr>
-        <p:spPr>
-          <a:xfrm>
-            <a:off x="504000" y="301320"/>
-            <a:ext cx="9071640" cy="637560"/>
-          </a:xfrm>
-          <a:prstGeom prst="rect">
-            <a:avLst/>
-          </a:prstGeom>
-          <a:noFill/>
-          <a:ln>
-            <a:noFill/>
-          </a:ln>
-        </p:spPr>
-        <p:txBody>
-          <a:bodyPr lIns="0" rIns="0" tIns="0" bIns="0" anchor="ctr"/>
-          <a:p>
-            <a:pPr algn="ctr"/>
-            <a:r>
-              <a:rPr b="0" lang="en-US" sz="4400" spc="-1" strike="noStrike">
-                <a:solidFill>
-                  <a:srgbClr val="ffffff"/>
-                </a:solidFill>
-                <a:latin typeface="Arial"/>
-              </a:rPr>
-              <a:t>Реализация на java.Запуск </a:t>
-            </a:r>
-            <a:endParaRPr b="0" lang="en-US" sz="4400" spc="-1" strike="noStrike">
-              <a:solidFill>
-                <a:srgbClr val="ffffff"/>
-              </a:solidFill>
-              <a:latin typeface="Arial"/>
-            </a:endParaRPr>
-          </a:p>
-        </p:txBody>
-      </p:sp>
-      <p:sp>
-        <p:nvSpPr>
-          <p:cNvPr id="104" name="TextShape 2"/>
-          <p:cNvSpPr txBox="1"/>
-          <p:nvPr/>
-        </p:nvSpPr>
-        <p:spPr>
-          <a:xfrm>
-            <a:off x="504000" y="1769040"/>
-            <a:ext cx="9071640" cy="4384440"/>
-          </a:xfrm>
-          <a:prstGeom prst="rect">
-            <a:avLst/>
-          </a:prstGeom>
-          <a:noFill/>
-          <a:ln>
-            <a:noFill/>
-          </a:ln>
-        </p:spPr>
-        <p:txBody>
-          <a:bodyPr lIns="0" rIns="0" tIns="0" bIns="0"/>
+              <a:rPr lang="en-US" sz="2200" b="0" strike="noStrike" spc="-1">
+                <a:solidFill>
+                  <a:srgbClr val="0066CC"/>
+                </a:solidFill>
+                <a:latin typeface="Arial"/>
+              </a:rPr>
+              <a:t>Запуск из командной строки.  </a:t>
+            </a:r>
+          </a:p>
           <a:p>
             <a:pPr marL="432000" indent="-324000">
               <a:spcBef>
@@ -5735,17 +6503,17 @@
               <a:buChar char=""/>
             </a:pPr>
             <a:r>
-              <a:rPr b="0" lang="en-US" sz="2200" spc="-1" strike="noStrike">
-                <a:solidFill>
-                  <a:srgbClr val="0066cc"/>
-                </a:solidFill>
-                <a:latin typeface="Arial"/>
-              </a:rPr>
-              <a:t>Для начала необходимо скачать исходники проекта из github командой</a:t>
-            </a:r>
-            <a:endParaRPr b="0" lang="en-US" sz="2200" spc="-1" strike="noStrike">
-              <a:solidFill>
-                <a:srgbClr val="0066cc"/>
+              <a:rPr lang="en-US" sz="2200" b="0" i="1" strike="noStrike" spc="-1">
+                <a:solidFill>
+                  <a:srgbClr val="0066CC"/>
+                </a:solidFill>
+                <a:latin typeface="Arial"/>
+              </a:rPr>
+              <a:t>cd ./mail_validator</a:t>
+            </a:r>
+            <a:endParaRPr lang="en-US" sz="2200" b="0" strike="noStrike" spc="-1">
+              <a:solidFill>
+                <a:srgbClr val="0066CC"/>
               </a:solidFill>
               <a:latin typeface="Arial"/>
             </a:endParaRPr>
@@ -5763,17 +6531,17 @@
               <a:buChar char=""/>
             </a:pPr>
             <a:r>
-              <a:rPr b="0" i="1" lang="en-US" sz="2200" spc="-1" strike="noStrike">
-                <a:solidFill>
-                  <a:srgbClr val="0066cc"/>
-                </a:solidFill>
-                <a:latin typeface="Arial"/>
-              </a:rPr>
-              <a:t>git clone https://github.com/mikechip1980/mail_validator.git</a:t>
-            </a:r>
-            <a:endParaRPr b="0" lang="en-US" sz="2200" spc="-1" strike="noStrike">
-              <a:solidFill>
-                <a:srgbClr val="0066cc"/>
+              <a:rPr lang="en-US" sz="2200" b="0" i="1" strike="noStrike" spc="-1">
+                <a:solidFill>
+                  <a:srgbClr val="0066CC"/>
+                </a:solidFill>
+                <a:latin typeface="Arial"/>
+              </a:rPr>
+              <a:t>./gradlew build – для unix </a:t>
+            </a:r>
+            <a:endParaRPr lang="en-US" sz="2200" b="0" strike="noStrike" spc="-1">
+              <a:solidFill>
+                <a:srgbClr val="0066CC"/>
               </a:solidFill>
               <a:latin typeface="Arial"/>
             </a:endParaRPr>
@@ -5791,17 +6559,17 @@
               <a:buChar char=""/>
             </a:pPr>
             <a:r>
-              <a:rPr b="0" lang="en-US" sz="2200" spc="-1" strike="noStrike">
-                <a:solidFill>
-                  <a:srgbClr val="0066cc"/>
-                </a:solidFill>
-                <a:latin typeface="Arial"/>
-              </a:rPr>
-              <a:t>Запуск из командной строки.  </a:t>
-            </a:r>
-            <a:endParaRPr b="0" lang="en-US" sz="2200" spc="-1" strike="noStrike">
-              <a:solidFill>
-                <a:srgbClr val="0066cc"/>
+              <a:rPr lang="en-US" sz="2200" b="0" i="1" strike="noStrike" spc="-1">
+                <a:solidFill>
+                  <a:srgbClr val="0066CC"/>
+                </a:solidFill>
+                <a:latin typeface="Arial"/>
+              </a:rPr>
+              <a:t>gradlew.bat build – для windows</a:t>
+            </a:r>
+            <a:endParaRPr lang="en-US" sz="2200" b="0" strike="noStrike" spc="-1">
+              <a:solidFill>
+                <a:srgbClr val="0066CC"/>
               </a:solidFill>
               <a:latin typeface="Arial"/>
             </a:endParaRPr>
@@ -5819,20 +6587,14 @@
               <a:buChar char=""/>
             </a:pPr>
             <a:r>
-              <a:rPr b="0" i="1" lang="en-US" sz="2200" spc="-1" strike="noStrike">
-                <a:solidFill>
-                  <a:srgbClr val="0066cc"/>
-                </a:solidFill>
-                <a:latin typeface="Arial"/>
-              </a:rPr>
-              <a:t>cd ./mail_validator</a:t>
-            </a:r>
-            <a:endParaRPr b="0" lang="en-US" sz="2200" spc="-1" strike="noStrike">
-              <a:solidFill>
-                <a:srgbClr val="0066cc"/>
-              </a:solidFill>
-              <a:latin typeface="Arial"/>
-            </a:endParaRPr>
+              <a:rPr lang="en-US" sz="2200" b="0" strike="noStrike" spc="-1">
+                <a:solidFill>
+                  <a:srgbClr val="0066CC"/>
+                </a:solidFill>
+                <a:latin typeface="Arial"/>
+              </a:rPr>
+              <a:t>Для сборки проекта и закачки необходимых модулей использован сборщик gardle. </a:t>
+            </a:r>
           </a:p>
           <a:p>
             <a:pPr marL="432000" indent="-324000">
@@ -5847,20 +6609,14 @@
               <a:buChar char=""/>
             </a:pPr>
             <a:r>
-              <a:rPr b="0" i="1" lang="en-US" sz="2200" spc="-1" strike="noStrike">
-                <a:solidFill>
-                  <a:srgbClr val="0066cc"/>
-                </a:solidFill>
-                <a:latin typeface="Arial"/>
-              </a:rPr>
-              <a:t>./gradlew build – для unix </a:t>
-            </a:r>
-            <a:endParaRPr b="0" lang="en-US" sz="2200" spc="-1" strike="noStrike">
-              <a:solidFill>
-                <a:srgbClr val="0066cc"/>
-              </a:solidFill>
-              <a:latin typeface="Arial"/>
-            </a:endParaRPr>
+              <a:rPr lang="en-US" sz="2200" b="0" strike="noStrike" spc="-1">
+                <a:solidFill>
+                  <a:srgbClr val="0066CC"/>
+                </a:solidFill>
+                <a:latin typeface="Arial"/>
+              </a:rPr>
+              <a:t>Запускать можно также с помощью любой Java IDE (например IntelliJ Idea)</a:t>
+            </a:r>
           </a:p>
           <a:p>
             <a:pPr marL="432000" indent="-324000">
@@ -5874,93 +6630,9 @@
               <a:buFont typeface="Wingdings" charset="2"/>
               <a:buChar char=""/>
             </a:pPr>
-            <a:r>
-              <a:rPr b="0" i="1" lang="en-US" sz="2200" spc="-1" strike="noStrike">
-                <a:solidFill>
-                  <a:srgbClr val="0066cc"/>
-                </a:solidFill>
-                <a:latin typeface="Arial"/>
-              </a:rPr>
-              <a:t>gradlew.bat build – для windows</a:t>
-            </a:r>
-            <a:endParaRPr b="0" lang="en-US" sz="2200" spc="-1" strike="noStrike">
-              <a:solidFill>
-                <a:srgbClr val="0066cc"/>
-              </a:solidFill>
-              <a:latin typeface="Arial"/>
-            </a:endParaRPr>
-          </a:p>
-          <a:p>
-            <a:pPr marL="432000" indent="-324000">
-              <a:spcBef>
-                <a:spcPts val="1417"/>
-              </a:spcBef>
-              <a:buClr>
-                <a:srgbClr val="000000"/>
-              </a:buClr>
-              <a:buSzPct val="45000"/>
-              <a:buFont typeface="Wingdings" charset="2"/>
-              <a:buChar char=""/>
-            </a:pPr>
-            <a:r>
-              <a:rPr b="0" lang="en-US" sz="2200" spc="-1" strike="noStrike">
-                <a:solidFill>
-                  <a:srgbClr val="0066cc"/>
-                </a:solidFill>
-                <a:latin typeface="Arial"/>
-              </a:rPr>
-              <a:t>Для сборки проекта и закачки необходимых модулей использован сборщик gardle. </a:t>
-            </a:r>
-            <a:endParaRPr b="0" lang="en-US" sz="2200" spc="-1" strike="noStrike">
-              <a:solidFill>
-                <a:srgbClr val="0066cc"/>
-              </a:solidFill>
-              <a:latin typeface="Arial"/>
-            </a:endParaRPr>
-          </a:p>
-          <a:p>
-            <a:pPr marL="432000" indent="-324000">
-              <a:spcBef>
-                <a:spcPts val="1417"/>
-              </a:spcBef>
-              <a:buClr>
-                <a:srgbClr val="000000"/>
-              </a:buClr>
-              <a:buSzPct val="45000"/>
-              <a:buFont typeface="Wingdings" charset="2"/>
-              <a:buChar char=""/>
-            </a:pPr>
-            <a:r>
-              <a:rPr b="0" lang="en-US" sz="2200" spc="-1" strike="noStrike">
-                <a:solidFill>
-                  <a:srgbClr val="0066cc"/>
-                </a:solidFill>
-                <a:latin typeface="Arial"/>
-              </a:rPr>
-              <a:t>Запускать можно также с помощью любой Java IDE (например IntelliJ Idea)</a:t>
-            </a:r>
-            <a:endParaRPr b="0" lang="en-US" sz="2200" spc="-1" strike="noStrike">
-              <a:solidFill>
-                <a:srgbClr val="0066cc"/>
-              </a:solidFill>
-              <a:latin typeface="Arial"/>
-            </a:endParaRPr>
-          </a:p>
-          <a:p>
-            <a:pPr marL="432000" indent="-324000">
-              <a:spcBef>
-                <a:spcPts val="1417"/>
-              </a:spcBef>
-              <a:buClr>
-                <a:srgbClr val="000000"/>
-              </a:buClr>
-              <a:buSzPct val="45000"/>
-              <a:buFont typeface="Wingdings" charset="2"/>
-              <a:buChar char=""/>
-            </a:pPr>
-            <a:endParaRPr b="0" lang="en-US" sz="2200" spc="-1" strike="noStrike">
-              <a:solidFill>
-                <a:srgbClr val="0066cc"/>
+            <a:endParaRPr lang="en-US" sz="2200" b="0" strike="noStrike" spc="-1">
+              <a:solidFill>
+                <a:srgbClr val="0066CC"/>
               </a:solidFill>
               <a:latin typeface="Arial"/>
             </a:endParaRPr>
@@ -5969,6 +6641,9 @@
       </p:sp>
     </p:spTree>
   </p:cSld>
+  <p:clrMapOvr>
+    <a:masterClrMapping/>
+  </p:clrMapOvr>
 </p:sld>
 </file>
 
@@ -5983,31 +6658,31 @@
         <a:sysClr val="window" lastClr="FFFFFF"/>
       </a:lt1>
       <a:dk2>
-        <a:srgbClr val="1f497d"/>
+        <a:srgbClr val="1F497D"/>
       </a:dk2>
       <a:lt2>
-        <a:srgbClr val="eeece1"/>
+        <a:srgbClr val="EEECE1"/>
       </a:lt2>
       <a:accent1>
-        <a:srgbClr val="4f81bd"/>
+        <a:srgbClr val="4F81BD"/>
       </a:accent1>
       <a:accent2>
-        <a:srgbClr val="c0504d"/>
+        <a:srgbClr val="C0504D"/>
       </a:accent2>
       <a:accent3>
-        <a:srgbClr val="9bbb59"/>
+        <a:srgbClr val="9BBB59"/>
       </a:accent3>
       <a:accent4>
-        <a:srgbClr val="8064a2"/>
+        <a:srgbClr val="8064A2"/>
       </a:accent4>
       <a:accent5>
-        <a:srgbClr val="4bacc6"/>
+        <a:srgbClr val="4BACC6"/>
       </a:accent5>
       <a:accent6>
-        <a:srgbClr val="f79646"/>
+        <a:srgbClr val="F79646"/>
       </a:accent6>
       <a:hlink>
-        <a:srgbClr val="0000ff"/>
+        <a:srgbClr val="0000FF"/>
       </a:hlink>
       <a:folHlink>
         <a:srgbClr val="800080"/>
@@ -6192,6 +6867,8 @@
       </a:bgFillStyleLst>
     </a:fmtScheme>
   </a:themeElements>
+  <a:objectDefaults/>
+  <a:extraClrSchemeLst/>
 </a:theme>
 </file>
 
@@ -6206,31 +6883,31 @@
         <a:sysClr val="window" lastClr="FFFFFF"/>
       </a:lt1>
       <a:dk2>
-        <a:srgbClr val="1f497d"/>
+        <a:srgbClr val="1F497D"/>
       </a:dk2>
       <a:lt2>
-        <a:srgbClr val="eeece1"/>
+        <a:srgbClr val="EEECE1"/>
       </a:lt2>
       <a:accent1>
-        <a:srgbClr val="4f81bd"/>
+        <a:srgbClr val="4F81BD"/>
       </a:accent1>
       <a:accent2>
-        <a:srgbClr val="c0504d"/>
+        <a:srgbClr val="C0504D"/>
       </a:accent2>
       <a:accent3>
-        <a:srgbClr val="9bbb59"/>
+        <a:srgbClr val="9BBB59"/>
       </a:accent3>
       <a:accent4>
-        <a:srgbClr val="8064a2"/>
+        <a:srgbClr val="8064A2"/>
       </a:accent4>
       <a:accent5>
-        <a:srgbClr val="4bacc6"/>
+        <a:srgbClr val="4BACC6"/>
       </a:accent5>
       <a:accent6>
-        <a:srgbClr val="f79646"/>
+        <a:srgbClr val="F79646"/>
       </a:accent6>
       <a:hlink>
-        <a:srgbClr val="0000ff"/>
+        <a:srgbClr val="0000FF"/>
       </a:hlink>
       <a:folHlink>
         <a:srgbClr val="800080"/>
@@ -6415,5 +7092,7 @@
       </a:bgFillStyleLst>
     </a:fmtScheme>
   </a:themeElements>
+  <a:objectDefaults/>
+  <a:extraClrSchemeLst/>
 </a:theme>
 </file>
--- a/Валидатор почты.pptx
+++ b/Валидатор почты.pptx
@@ -16,6 +16,8 @@
     <p:sldId id="263" r:id="rId10"/>
     <p:sldId id="264" r:id="rId11"/>
     <p:sldId id="265" r:id="rId12"/>
+    <p:sldId id="266" r:id="rId13"/>
+    <p:sldId id="267" r:id="rId14"/>
   </p:sldIdLst>
   <p:sldSz cx="10080625" cy="7559675"/>
   <p:notesSz cx="7559675" cy="10691813"/>
@@ -4692,6 +4694,687 @@
 </p:sld>
 </file>
 
+<file path=ppt/slides/slide11.xml><?xml version="1.0" encoding="utf-8"?>
+<p:sld xmlns:a="http://schemas.openxmlformats.org/drawingml/2006/main" xmlns:r="http://schemas.openxmlformats.org/officeDocument/2006/relationships" xmlns:p="http://schemas.openxmlformats.org/presentationml/2006/main">
+  <p:cSld>
+    <p:spTree>
+      <p:nvGrpSpPr>
+        <p:cNvPr id="1" name=""/>
+        <p:cNvGrpSpPr/>
+        <p:nvPr/>
+      </p:nvGrpSpPr>
+      <p:grpSpPr>
+        <a:xfrm>
+          <a:off x="0" y="0"/>
+          <a:ext cx="0" cy="0"/>
+          <a:chOff x="0" y="0"/>
+          <a:chExt cx="0" cy="0"/>
+        </a:xfrm>
+      </p:grpSpPr>
+      <p:sp>
+        <p:nvSpPr>
+          <p:cNvPr id="105" name="TextShape 1"/>
+          <p:cNvSpPr txBox="1"/>
+          <p:nvPr/>
+        </p:nvSpPr>
+        <p:spPr>
+          <a:xfrm>
+            <a:off x="504000" y="301320"/>
+            <a:ext cx="9071640" cy="637560"/>
+          </a:xfrm>
+          <a:prstGeom prst="rect">
+            <a:avLst/>
+          </a:prstGeom>
+          <a:noFill/>
+          <a:ln>
+            <a:noFill/>
+          </a:ln>
+        </p:spPr>
+        <p:txBody>
+          <a:bodyPr lIns="0" tIns="0" rIns="0" bIns="0" anchor="ctr"/>
+          <a:lstStyle/>
+          <a:p>
+            <a:pPr algn="ctr"/>
+            <a:r>
+              <a:rPr lang="en-US" sz="4400" b="0" strike="noStrike" spc="-1" dirty="0" err="1">
+                <a:solidFill>
+                  <a:srgbClr val="FFFFFF"/>
+                </a:solidFill>
+                <a:latin typeface="Arial"/>
+              </a:rPr>
+              <a:t>Реализация</a:t>
+            </a:r>
+            <a:r>
+              <a:rPr lang="en-US" sz="4400" b="0" strike="noStrike" spc="-1" dirty="0">
+                <a:solidFill>
+                  <a:srgbClr val="FFFFFF"/>
+                </a:solidFill>
+                <a:latin typeface="Arial"/>
+              </a:rPr>
+              <a:t> </a:t>
+            </a:r>
+            <a:r>
+              <a:rPr lang="en-US" sz="4400" b="0" strike="noStrike" spc="-1" dirty="0" err="1">
+                <a:solidFill>
+                  <a:srgbClr val="FFFFFF"/>
+                </a:solidFill>
+                <a:latin typeface="Arial"/>
+              </a:rPr>
+              <a:t>на</a:t>
+            </a:r>
+            <a:r>
+              <a:rPr lang="en-US" sz="4400" b="0" strike="noStrike" spc="-1" dirty="0">
+                <a:solidFill>
+                  <a:srgbClr val="FFFFFF"/>
+                </a:solidFill>
+                <a:latin typeface="Arial"/>
+              </a:rPr>
+              <a:t> </a:t>
+            </a:r>
+            <a:r>
+              <a:rPr lang="en-US" sz="4400" spc="-1" dirty="0" err="1" smtClean="0">
+                <a:solidFill>
+                  <a:srgbClr val="FFFFFF"/>
+                </a:solidFill>
+                <a:latin typeface="Arial"/>
+              </a:rPr>
+              <a:t>PlSql</a:t>
+            </a:r>
+            <a:endParaRPr lang="en-US" sz="4400" b="0" strike="noStrike" spc="-1" dirty="0">
+              <a:solidFill>
+                <a:srgbClr val="FFFFFF"/>
+              </a:solidFill>
+              <a:latin typeface="Arial"/>
+            </a:endParaRPr>
+          </a:p>
+        </p:txBody>
+      </p:sp>
+      <p:sp>
+        <p:nvSpPr>
+          <p:cNvPr id="106" name="TextShape 2"/>
+          <p:cNvSpPr txBox="1"/>
+          <p:nvPr/>
+        </p:nvSpPr>
+        <p:spPr>
+          <a:xfrm>
+            <a:off x="504000" y="1424066"/>
+            <a:ext cx="9071640" cy="4729414"/>
+          </a:xfrm>
+          <a:prstGeom prst="rect">
+            <a:avLst/>
+          </a:prstGeom>
+          <a:noFill/>
+          <a:ln>
+            <a:noFill/>
+          </a:ln>
+        </p:spPr>
+        <p:txBody>
+          <a:bodyPr lIns="0" tIns="0" rIns="0" bIns="0"/>
+          <a:lstStyle/>
+          <a:p>
+            <a:pPr marL="432000" indent="-324000">
+              <a:spcBef>
+                <a:spcPts val="1417"/>
+              </a:spcBef>
+              <a:buClr>
+                <a:srgbClr val="000000"/>
+              </a:buClr>
+              <a:buSzPct val="45000"/>
+              <a:buFont typeface="Wingdings" charset="2"/>
+              <a:buChar char=""/>
+            </a:pPr>
+            <a:r>
+              <a:rPr lang="ru-RU" sz="2000" spc="-1" dirty="0" smtClean="0">
+                <a:solidFill>
+                  <a:srgbClr val="0066CC"/>
+                </a:solidFill>
+                <a:latin typeface="Arial"/>
+              </a:rPr>
+              <a:t>Реализация состоит из двух пакетов </a:t>
+            </a:r>
+            <a:r>
+              <a:rPr lang="en-US" sz="2000" spc="-1" dirty="0" smtClean="0">
+                <a:solidFill>
+                  <a:srgbClr val="0066CC"/>
+                </a:solidFill>
+                <a:latin typeface="Arial"/>
+              </a:rPr>
+              <a:t>XX_MAIL </a:t>
+            </a:r>
+            <a:r>
+              <a:rPr lang="ru-RU" sz="2000" spc="-1" dirty="0" smtClean="0">
+                <a:solidFill>
+                  <a:srgbClr val="0066CC"/>
+                </a:solidFill>
+                <a:latin typeface="Arial"/>
+              </a:rPr>
+              <a:t>и </a:t>
+            </a:r>
+            <a:r>
+              <a:rPr lang="en-US" sz="2000" spc="-1" dirty="0" smtClean="0">
+                <a:solidFill>
+                  <a:srgbClr val="0066CC"/>
+                </a:solidFill>
+                <a:latin typeface="Arial"/>
+              </a:rPr>
+              <a:t>XX_MAIL_TEST</a:t>
+            </a:r>
+          </a:p>
+          <a:p>
+            <a:pPr marL="432000" indent="-324000">
+              <a:spcBef>
+                <a:spcPts val="1417"/>
+              </a:spcBef>
+              <a:buClr>
+                <a:srgbClr val="000000"/>
+              </a:buClr>
+              <a:buSzPct val="45000"/>
+              <a:buFont typeface="Wingdings" charset="2"/>
+              <a:buChar char=""/>
+            </a:pPr>
+            <a:r>
+              <a:rPr lang="ru-RU" sz="2000" b="0" strike="noStrike" spc="-1" dirty="0" smtClean="0">
+                <a:solidFill>
+                  <a:srgbClr val="0066CC"/>
+                </a:solidFill>
+                <a:latin typeface="Arial"/>
+              </a:rPr>
+              <a:t>Пакет </a:t>
+            </a:r>
+            <a:r>
+              <a:rPr lang="en-US" sz="2000" b="0" strike="noStrike" spc="-1" dirty="0" smtClean="0">
+                <a:solidFill>
+                  <a:srgbClr val="0066CC"/>
+                </a:solidFill>
+                <a:latin typeface="Arial"/>
+              </a:rPr>
+              <a:t>XX_MAIL </a:t>
+            </a:r>
+            <a:r>
+              <a:rPr lang="ru-RU" sz="2000" b="0" strike="noStrike" spc="-1" dirty="0" smtClean="0">
+                <a:solidFill>
+                  <a:srgbClr val="0066CC"/>
+                </a:solidFill>
+                <a:latin typeface="Arial"/>
+              </a:rPr>
+              <a:t>содержит валидацию списка почтовых адресов</a:t>
+            </a:r>
+            <a:r>
+              <a:rPr lang="en-US" sz="2000" b="0" strike="noStrike" spc="-1" dirty="0" smtClean="0">
+                <a:solidFill>
+                  <a:srgbClr val="0066CC"/>
+                </a:solidFill>
+                <a:latin typeface="Arial"/>
+              </a:rPr>
+              <a:t> </a:t>
+            </a:r>
+            <a:r>
+              <a:rPr lang="ru-RU" sz="2000" b="0" strike="noStrike" spc="-1" dirty="0" smtClean="0">
+                <a:solidFill>
+                  <a:srgbClr val="0066CC"/>
+                </a:solidFill>
+                <a:latin typeface="Arial"/>
+              </a:rPr>
+              <a:t>на соответствие требованиям.</a:t>
+            </a:r>
+          </a:p>
+          <a:p>
+            <a:pPr marL="432000" indent="-324000">
+              <a:spcBef>
+                <a:spcPts val="1417"/>
+              </a:spcBef>
+              <a:buClr>
+                <a:srgbClr val="000000"/>
+              </a:buClr>
+              <a:buSzPct val="45000"/>
+              <a:buFont typeface="Wingdings" charset="2"/>
+              <a:buChar char=""/>
+            </a:pPr>
+            <a:r>
+              <a:rPr lang="ru-RU" sz="2000" spc="-1" dirty="0" smtClean="0">
+                <a:solidFill>
+                  <a:srgbClr val="0066CC"/>
+                </a:solidFill>
+                <a:latin typeface="Arial"/>
+              </a:rPr>
+              <a:t>Пакет </a:t>
+            </a:r>
+            <a:r>
+              <a:rPr lang="en-US" sz="2000" spc="-1" dirty="0" smtClean="0">
+                <a:solidFill>
+                  <a:srgbClr val="0066CC"/>
+                </a:solidFill>
+                <a:latin typeface="Arial"/>
+              </a:rPr>
+              <a:t>XX_MAIL_TEST </a:t>
+            </a:r>
+            <a:r>
+              <a:rPr lang="ru-RU" sz="2000" spc="-1" dirty="0" smtClean="0">
+                <a:solidFill>
+                  <a:srgbClr val="0066CC"/>
+                </a:solidFill>
+                <a:latin typeface="Arial"/>
+              </a:rPr>
+              <a:t>является тестовым пакетом для </a:t>
+            </a:r>
+            <a:r>
+              <a:rPr lang="en-US" sz="2000" spc="-1" dirty="0" smtClean="0">
+                <a:solidFill>
+                  <a:srgbClr val="0066CC"/>
+                </a:solidFill>
+                <a:latin typeface="Arial"/>
+              </a:rPr>
+              <a:t>XX_TEST. </a:t>
+            </a:r>
+            <a:r>
+              <a:rPr lang="ru-RU" sz="2000" spc="-1" dirty="0" smtClean="0">
+                <a:solidFill>
+                  <a:srgbClr val="0066CC"/>
+                </a:solidFill>
+                <a:latin typeface="Arial"/>
+              </a:rPr>
+              <a:t>Функция </a:t>
+            </a:r>
+            <a:r>
+              <a:rPr lang="en-US" sz="2000" spc="-1" dirty="0" smtClean="0">
+                <a:solidFill>
+                  <a:srgbClr val="0066CC"/>
+                </a:solidFill>
+                <a:latin typeface="Arial"/>
+              </a:rPr>
+              <a:t>run </a:t>
+            </a:r>
+            <a:r>
+              <a:rPr lang="ru-RU" sz="2000" spc="-1" dirty="0" smtClean="0">
+                <a:solidFill>
+                  <a:srgbClr val="0066CC"/>
+                </a:solidFill>
+                <a:latin typeface="Arial"/>
+              </a:rPr>
+              <a:t>запускает тесты и выводит отчет. Возвращает </a:t>
+            </a:r>
+            <a:r>
+              <a:rPr lang="en-US" sz="2000" spc="-1" dirty="0" smtClean="0">
+                <a:solidFill>
+                  <a:srgbClr val="0066CC"/>
+                </a:solidFill>
+                <a:latin typeface="Arial"/>
+              </a:rPr>
+              <a:t>Boolean </a:t>
+            </a:r>
+            <a:r>
+              <a:rPr lang="ru-RU" sz="2000" spc="-1" dirty="0" smtClean="0">
+                <a:solidFill>
+                  <a:srgbClr val="0066CC"/>
+                </a:solidFill>
+                <a:latin typeface="Arial"/>
+              </a:rPr>
+              <a:t>значение, </a:t>
+            </a:r>
+            <a:r>
+              <a:rPr lang="en-US" sz="2000" spc="-1" dirty="0" smtClean="0">
+                <a:solidFill>
+                  <a:srgbClr val="0066CC"/>
+                </a:solidFill>
+                <a:latin typeface="Arial"/>
+              </a:rPr>
+              <a:t>true </a:t>
+            </a:r>
+            <a:r>
+              <a:rPr lang="ru-RU" sz="2000" spc="-1" dirty="0" smtClean="0">
+                <a:solidFill>
+                  <a:srgbClr val="0066CC"/>
+                </a:solidFill>
+                <a:latin typeface="Arial"/>
+              </a:rPr>
+              <a:t>в случае успеха (все тесты пройдены) и </a:t>
+            </a:r>
+            <a:r>
+              <a:rPr lang="en-US" sz="2000" spc="-1" dirty="0" smtClean="0">
+                <a:solidFill>
+                  <a:srgbClr val="0066CC"/>
+                </a:solidFill>
+                <a:latin typeface="Arial"/>
+              </a:rPr>
+              <a:t>false</a:t>
+            </a:r>
+            <a:r>
+              <a:rPr lang="ru-RU" sz="2000" spc="-1" dirty="0" smtClean="0">
+                <a:solidFill>
+                  <a:srgbClr val="0066CC"/>
+                </a:solidFill>
+                <a:latin typeface="Arial"/>
+              </a:rPr>
+              <a:t>,</a:t>
+            </a:r>
+            <a:r>
+              <a:rPr lang="en-US" sz="2000" spc="-1" dirty="0" smtClean="0">
+                <a:solidFill>
+                  <a:srgbClr val="0066CC"/>
+                </a:solidFill>
+                <a:latin typeface="Arial"/>
+              </a:rPr>
+              <a:t> </a:t>
+            </a:r>
+            <a:r>
+              <a:rPr lang="ru-RU" sz="2000" spc="-1" dirty="0" smtClean="0">
+                <a:solidFill>
+                  <a:srgbClr val="0066CC"/>
+                </a:solidFill>
+                <a:latin typeface="Arial"/>
+              </a:rPr>
+              <a:t>если хотя бы один тест не пройден.</a:t>
+            </a:r>
+          </a:p>
+          <a:p>
+            <a:pPr marL="432000" indent="-324000">
+              <a:spcBef>
+                <a:spcPts val="1417"/>
+              </a:spcBef>
+              <a:buClr>
+                <a:srgbClr val="000000"/>
+              </a:buClr>
+              <a:buSzPct val="45000"/>
+              <a:buFont typeface="Wingdings" charset="2"/>
+              <a:buChar char=""/>
+            </a:pPr>
+            <a:r>
+              <a:rPr lang="ru-RU" sz="2000" b="0" strike="noStrike" spc="-1" dirty="0" smtClean="0">
+                <a:solidFill>
+                  <a:srgbClr val="0066CC"/>
+                </a:solidFill>
+                <a:latin typeface="Arial"/>
+              </a:rPr>
+              <a:t>Для инсталяции пакетов и запуска тестов достаточно выполнить файл </a:t>
+            </a:r>
+            <a:r>
+              <a:rPr lang="en-US" sz="2000" b="0" strike="noStrike" spc="-1" dirty="0" err="1" smtClean="0">
+                <a:solidFill>
+                  <a:srgbClr val="0066CC"/>
+                </a:solidFill>
+                <a:latin typeface="Arial"/>
+              </a:rPr>
+              <a:t>run.sql</a:t>
+            </a:r>
+            <a:r>
+              <a:rPr lang="en-US" sz="2000" b="0" strike="noStrike" spc="-1" dirty="0" smtClean="0">
+                <a:solidFill>
+                  <a:srgbClr val="0066CC"/>
+                </a:solidFill>
+                <a:latin typeface="Arial"/>
+              </a:rPr>
+              <a:t> </a:t>
+            </a:r>
+            <a:r>
+              <a:rPr lang="ru-RU" sz="2000" b="0" strike="noStrike" spc="-1" dirty="0" smtClean="0">
+                <a:solidFill>
+                  <a:srgbClr val="0066CC"/>
+                </a:solidFill>
+                <a:latin typeface="Arial"/>
+              </a:rPr>
+              <a:t>в </a:t>
+            </a:r>
+            <a:r>
+              <a:rPr lang="en-US" sz="2000" b="0" strike="noStrike" spc="-1" dirty="0" err="1" smtClean="0">
+                <a:solidFill>
+                  <a:srgbClr val="0066CC"/>
+                </a:solidFill>
+                <a:latin typeface="Arial"/>
+              </a:rPr>
+              <a:t>sqlplus</a:t>
+            </a:r>
+            <a:r>
+              <a:rPr lang="en-US" sz="2000" b="0" strike="noStrike" spc="-1" dirty="0" smtClean="0">
+                <a:solidFill>
+                  <a:srgbClr val="0066CC"/>
+                </a:solidFill>
+                <a:latin typeface="Arial"/>
+              </a:rPr>
+              <a:t> </a:t>
+            </a:r>
+            <a:r>
+              <a:rPr lang="ru-RU" sz="2000" b="0" strike="noStrike" spc="-1" dirty="0" smtClean="0">
+                <a:solidFill>
+                  <a:srgbClr val="0066CC"/>
+                </a:solidFill>
+                <a:latin typeface="Arial"/>
+              </a:rPr>
+              <a:t>или другой среде разработки </a:t>
+            </a:r>
+            <a:r>
+              <a:rPr lang="en-US" sz="2000" spc="-1" dirty="0" smtClean="0">
+                <a:solidFill>
+                  <a:srgbClr val="0066CC"/>
+                </a:solidFill>
+                <a:latin typeface="Arial"/>
+              </a:rPr>
+              <a:t>O</a:t>
+            </a:r>
+            <a:r>
+              <a:rPr lang="en-US" sz="2000" b="0" strike="noStrike" spc="-1" dirty="0" smtClean="0">
+                <a:solidFill>
+                  <a:srgbClr val="0066CC"/>
+                </a:solidFill>
+                <a:latin typeface="Arial"/>
+              </a:rPr>
+              <a:t>racle (Toad, </a:t>
+            </a:r>
+            <a:r>
+              <a:rPr lang="en-US" sz="2000" b="0" strike="noStrike" spc="-1" dirty="0" err="1" smtClean="0">
+                <a:solidFill>
+                  <a:srgbClr val="0066CC"/>
+                </a:solidFill>
+                <a:latin typeface="Arial"/>
+              </a:rPr>
+              <a:t>SQLDeveloper</a:t>
+            </a:r>
+            <a:r>
+              <a:rPr lang="en-US" sz="2000" b="0" strike="noStrike" spc="-1" dirty="0" smtClean="0">
+                <a:solidFill>
+                  <a:srgbClr val="0066CC"/>
+                </a:solidFill>
+                <a:latin typeface="Arial"/>
+              </a:rPr>
+              <a:t> </a:t>
+            </a:r>
+            <a:r>
+              <a:rPr lang="en-US" sz="2000" b="0" strike="noStrike" spc="-1" dirty="0" err="1" smtClean="0">
+                <a:solidFill>
+                  <a:srgbClr val="0066CC"/>
+                </a:solidFill>
+                <a:latin typeface="Arial"/>
+              </a:rPr>
+              <a:t>etc</a:t>
+            </a:r>
+            <a:r>
+              <a:rPr lang="en-US" sz="2000" b="0" strike="noStrike" spc="-1" dirty="0" smtClean="0">
+                <a:solidFill>
+                  <a:srgbClr val="0066CC"/>
+                </a:solidFill>
+                <a:latin typeface="Arial"/>
+              </a:rPr>
+              <a:t>)</a:t>
+            </a:r>
+          </a:p>
+          <a:p>
+            <a:pPr marL="432000" indent="-324000">
+              <a:spcBef>
+                <a:spcPts val="1417"/>
+              </a:spcBef>
+              <a:buClr>
+                <a:srgbClr val="000000"/>
+              </a:buClr>
+              <a:buSzPct val="45000"/>
+              <a:buFont typeface="Wingdings" charset="2"/>
+              <a:buChar char=""/>
+            </a:pPr>
+            <a:r>
+              <a:rPr lang="ru-RU" sz="2000" spc="-1" dirty="0" smtClean="0">
+                <a:solidFill>
+                  <a:srgbClr val="0066CC"/>
+                </a:solidFill>
+                <a:latin typeface="Arial"/>
+              </a:rPr>
+              <a:t>Все скрипты можно найти в </a:t>
+            </a:r>
+            <a:r>
+              <a:rPr lang="en-US" sz="2000" spc="-1" dirty="0" err="1" smtClean="0">
+                <a:solidFill>
+                  <a:srgbClr val="0066CC"/>
+                </a:solidFill>
+                <a:latin typeface="Arial"/>
+              </a:rPr>
+              <a:t>github</a:t>
+            </a:r>
+            <a:r>
+              <a:rPr lang="en-US" sz="2000" spc="-1" dirty="0">
+                <a:solidFill>
+                  <a:srgbClr val="0066CC"/>
+                </a:solidFill>
+                <a:latin typeface="Arial"/>
+              </a:rPr>
+              <a:t> </a:t>
+            </a:r>
+            <a:r>
+              <a:rPr lang="ru-RU" sz="2000" spc="-1" dirty="0" smtClean="0">
+                <a:solidFill>
+                  <a:srgbClr val="0066CC"/>
+                </a:solidFill>
+                <a:latin typeface="Arial"/>
+              </a:rPr>
+              <a:t>по тому же адресу проекта, папке </a:t>
+            </a:r>
+            <a:r>
+              <a:rPr lang="en-US" sz="2000" spc="-1" dirty="0" err="1" smtClean="0">
+                <a:solidFill>
+                  <a:srgbClr val="0066CC"/>
+                </a:solidFill>
+                <a:latin typeface="Arial"/>
+              </a:rPr>
+              <a:t>sql</a:t>
+            </a:r>
+            <a:endParaRPr lang="en-US" sz="2000" spc="-1" dirty="0" smtClean="0">
+              <a:solidFill>
+                <a:srgbClr val="0066CC"/>
+              </a:solidFill>
+              <a:latin typeface="Arial"/>
+            </a:endParaRPr>
+          </a:p>
+          <a:p>
+            <a:pPr marL="108000">
+              <a:spcBef>
+                <a:spcPts val="1417"/>
+              </a:spcBef>
+              <a:buClr>
+                <a:srgbClr val="000000"/>
+              </a:buClr>
+              <a:buSzPct val="45000"/>
+            </a:pPr>
+            <a:r>
+              <a:rPr lang="en-US" sz="2000" dirty="0" smtClean="0">
+                <a:hlinkClick r:id="rId2"/>
+              </a:rPr>
+              <a:t>https://github.com/mikechip1980/mail_validator/tree/master/sql</a:t>
+            </a:r>
+            <a:endParaRPr lang="en-US" sz="2000" b="0" strike="noStrike" spc="-1" dirty="0">
+              <a:solidFill>
+                <a:srgbClr val="0066CC"/>
+              </a:solidFill>
+              <a:latin typeface="Arial"/>
+            </a:endParaRPr>
+          </a:p>
+        </p:txBody>
+      </p:sp>
+    </p:spTree>
+    <p:extLst>
+      <p:ext uri="{BB962C8B-B14F-4D97-AF65-F5344CB8AC3E}">
+        <p14:creationId xmlns:p14="http://schemas.microsoft.com/office/powerpoint/2010/main" val="2580328631"/>
+      </p:ext>
+    </p:extLst>
+  </p:cSld>
+  <p:clrMapOvr>
+    <a:masterClrMapping/>
+  </p:clrMapOvr>
+</p:sld>
+</file>
+
+<file path=ppt/slides/slide12.xml><?xml version="1.0" encoding="utf-8"?>
+<p:sld xmlns:a="http://schemas.openxmlformats.org/drawingml/2006/main" xmlns:r="http://schemas.openxmlformats.org/officeDocument/2006/relationships" xmlns:p="http://schemas.openxmlformats.org/presentationml/2006/main">
+  <p:cSld>
+    <p:spTree>
+      <p:nvGrpSpPr>
+        <p:cNvPr id="1" name=""/>
+        <p:cNvGrpSpPr/>
+        <p:nvPr/>
+      </p:nvGrpSpPr>
+      <p:grpSpPr>
+        <a:xfrm>
+          <a:off x="0" y="0"/>
+          <a:ext cx="0" cy="0"/>
+          <a:chOff x="0" y="0"/>
+          <a:chExt cx="0" cy="0"/>
+        </a:xfrm>
+      </p:grpSpPr>
+      <p:sp>
+        <p:nvSpPr>
+          <p:cNvPr id="3" name="Text Placeholder 2"/>
+          <p:cNvSpPr>
+            <a:spLocks noGrp="1"/>
+          </p:cNvSpPr>
+          <p:nvPr>
+            <p:ph type="body"/>
+          </p:nvPr>
+        </p:nvSpPr>
+        <p:spPr>
+          <a:xfrm>
+            <a:off x="504000" y="1769040"/>
+            <a:ext cx="9071640" cy="1483826"/>
+          </a:xfrm>
+        </p:spPr>
+        <p:txBody>
+          <a:bodyPr/>
+          <a:lstStyle/>
+          <a:p>
+            <a:pPr marL="0" indent="0">
+              <a:buNone/>
+            </a:pPr>
+            <a:endParaRPr lang="ru-RU" dirty="0" smtClean="0"/>
+          </a:p>
+          <a:p>
+            <a:pPr marL="0" indent="0">
+              <a:buNone/>
+            </a:pPr>
+            <a:endParaRPr lang="ru-RU" dirty="0"/>
+          </a:p>
+          <a:p>
+            <a:pPr marL="0" indent="0" algn="ctr">
+              <a:buNone/>
+            </a:pPr>
+            <a:r>
+              <a:rPr lang="ru-RU" sz="4000" spc="-1" dirty="0">
+                <a:solidFill>
+                  <a:srgbClr val="0066CC"/>
+                </a:solidFill>
+                <a:latin typeface="Arial"/>
+              </a:rPr>
+              <a:t>Спасибо за внимание!</a:t>
+            </a:r>
+          </a:p>
+        </p:txBody>
+      </p:sp>
+    </p:spTree>
+    <p:extLst>
+      <p:ext uri="{BB962C8B-B14F-4D97-AF65-F5344CB8AC3E}">
+        <p14:creationId xmlns:p14="http://schemas.microsoft.com/office/powerpoint/2010/main" val="2727212459"/>
+      </p:ext>
+    </p:extLst>
+  </p:cSld>
+  <p:clrMapOvr>
+    <a:masterClrMapping/>
+  </p:clrMapOvr>
+</p:sld>
+</file>
+
 <file path=ppt/slides/slide2.xml><?xml version="1.0" encoding="utf-8"?>
 <p:sld xmlns:a="http://schemas.openxmlformats.org/drawingml/2006/main" xmlns:r="http://schemas.openxmlformats.org/officeDocument/2006/relationships" xmlns:p="http://schemas.openxmlformats.org/presentationml/2006/main">
   <p:cSld>
@@ -5720,7 +6403,7 @@
               <a:t> </a:t>
             </a:r>
             <a:r>
-              <a:rPr lang="ru-RU" sz="3200" spc="-1" smtClean="0">
+              <a:rPr lang="ru-RU" sz="3200" spc="-1" dirty="0" smtClean="0">
                 <a:solidFill>
                   <a:srgbClr val="0066CC"/>
                 </a:solidFill>
@@ -5729,7 +6412,7 @@
               <a:t>реализован </a:t>
             </a:r>
             <a:r>
-              <a:rPr lang="en-US" sz="3200" b="0" strike="noStrike" spc="-1" smtClean="0">
+              <a:rPr lang="en-US" sz="3200" b="0" strike="noStrike" spc="-1" dirty="0" err="1" smtClean="0">
                 <a:solidFill>
                   <a:srgbClr val="0066CC"/>
                 </a:solidFill>
@@ -5924,14 +6607,290 @@
               <a:buChar char=""/>
             </a:pPr>
             <a:r>
-              <a:rPr lang="en-US" sz="2600" b="0" strike="noStrike" spc="-1">
-                <a:solidFill>
-                  <a:srgbClr val="0066CC"/>
-                </a:solidFill>
-                <a:latin typeface="Arial"/>
-              </a:rPr>
-              <a:t>Для возможности валидации различных стандартов и удобства тестирования различных вариантов реализации, был создан интерфейс Validator с одной функцией isValid</a:t>
-            </a:r>
+              <a:rPr lang="en-US" sz="2600" b="0" strike="noStrike" spc="-1" dirty="0" err="1">
+                <a:solidFill>
+                  <a:srgbClr val="0066CC"/>
+                </a:solidFill>
+                <a:latin typeface="Arial"/>
+              </a:rPr>
+              <a:t>Для</a:t>
+            </a:r>
+            <a:r>
+              <a:rPr lang="en-US" sz="2600" b="0" strike="noStrike" spc="-1" dirty="0">
+                <a:solidFill>
+                  <a:srgbClr val="0066CC"/>
+                </a:solidFill>
+                <a:latin typeface="Arial"/>
+              </a:rPr>
+              <a:t> </a:t>
+            </a:r>
+            <a:r>
+              <a:rPr lang="en-US" sz="2600" b="0" strike="noStrike" spc="-1" dirty="0" err="1">
+                <a:solidFill>
+                  <a:srgbClr val="0066CC"/>
+                </a:solidFill>
+                <a:latin typeface="Arial"/>
+              </a:rPr>
+              <a:t>возможности</a:t>
+            </a:r>
+            <a:r>
+              <a:rPr lang="en-US" sz="2600" b="0" strike="noStrike" spc="-1" dirty="0">
+                <a:solidFill>
+                  <a:srgbClr val="0066CC"/>
+                </a:solidFill>
+                <a:latin typeface="Arial"/>
+              </a:rPr>
+              <a:t> </a:t>
+            </a:r>
+            <a:r>
+              <a:rPr lang="en-US" sz="2600" b="0" strike="noStrike" spc="-1" dirty="0" err="1">
+                <a:solidFill>
+                  <a:srgbClr val="0066CC"/>
+                </a:solidFill>
+                <a:latin typeface="Arial"/>
+              </a:rPr>
+              <a:t>валидации</a:t>
+            </a:r>
+            <a:r>
+              <a:rPr lang="en-US" sz="2600" b="0" strike="noStrike" spc="-1" dirty="0">
+                <a:solidFill>
+                  <a:srgbClr val="0066CC"/>
+                </a:solidFill>
+                <a:latin typeface="Arial"/>
+              </a:rPr>
+              <a:t> </a:t>
+            </a:r>
+            <a:r>
+              <a:rPr lang="en-US" sz="2600" b="0" strike="noStrike" spc="-1" dirty="0" err="1">
+                <a:solidFill>
+                  <a:srgbClr val="0066CC"/>
+                </a:solidFill>
+                <a:latin typeface="Arial"/>
+              </a:rPr>
+              <a:t>различных</a:t>
+            </a:r>
+            <a:r>
+              <a:rPr lang="en-US" sz="2600" b="0" strike="noStrike" spc="-1" dirty="0">
+                <a:solidFill>
+                  <a:srgbClr val="0066CC"/>
+                </a:solidFill>
+                <a:latin typeface="Arial"/>
+              </a:rPr>
+              <a:t> </a:t>
+            </a:r>
+            <a:r>
+              <a:rPr lang="en-US" sz="2600" b="0" strike="noStrike" spc="-1" dirty="0" err="1">
+                <a:solidFill>
+                  <a:srgbClr val="0066CC"/>
+                </a:solidFill>
+                <a:latin typeface="Arial"/>
+              </a:rPr>
+              <a:t>стандартов</a:t>
+            </a:r>
+            <a:r>
+              <a:rPr lang="en-US" sz="2600" b="0" strike="noStrike" spc="-1" dirty="0">
+                <a:solidFill>
+                  <a:srgbClr val="0066CC"/>
+                </a:solidFill>
+                <a:latin typeface="Arial"/>
+              </a:rPr>
+              <a:t> и </a:t>
+            </a:r>
+            <a:r>
+              <a:rPr lang="en-US" sz="2600" b="0" strike="noStrike" spc="-1" dirty="0" err="1">
+                <a:solidFill>
+                  <a:srgbClr val="0066CC"/>
+                </a:solidFill>
+                <a:latin typeface="Arial"/>
+              </a:rPr>
+              <a:t>удобства</a:t>
+            </a:r>
+            <a:r>
+              <a:rPr lang="en-US" sz="2600" b="0" strike="noStrike" spc="-1" dirty="0">
+                <a:solidFill>
+                  <a:srgbClr val="0066CC"/>
+                </a:solidFill>
+                <a:latin typeface="Arial"/>
+              </a:rPr>
+              <a:t> </a:t>
+            </a:r>
+            <a:r>
+              <a:rPr lang="en-US" sz="2600" b="0" strike="noStrike" spc="-1" dirty="0" err="1">
+                <a:solidFill>
+                  <a:srgbClr val="0066CC"/>
+                </a:solidFill>
+                <a:latin typeface="Arial"/>
+              </a:rPr>
+              <a:t>тестирования</a:t>
+            </a:r>
+            <a:r>
+              <a:rPr lang="en-US" sz="2600" b="0" strike="noStrike" spc="-1" dirty="0">
+                <a:solidFill>
+                  <a:srgbClr val="0066CC"/>
+                </a:solidFill>
+                <a:latin typeface="Arial"/>
+              </a:rPr>
+              <a:t> </a:t>
+            </a:r>
+            <a:r>
+              <a:rPr lang="en-US" sz="2600" b="0" strike="noStrike" spc="-1" dirty="0" err="1">
+                <a:solidFill>
+                  <a:srgbClr val="0066CC"/>
+                </a:solidFill>
+                <a:latin typeface="Arial"/>
+              </a:rPr>
+              <a:t>различных</a:t>
+            </a:r>
+            <a:r>
+              <a:rPr lang="en-US" sz="2600" b="0" strike="noStrike" spc="-1" dirty="0">
+                <a:solidFill>
+                  <a:srgbClr val="0066CC"/>
+                </a:solidFill>
+                <a:latin typeface="Arial"/>
+              </a:rPr>
+              <a:t> </a:t>
+            </a:r>
+            <a:r>
+              <a:rPr lang="en-US" sz="2600" b="0" strike="noStrike" spc="-1" dirty="0" err="1">
+                <a:solidFill>
+                  <a:srgbClr val="0066CC"/>
+                </a:solidFill>
+                <a:latin typeface="Arial"/>
+              </a:rPr>
+              <a:t>вариантов</a:t>
+            </a:r>
+            <a:r>
+              <a:rPr lang="en-US" sz="2600" b="0" strike="noStrike" spc="-1" dirty="0">
+                <a:solidFill>
+                  <a:srgbClr val="0066CC"/>
+                </a:solidFill>
+                <a:latin typeface="Arial"/>
+              </a:rPr>
+              <a:t> </a:t>
+            </a:r>
+            <a:r>
+              <a:rPr lang="en-US" sz="2600" b="0" strike="noStrike" spc="-1" dirty="0" err="1">
+                <a:solidFill>
+                  <a:srgbClr val="0066CC"/>
+                </a:solidFill>
+                <a:latin typeface="Arial"/>
+              </a:rPr>
+              <a:t>реализации</a:t>
+            </a:r>
+            <a:r>
+              <a:rPr lang="en-US" sz="2600" b="0" strike="noStrike" spc="-1" dirty="0">
+                <a:solidFill>
+                  <a:srgbClr val="0066CC"/>
+                </a:solidFill>
+                <a:latin typeface="Arial"/>
+              </a:rPr>
+              <a:t>, </a:t>
+            </a:r>
+            <a:r>
+              <a:rPr lang="en-US" sz="2600" b="0" strike="noStrike" spc="-1" dirty="0" err="1">
+                <a:solidFill>
+                  <a:srgbClr val="0066CC"/>
+                </a:solidFill>
+                <a:latin typeface="Arial"/>
+              </a:rPr>
+              <a:t>был</a:t>
+            </a:r>
+            <a:r>
+              <a:rPr lang="en-US" sz="2600" b="0" strike="noStrike" spc="-1" dirty="0">
+                <a:solidFill>
+                  <a:srgbClr val="0066CC"/>
+                </a:solidFill>
+                <a:latin typeface="Arial"/>
+              </a:rPr>
+              <a:t> </a:t>
+            </a:r>
+            <a:r>
+              <a:rPr lang="en-US" sz="2600" b="0" strike="noStrike" spc="-1" dirty="0" err="1">
+                <a:solidFill>
+                  <a:srgbClr val="0066CC"/>
+                </a:solidFill>
+                <a:latin typeface="Arial"/>
+              </a:rPr>
+              <a:t>создан</a:t>
+            </a:r>
+            <a:r>
+              <a:rPr lang="en-US" sz="2600" b="0" strike="noStrike" spc="-1" dirty="0">
+                <a:solidFill>
+                  <a:srgbClr val="0066CC"/>
+                </a:solidFill>
+                <a:latin typeface="Arial"/>
+              </a:rPr>
+              <a:t> </a:t>
+            </a:r>
+            <a:r>
+              <a:rPr lang="en-US" sz="2600" b="0" strike="noStrike" spc="-1" dirty="0" err="1">
+                <a:solidFill>
+                  <a:srgbClr val="0066CC"/>
+                </a:solidFill>
+                <a:latin typeface="Arial"/>
+              </a:rPr>
+              <a:t>интерфейс</a:t>
+            </a:r>
+            <a:r>
+              <a:rPr lang="en-US" sz="2600" b="0" strike="noStrike" spc="-1" dirty="0">
+                <a:solidFill>
+                  <a:srgbClr val="0066CC"/>
+                </a:solidFill>
+                <a:latin typeface="Arial"/>
+              </a:rPr>
+              <a:t> Validator с </a:t>
+            </a:r>
+            <a:r>
+              <a:rPr lang="en-US" sz="2600" b="0" strike="noStrike" spc="-1" dirty="0" err="1">
+                <a:solidFill>
+                  <a:srgbClr val="0066CC"/>
+                </a:solidFill>
+                <a:latin typeface="Arial"/>
+              </a:rPr>
+              <a:t>одной</a:t>
+            </a:r>
+            <a:r>
+              <a:rPr lang="en-US" sz="2600" b="0" strike="noStrike" spc="-1" dirty="0">
+                <a:solidFill>
+                  <a:srgbClr val="0066CC"/>
+                </a:solidFill>
+                <a:latin typeface="Arial"/>
+              </a:rPr>
+              <a:t> </a:t>
+            </a:r>
+            <a:r>
+              <a:rPr lang="en-US" sz="2600" b="0" strike="noStrike" spc="-1" dirty="0" err="1">
+                <a:solidFill>
+                  <a:srgbClr val="0066CC"/>
+                </a:solidFill>
+                <a:latin typeface="Arial"/>
+              </a:rPr>
+              <a:t>функцией</a:t>
+            </a:r>
+            <a:r>
+              <a:rPr lang="en-US" sz="2600" b="0" strike="noStrike" spc="-1" dirty="0">
+                <a:solidFill>
+                  <a:srgbClr val="0066CC"/>
+                </a:solidFill>
+                <a:latin typeface="Arial"/>
+              </a:rPr>
+              <a:t> </a:t>
+            </a:r>
+            <a:r>
+              <a:rPr lang="en-US" sz="2600" b="0" strike="noStrike" spc="-1" dirty="0" err="1">
+                <a:solidFill>
+                  <a:srgbClr val="0066CC"/>
+                </a:solidFill>
+                <a:latin typeface="Arial"/>
+              </a:rPr>
+              <a:t>isValid</a:t>
+            </a:r>
+            <a:endParaRPr lang="en-US" sz="2600" b="0" strike="noStrike" spc="-1" dirty="0">
+              <a:solidFill>
+                <a:srgbClr val="0066CC"/>
+              </a:solidFill>
+              <a:latin typeface="Arial"/>
+            </a:endParaRPr>
           </a:p>
           <a:p>
             <a:pPr marL="432000" indent="-324000">
@@ -5946,14 +6905,110 @@
               <a:buChar char=""/>
             </a:pPr>
             <a:r>
-              <a:rPr lang="en-US" sz="2600" b="0" strike="noStrike" spc="-1">
-                <a:solidFill>
-                  <a:srgbClr val="0066CC"/>
-                </a:solidFill>
-                <a:latin typeface="Arial"/>
-              </a:rPr>
-              <a:t>Интерфейс реализуют два класса StandardInternetAddress и SimpleTemplateValidator</a:t>
-            </a:r>
+              <a:rPr lang="en-US" sz="2600" b="0" strike="noStrike" spc="-1" dirty="0" err="1">
+                <a:solidFill>
+                  <a:srgbClr val="0066CC"/>
+                </a:solidFill>
+                <a:latin typeface="Arial"/>
+              </a:rPr>
+              <a:t>Интерфейс</a:t>
+            </a:r>
+            <a:r>
+              <a:rPr lang="en-US" sz="2600" b="0" strike="noStrike" spc="-1" dirty="0">
+                <a:solidFill>
+                  <a:srgbClr val="0066CC"/>
+                </a:solidFill>
+                <a:latin typeface="Arial"/>
+              </a:rPr>
+              <a:t> </a:t>
+            </a:r>
+            <a:r>
+              <a:rPr lang="en-US" sz="2600" b="0" strike="noStrike" spc="-1" dirty="0" err="1">
+                <a:solidFill>
+                  <a:srgbClr val="0066CC"/>
+                </a:solidFill>
+                <a:latin typeface="Arial"/>
+              </a:rPr>
+              <a:t>реализуют</a:t>
+            </a:r>
+            <a:r>
+              <a:rPr lang="en-US" sz="2600" b="0" strike="noStrike" spc="-1" dirty="0">
+                <a:solidFill>
+                  <a:srgbClr val="0066CC"/>
+                </a:solidFill>
+                <a:latin typeface="Arial"/>
+              </a:rPr>
+              <a:t> </a:t>
+            </a:r>
+            <a:r>
+              <a:rPr lang="en-US" sz="2600" b="0" strike="noStrike" spc="-1" dirty="0" err="1">
+                <a:solidFill>
+                  <a:srgbClr val="0066CC"/>
+                </a:solidFill>
+                <a:latin typeface="Arial"/>
+              </a:rPr>
+              <a:t>два</a:t>
+            </a:r>
+            <a:r>
+              <a:rPr lang="en-US" sz="2600" b="0" strike="noStrike" spc="-1" dirty="0">
+                <a:solidFill>
+                  <a:srgbClr val="0066CC"/>
+                </a:solidFill>
+                <a:latin typeface="Arial"/>
+              </a:rPr>
+              <a:t> </a:t>
+            </a:r>
+            <a:r>
+              <a:rPr lang="en-US" sz="2600" b="0" strike="noStrike" spc="-1" dirty="0" err="1">
+                <a:solidFill>
+                  <a:srgbClr val="0066CC"/>
+                </a:solidFill>
+                <a:latin typeface="Arial"/>
+              </a:rPr>
+              <a:t>класса</a:t>
+            </a:r>
+            <a:r>
+              <a:rPr lang="en-US" sz="2600" b="0" strike="noStrike" spc="-1" dirty="0">
+                <a:solidFill>
+                  <a:srgbClr val="0066CC"/>
+                </a:solidFill>
+                <a:latin typeface="Arial"/>
+              </a:rPr>
+              <a:t> </a:t>
+            </a:r>
+            <a:r>
+              <a:rPr lang="en-US" sz="2600" b="0" strike="noStrike" spc="-1" dirty="0" err="1">
+                <a:solidFill>
+                  <a:srgbClr val="0066CC"/>
+                </a:solidFill>
+                <a:latin typeface="Arial"/>
+              </a:rPr>
+              <a:t>StandardInternetAddress</a:t>
+            </a:r>
+            <a:r>
+              <a:rPr lang="en-US" sz="2600" b="0" strike="noStrike" spc="-1" dirty="0">
+                <a:solidFill>
+                  <a:srgbClr val="0066CC"/>
+                </a:solidFill>
+                <a:latin typeface="Arial"/>
+              </a:rPr>
+              <a:t> и </a:t>
+            </a:r>
+            <a:r>
+              <a:rPr lang="en-US" sz="2600" b="0" strike="noStrike" spc="-1" dirty="0" err="1">
+                <a:solidFill>
+                  <a:srgbClr val="0066CC"/>
+                </a:solidFill>
+                <a:latin typeface="Arial"/>
+              </a:rPr>
+              <a:t>SimpleTemplateValidator</a:t>
+            </a:r>
+            <a:endParaRPr lang="en-US" sz="2600" b="0" strike="noStrike" spc="-1" dirty="0">
+              <a:solidFill>
+                <a:srgbClr val="0066CC"/>
+              </a:solidFill>
+              <a:latin typeface="Arial"/>
+            </a:endParaRPr>
           </a:p>
           <a:p>
             <a:pPr marL="432000" indent="-324000">
@@ -5968,14 +7023,164 @@
               <a:buChar char=""/>
             </a:pPr>
             <a:r>
-              <a:rPr lang="en-US" sz="2600" b="0" strike="noStrike" spc="-1">
-                <a:solidFill>
-                  <a:srgbClr val="0066CC"/>
-                </a:solidFill>
-                <a:latin typeface="Arial"/>
-              </a:rPr>
-              <a:t>SimpleTemplateValidator валидирует на соответствие согласно общепринятым стандартам, указанным в Допущениях</a:t>
-            </a:r>
+              <a:rPr lang="en-US" sz="2600" b="0" strike="noStrike" spc="-1" dirty="0" err="1">
+                <a:solidFill>
+                  <a:srgbClr val="0066CC"/>
+                </a:solidFill>
+                <a:latin typeface="Arial"/>
+              </a:rPr>
+              <a:t>SimpleTemplateValidator</a:t>
+            </a:r>
+            <a:r>
+              <a:rPr lang="en-US" sz="2600" b="0" strike="noStrike" spc="-1" dirty="0">
+                <a:solidFill>
+                  <a:srgbClr val="0066CC"/>
+                </a:solidFill>
+                <a:latin typeface="Arial"/>
+              </a:rPr>
+              <a:t> </a:t>
+            </a:r>
+            <a:r>
+              <a:rPr lang="en-US" sz="2600" b="0" strike="noStrike" spc="-1" dirty="0" err="1">
+                <a:solidFill>
+                  <a:srgbClr val="0066CC"/>
+                </a:solidFill>
+                <a:latin typeface="Arial"/>
+              </a:rPr>
+              <a:t>валидирует</a:t>
+            </a:r>
+            <a:r>
+              <a:rPr lang="en-US" sz="2600" b="0" strike="noStrike" spc="-1" dirty="0">
+                <a:solidFill>
+                  <a:srgbClr val="0066CC"/>
+                </a:solidFill>
+                <a:latin typeface="Arial"/>
+              </a:rPr>
+              <a:t> </a:t>
+            </a:r>
+            <a:r>
+              <a:rPr lang="en-US" sz="2600" b="0" strike="noStrike" spc="-1" dirty="0" err="1">
+                <a:solidFill>
+                  <a:srgbClr val="0066CC"/>
+                </a:solidFill>
+                <a:latin typeface="Arial"/>
+              </a:rPr>
+              <a:t>на</a:t>
+            </a:r>
+            <a:r>
+              <a:rPr lang="en-US" sz="2600" b="0" strike="noStrike" spc="-1" dirty="0">
+                <a:solidFill>
+                  <a:srgbClr val="0066CC"/>
+                </a:solidFill>
+                <a:latin typeface="Arial"/>
+              </a:rPr>
+              <a:t> </a:t>
+            </a:r>
+            <a:r>
+              <a:rPr lang="en-US" sz="2600" b="0" strike="noStrike" spc="-1" dirty="0" err="1">
+                <a:solidFill>
+                  <a:srgbClr val="0066CC"/>
+                </a:solidFill>
+                <a:latin typeface="Arial"/>
+              </a:rPr>
+              <a:t>соответствие</a:t>
+            </a:r>
+            <a:r>
+              <a:rPr lang="en-US" sz="2600" b="0" strike="noStrike" spc="-1" dirty="0">
+                <a:solidFill>
+                  <a:srgbClr val="0066CC"/>
+                </a:solidFill>
+                <a:latin typeface="Arial"/>
+              </a:rPr>
+              <a:t> </a:t>
+            </a:r>
+            <a:r>
+              <a:rPr lang="en-US" sz="2600" b="0" strike="noStrike" spc="-1" dirty="0" err="1">
+                <a:solidFill>
+                  <a:srgbClr val="0066CC"/>
+                </a:solidFill>
+                <a:latin typeface="Arial"/>
+              </a:rPr>
+              <a:t>согласно</a:t>
+            </a:r>
+            <a:r>
+              <a:rPr lang="en-US" sz="2600" b="0" strike="noStrike" spc="-1" dirty="0">
+                <a:solidFill>
+                  <a:srgbClr val="0066CC"/>
+                </a:solidFill>
+                <a:latin typeface="Arial"/>
+              </a:rPr>
+              <a:t> </a:t>
+            </a:r>
+            <a:r>
+              <a:rPr lang="en-US" sz="2600" b="0" strike="noStrike" spc="-1" dirty="0" err="1">
+                <a:solidFill>
+                  <a:srgbClr val="0066CC"/>
+                </a:solidFill>
+                <a:latin typeface="Arial"/>
+              </a:rPr>
+              <a:t>общепринятым</a:t>
+            </a:r>
+            <a:r>
+              <a:rPr lang="en-US" sz="2600" b="0" strike="noStrike" spc="-1" dirty="0">
+                <a:solidFill>
+                  <a:srgbClr val="0066CC"/>
+                </a:solidFill>
+                <a:latin typeface="Arial"/>
+              </a:rPr>
+              <a:t> </a:t>
+            </a:r>
+            <a:r>
+              <a:rPr lang="en-US" sz="2600" b="0" strike="noStrike" spc="-1" dirty="0" err="1">
+                <a:solidFill>
+                  <a:srgbClr val="0066CC"/>
+                </a:solidFill>
+                <a:latin typeface="Arial"/>
+              </a:rPr>
+              <a:t>стандартам</a:t>
+            </a:r>
+            <a:r>
+              <a:rPr lang="en-US" sz="2600" b="0" strike="noStrike" spc="-1" dirty="0">
+                <a:solidFill>
+                  <a:srgbClr val="0066CC"/>
+                </a:solidFill>
+                <a:latin typeface="Arial"/>
+              </a:rPr>
+              <a:t>, </a:t>
+            </a:r>
+            <a:r>
+              <a:rPr lang="en-US" sz="2600" b="0" strike="noStrike" spc="-1" dirty="0" err="1">
+                <a:solidFill>
+                  <a:srgbClr val="0066CC"/>
+                </a:solidFill>
+                <a:latin typeface="Arial"/>
+              </a:rPr>
+              <a:t>указанным</a:t>
+            </a:r>
+            <a:r>
+              <a:rPr lang="en-US" sz="2600" b="0" strike="noStrike" spc="-1" dirty="0">
+                <a:solidFill>
+                  <a:srgbClr val="0066CC"/>
+                </a:solidFill>
+                <a:latin typeface="Arial"/>
+              </a:rPr>
+              <a:t> в </a:t>
+            </a:r>
+            <a:r>
+              <a:rPr lang="en-US" sz="2600" b="0" strike="noStrike" spc="-1" dirty="0" err="1">
+                <a:solidFill>
+                  <a:srgbClr val="0066CC"/>
+                </a:solidFill>
+                <a:latin typeface="Arial"/>
+              </a:rPr>
+              <a:t>Допущениях</a:t>
+            </a:r>
+            <a:endParaRPr lang="en-US" sz="2600" b="0" strike="noStrike" spc="-1" dirty="0">
+              <a:solidFill>
+                <a:srgbClr val="0066CC"/>
+              </a:solidFill>
+              <a:latin typeface="Arial"/>
+            </a:endParaRPr>
           </a:p>
           <a:p>
             <a:pPr marL="432000" indent="-324000">
@@ -5990,13 +7195,202 @@
               <a:buChar char=""/>
             </a:pPr>
             <a:r>
-              <a:rPr lang="en-US" sz="2600" b="0" strike="noStrike" spc="-1">
-                <a:solidFill>
-                  <a:srgbClr val="0066CC"/>
-                </a:solidFill>
-                <a:latin typeface="Arial"/>
-              </a:rPr>
-              <a:t>StandardInternetAddress валидирует на основе стандартного класса пакета javax.mail на соответствие стандарту RFC 822</a:t>
+              <a:rPr lang="en-US" sz="2600" b="0" strike="noStrike" spc="-1" dirty="0" err="1">
+                <a:solidFill>
+                  <a:srgbClr val="0066CC"/>
+                </a:solidFill>
+                <a:latin typeface="Arial"/>
+              </a:rPr>
+              <a:t>StandardInternetAddress</a:t>
+            </a:r>
+            <a:r>
+              <a:rPr lang="en-US" sz="2600" b="0" strike="noStrike" spc="-1" dirty="0">
+                <a:solidFill>
+                  <a:srgbClr val="0066CC"/>
+                </a:solidFill>
+                <a:latin typeface="Arial"/>
+              </a:rPr>
+              <a:t> </a:t>
+            </a:r>
+            <a:r>
+              <a:rPr lang="en-US" sz="2600" b="0" strike="noStrike" spc="-1" dirty="0" err="1">
+                <a:solidFill>
+                  <a:srgbClr val="0066CC"/>
+                </a:solidFill>
+                <a:latin typeface="Arial"/>
+              </a:rPr>
+              <a:t>валидирует</a:t>
+            </a:r>
+            <a:r>
+              <a:rPr lang="en-US" sz="2600" b="0" strike="noStrike" spc="-1" dirty="0">
+                <a:solidFill>
+                  <a:srgbClr val="0066CC"/>
+                </a:solidFill>
+                <a:latin typeface="Arial"/>
+              </a:rPr>
+              <a:t> </a:t>
+            </a:r>
+            <a:r>
+              <a:rPr lang="en-US" sz="2600" b="0" strike="noStrike" spc="-1" dirty="0" err="1">
+                <a:solidFill>
+                  <a:srgbClr val="0066CC"/>
+                </a:solidFill>
+                <a:latin typeface="Arial"/>
+              </a:rPr>
+              <a:t>на</a:t>
+            </a:r>
+            <a:r>
+              <a:rPr lang="en-US" sz="2600" b="0" strike="noStrike" spc="-1" dirty="0">
+                <a:solidFill>
+                  <a:srgbClr val="0066CC"/>
+                </a:solidFill>
+                <a:latin typeface="Arial"/>
+              </a:rPr>
+              <a:t> </a:t>
+            </a:r>
+            <a:r>
+              <a:rPr lang="en-US" sz="2600" b="0" strike="noStrike" spc="-1" dirty="0" err="1">
+                <a:solidFill>
+                  <a:srgbClr val="0066CC"/>
+                </a:solidFill>
+                <a:latin typeface="Arial"/>
+              </a:rPr>
+              <a:t>основе</a:t>
+            </a:r>
+            <a:r>
+              <a:rPr lang="en-US" sz="2600" b="0" strike="noStrike" spc="-1" dirty="0">
+                <a:solidFill>
+                  <a:srgbClr val="0066CC"/>
+                </a:solidFill>
+                <a:latin typeface="Arial"/>
+              </a:rPr>
+              <a:t> </a:t>
+            </a:r>
+            <a:r>
+              <a:rPr lang="en-US" sz="2600" b="0" strike="noStrike" spc="-1" dirty="0" err="1">
+                <a:solidFill>
+                  <a:srgbClr val="0066CC"/>
+                </a:solidFill>
+                <a:latin typeface="Arial"/>
+              </a:rPr>
+              <a:t>стандартного</a:t>
+            </a:r>
+            <a:r>
+              <a:rPr lang="en-US" sz="2600" b="0" strike="noStrike" spc="-1" dirty="0">
+                <a:solidFill>
+                  <a:srgbClr val="0066CC"/>
+                </a:solidFill>
+                <a:latin typeface="Arial"/>
+              </a:rPr>
+              <a:t> </a:t>
+            </a:r>
+            <a:r>
+              <a:rPr lang="en-US" sz="2600" b="0" strike="noStrike" spc="-1" dirty="0" err="1">
+                <a:solidFill>
+                  <a:srgbClr val="0066CC"/>
+                </a:solidFill>
+                <a:latin typeface="Arial"/>
+              </a:rPr>
+              <a:t>класса</a:t>
+            </a:r>
+            <a:r>
+              <a:rPr lang="en-US" sz="2600" b="0" strike="noStrike" spc="-1" dirty="0">
+                <a:solidFill>
+                  <a:srgbClr val="0066CC"/>
+                </a:solidFill>
+                <a:latin typeface="Arial"/>
+              </a:rPr>
+              <a:t> </a:t>
+            </a:r>
+            <a:r>
+              <a:rPr lang="en-US" sz="2600" b="0" strike="noStrike" spc="-1" dirty="0" err="1">
+                <a:solidFill>
+                  <a:srgbClr val="0066CC"/>
+                </a:solidFill>
+                <a:latin typeface="Arial"/>
+              </a:rPr>
+              <a:t>пакета</a:t>
+            </a:r>
+            <a:r>
+              <a:rPr lang="en-US" sz="2600" b="0" strike="noStrike" spc="-1" dirty="0">
+                <a:solidFill>
+                  <a:srgbClr val="0066CC"/>
+                </a:solidFill>
+                <a:latin typeface="Arial"/>
+              </a:rPr>
+              <a:t> </a:t>
+            </a:r>
+            <a:r>
+              <a:rPr lang="en-US" sz="2600" b="0" strike="noStrike" spc="-1" dirty="0" err="1">
+                <a:solidFill>
+                  <a:srgbClr val="0066CC"/>
+                </a:solidFill>
+                <a:latin typeface="Arial"/>
+              </a:rPr>
+              <a:t>javax.mail</a:t>
+            </a:r>
+            <a:r>
+              <a:rPr lang="en-US" sz="2600" b="0" strike="noStrike" spc="-1" dirty="0">
+                <a:solidFill>
+                  <a:srgbClr val="0066CC"/>
+                </a:solidFill>
+                <a:latin typeface="Arial"/>
+              </a:rPr>
+              <a:t> </a:t>
+            </a:r>
+            <a:r>
+              <a:rPr lang="en-US" sz="2600" b="0" strike="noStrike" spc="-1" dirty="0" err="1">
+                <a:solidFill>
+                  <a:srgbClr val="0066CC"/>
+                </a:solidFill>
+                <a:latin typeface="Arial"/>
+              </a:rPr>
+              <a:t>на</a:t>
+            </a:r>
+            <a:r>
+              <a:rPr lang="en-US" sz="2600" b="0" strike="noStrike" spc="-1" dirty="0">
+                <a:solidFill>
+                  <a:srgbClr val="0066CC"/>
+                </a:solidFill>
+                <a:latin typeface="Arial"/>
+              </a:rPr>
+              <a:t> </a:t>
+            </a:r>
+            <a:r>
+              <a:rPr lang="en-US" sz="2600" b="0" strike="noStrike" spc="-1" dirty="0" err="1">
+                <a:solidFill>
+                  <a:srgbClr val="0066CC"/>
+                </a:solidFill>
+                <a:latin typeface="Arial"/>
+              </a:rPr>
+              <a:t>соответствие</a:t>
+            </a:r>
+            <a:r>
+              <a:rPr lang="en-US" sz="2600" b="0" strike="noStrike" spc="-1" dirty="0">
+                <a:solidFill>
+                  <a:srgbClr val="0066CC"/>
+                </a:solidFill>
+                <a:latin typeface="Arial"/>
+              </a:rPr>
+              <a:t> </a:t>
+            </a:r>
+            <a:r>
+              <a:rPr lang="en-US" sz="2600" b="0" strike="noStrike" spc="-1" dirty="0" err="1">
+                <a:solidFill>
+                  <a:srgbClr val="0066CC"/>
+                </a:solidFill>
+                <a:latin typeface="Arial"/>
+              </a:rPr>
+              <a:t>стандарту</a:t>
+            </a:r>
+            <a:r>
+              <a:rPr lang="en-US" sz="2600" b="0" strike="noStrike" spc="-1" dirty="0">
+                <a:solidFill>
+                  <a:srgbClr val="0066CC"/>
+                </a:solidFill>
+                <a:latin typeface="Arial"/>
+              </a:rPr>
+              <a:t> RFC 822</a:t>
             </a:r>
           </a:p>
           <a:p>
@@ -6011,7 +7405,7 @@
               <a:buFont typeface="Wingdings" charset="2"/>
               <a:buChar char=""/>
             </a:pPr>
-            <a:endParaRPr lang="en-US" sz="2600" b="0" strike="noStrike" spc="-1">
+            <a:endParaRPr lang="en-US" sz="2600" b="0" strike="noStrike" spc="-1" dirty="0">
               <a:solidFill>
                 <a:srgbClr val="0066CC"/>
               </a:solidFill>
